--- a/Plan/졸업작품제안서_200925.pptx
+++ b/Plan/졸업작품제안서_200925.pptx
@@ -5,17 +5,27 @@
     <p:sldMasterId id="2147483648" r:id="rId1"/>
   </p:sldMasterIdLst>
   <p:notesMasterIdLst>
-    <p:notesMasterId r:id="rId7"/>
+    <p:notesMasterId r:id="rId17"/>
   </p:notesMasterIdLst>
   <p:handoutMasterIdLst>
-    <p:handoutMasterId r:id="rId8"/>
+    <p:handoutMasterId r:id="rId18"/>
   </p:handoutMasterIdLst>
   <p:sldIdLst>
     <p:sldId id="262" r:id="rId2"/>
     <p:sldId id="258" r:id="rId3"/>
     <p:sldId id="259" r:id="rId4"/>
     <p:sldId id="263" r:id="rId5"/>
-    <p:sldId id="260" r:id="rId6"/>
+    <p:sldId id="265" r:id="rId6"/>
+    <p:sldId id="264" r:id="rId7"/>
+    <p:sldId id="266" r:id="rId8"/>
+    <p:sldId id="267" r:id="rId9"/>
+    <p:sldId id="268" r:id="rId10"/>
+    <p:sldId id="269" r:id="rId11"/>
+    <p:sldId id="270" r:id="rId12"/>
+    <p:sldId id="272" r:id="rId13"/>
+    <p:sldId id="271" r:id="rId14"/>
+    <p:sldId id="273" r:id="rId15"/>
+    <p:sldId id="260" r:id="rId16"/>
   </p:sldIdLst>
   <p:sldSz cx="12192000" cy="6858000"/>
   <p:notesSz cx="6858000" cy="9144000"/>
@@ -4310,6 +4320,3320 @@
     <p:extLst>
       <p:ext uri="{BB962C8B-B14F-4D97-AF65-F5344CB8AC3E}">
         <p14:creationId xmlns:p14="http://schemas.microsoft.com/office/powerpoint/2010/main" val="1368088830"/>
+      </p:ext>
+    </p:extLst>
+  </p:cSld>
+  <p:clrMapOvr>
+    <a:masterClrMapping/>
+  </p:clrMapOvr>
+</p:sld>
+</file>
+
+<file path=ppt/slides/slide10.xml><?xml version="1.0" encoding="utf-8"?>
+<p:sld xmlns:a="http://schemas.openxmlformats.org/drawingml/2006/main" xmlns:r="http://schemas.openxmlformats.org/officeDocument/2006/relationships" xmlns:p="http://schemas.openxmlformats.org/presentationml/2006/main">
+  <p:cSld>
+    <p:spTree>
+      <p:nvGrpSpPr>
+        <p:cNvPr id="1" name=""/>
+        <p:cNvGrpSpPr/>
+        <p:nvPr/>
+      </p:nvGrpSpPr>
+      <p:grpSpPr>
+        <a:xfrm>
+          <a:off x="0" y="0"/>
+          <a:ext cx="0" cy="0"/>
+          <a:chOff x="0" y="0"/>
+          <a:chExt cx="0" cy="0"/>
+        </a:xfrm>
+      </p:grpSpPr>
+      <p:sp>
+        <p:nvSpPr>
+          <p:cNvPr id="2" name="슬라이드 번호 개체 틀 1">
+            <a:extLst>
+              <a:ext uri="{FF2B5EF4-FFF2-40B4-BE49-F238E27FC236}">
+                <a16:creationId xmlns:a16="http://schemas.microsoft.com/office/drawing/2014/main" id="{DE27BE1C-FDFC-4E9B-A52F-E8DFE1113ED8}"/>
+              </a:ext>
+            </a:extLst>
+          </p:cNvPr>
+          <p:cNvSpPr>
+            <a:spLocks noGrp="1"/>
+          </p:cNvSpPr>
+          <p:nvPr>
+            <p:ph type="sldNum" sz="quarter" idx="12"/>
+          </p:nvPr>
+        </p:nvSpPr>
+        <p:spPr/>
+        <p:txBody>
+          <a:bodyPr/>
+          <a:lstStyle/>
+          <a:p>
+            <a:fld id="{EAFD5DB9-D65E-4BD5-BFD1-9816D26FC0AE}" type="slidenum">
+              <a:rPr lang="ko-KR" altLang="en-US" smtClean="0"/>
+              <a:t>10</a:t>
+            </a:fld>
+            <a:endParaRPr lang="ko-KR" altLang="en-US" dirty="0"/>
+          </a:p>
+        </p:txBody>
+      </p:sp>
+      <p:grpSp>
+        <p:nvGrpSpPr>
+          <p:cNvPr id="10" name="그룹 9">
+            <a:extLst>
+              <a:ext uri="{FF2B5EF4-FFF2-40B4-BE49-F238E27FC236}">
+                <a16:creationId xmlns:a16="http://schemas.microsoft.com/office/drawing/2014/main" id="{3F04C0F6-5182-4A0C-9F34-B8A76C3261DF}"/>
+              </a:ext>
+            </a:extLst>
+          </p:cNvPr>
+          <p:cNvGrpSpPr/>
+          <p:nvPr/>
+        </p:nvGrpSpPr>
+        <p:grpSpPr>
+          <a:xfrm>
+            <a:off x="-1" y="89416"/>
+            <a:ext cx="3109426" cy="1228387"/>
+            <a:chOff x="-1" y="89416"/>
+            <a:chExt cx="3109426" cy="1228387"/>
+          </a:xfrm>
+        </p:grpSpPr>
+        <p:cxnSp>
+          <p:nvCxnSpPr>
+            <p:cNvPr id="11" name="직선 연결선 10">
+              <a:extLst>
+                <a:ext uri="{FF2B5EF4-FFF2-40B4-BE49-F238E27FC236}">
+                  <a16:creationId xmlns:a16="http://schemas.microsoft.com/office/drawing/2014/main" id="{1CF58698-6A62-4F05-9BE0-58CE2528057F}"/>
+                </a:ext>
+              </a:extLst>
+            </p:cNvPr>
+            <p:cNvCxnSpPr>
+              <a:cxnSpLocks/>
+            </p:cNvCxnSpPr>
+            <p:nvPr/>
+          </p:nvCxnSpPr>
+          <p:spPr>
+            <a:xfrm>
+              <a:off x="-1" y="674192"/>
+              <a:ext cx="3024000" cy="0"/>
+            </a:xfrm>
+            <a:prstGeom prst="line">
+              <a:avLst/>
+            </a:prstGeom>
+            <a:ln w="31750">
+              <a:solidFill>
+                <a:schemeClr val="tx1"/>
+              </a:solidFill>
+            </a:ln>
+          </p:spPr>
+          <p:style>
+            <a:lnRef idx="1">
+              <a:schemeClr val="accent1"/>
+            </a:lnRef>
+            <a:fillRef idx="0">
+              <a:schemeClr val="accent1"/>
+            </a:fillRef>
+            <a:effectRef idx="0">
+              <a:schemeClr val="accent1"/>
+            </a:effectRef>
+            <a:fontRef idx="minor">
+              <a:schemeClr val="tx1"/>
+            </a:fontRef>
+          </p:style>
+        </p:cxnSp>
+        <p:grpSp>
+          <p:nvGrpSpPr>
+            <p:cNvPr id="12" name="그룹 11">
+              <a:extLst>
+                <a:ext uri="{FF2B5EF4-FFF2-40B4-BE49-F238E27FC236}">
+                  <a16:creationId xmlns:a16="http://schemas.microsoft.com/office/drawing/2014/main" id="{FDC0607F-519D-439E-BD1D-54EF8D0343E5}"/>
+                </a:ext>
+              </a:extLst>
+            </p:cNvPr>
+            <p:cNvGrpSpPr/>
+            <p:nvPr/>
+          </p:nvGrpSpPr>
+          <p:grpSpPr>
+            <a:xfrm>
+              <a:off x="180682" y="381803"/>
+              <a:ext cx="720000" cy="936000"/>
+              <a:chOff x="3315529" y="2148709"/>
+              <a:chExt cx="720000" cy="936000"/>
+            </a:xfrm>
+          </p:grpSpPr>
+          <p:sp>
+            <p:nvSpPr>
+              <p:cNvPr id="15" name="자유형: 도형 14">
+                <a:extLst>
+                  <a:ext uri="{FF2B5EF4-FFF2-40B4-BE49-F238E27FC236}">
+                    <a16:creationId xmlns:a16="http://schemas.microsoft.com/office/drawing/2014/main" id="{ABFE0CCE-740F-46EA-9B34-7CDEF87E5491}"/>
+                  </a:ext>
+                </a:extLst>
+              </p:cNvPr>
+              <p:cNvSpPr/>
+              <p:nvPr/>
+            </p:nvSpPr>
+            <p:spPr>
+              <a:xfrm flipV="1">
+                <a:off x="3315529" y="2148709"/>
+                <a:ext cx="720000" cy="936000"/>
+              </a:xfrm>
+              <a:custGeom>
+                <a:avLst/>
+                <a:gdLst>
+                  <a:gd name="connsiteX0" fmla="*/ 0 w 1800000"/>
+                  <a:gd name="connsiteY0" fmla="*/ 3902305 h 3902305"/>
+                  <a:gd name="connsiteX1" fmla="*/ 1800000 w 1800000"/>
+                  <a:gd name="connsiteY1" fmla="*/ 3902305 h 3902305"/>
+                  <a:gd name="connsiteX2" fmla="*/ 1800000 w 1800000"/>
+                  <a:gd name="connsiteY2" fmla="*/ 370908 h 3902305"/>
+                  <a:gd name="connsiteX3" fmla="*/ 1800000 w 1800000"/>
+                  <a:gd name="connsiteY3" fmla="*/ 369329 h 3902305"/>
+                  <a:gd name="connsiteX4" fmla="*/ 1800000 w 1800000"/>
+                  <a:gd name="connsiteY4" fmla="*/ 1577 h 3902305"/>
+                  <a:gd name="connsiteX5" fmla="*/ 903848 w 1800000"/>
+                  <a:gd name="connsiteY5" fmla="*/ 369329 h 3902305"/>
+                  <a:gd name="connsiteX6" fmla="*/ 899995 w 1800000"/>
+                  <a:gd name="connsiteY6" fmla="*/ 369329 h 3902305"/>
+                  <a:gd name="connsiteX7" fmla="*/ 0 w 1800000"/>
+                  <a:gd name="connsiteY7" fmla="*/ 0 h 3902305"/>
+                  <a:gd name="connsiteX8" fmla="*/ 0 w 1800000"/>
+                  <a:gd name="connsiteY8" fmla="*/ 369329 h 3902305"/>
+                  <a:gd name="connsiteX9" fmla="*/ 0 w 1800000"/>
+                  <a:gd name="connsiteY9" fmla="*/ 369331 h 3902305"/>
+                </a:gdLst>
+                <a:ahLst/>
+                <a:cxnLst>
+                  <a:cxn ang="0">
+                    <a:pos x="connsiteX0" y="connsiteY0"/>
+                  </a:cxn>
+                  <a:cxn ang="0">
+                    <a:pos x="connsiteX1" y="connsiteY1"/>
+                  </a:cxn>
+                  <a:cxn ang="0">
+                    <a:pos x="connsiteX2" y="connsiteY2"/>
+                  </a:cxn>
+                  <a:cxn ang="0">
+                    <a:pos x="connsiteX3" y="connsiteY3"/>
+                  </a:cxn>
+                  <a:cxn ang="0">
+                    <a:pos x="connsiteX4" y="connsiteY4"/>
+                  </a:cxn>
+                  <a:cxn ang="0">
+                    <a:pos x="connsiteX5" y="connsiteY5"/>
+                  </a:cxn>
+                  <a:cxn ang="0">
+                    <a:pos x="connsiteX6" y="connsiteY6"/>
+                  </a:cxn>
+                  <a:cxn ang="0">
+                    <a:pos x="connsiteX7" y="connsiteY7"/>
+                  </a:cxn>
+                  <a:cxn ang="0">
+                    <a:pos x="connsiteX8" y="connsiteY8"/>
+                  </a:cxn>
+                  <a:cxn ang="0">
+                    <a:pos x="connsiteX9" y="connsiteY9"/>
+                  </a:cxn>
+                </a:cxnLst>
+                <a:rect l="l" t="t" r="r" b="b"/>
+                <a:pathLst>
+                  <a:path w="1800000" h="3902305">
+                    <a:moveTo>
+                      <a:pt x="0" y="3902305"/>
+                    </a:moveTo>
+                    <a:lnTo>
+                      <a:pt x="1800000" y="3902305"/>
+                    </a:lnTo>
+                    <a:lnTo>
+                      <a:pt x="1800000" y="370908"/>
+                    </a:lnTo>
+                    <a:lnTo>
+                      <a:pt x="1800000" y="369329"/>
+                    </a:lnTo>
+                    <a:lnTo>
+                      <a:pt x="1800000" y="1577"/>
+                    </a:lnTo>
+                    <a:lnTo>
+                      <a:pt x="903848" y="369329"/>
+                    </a:lnTo>
+                    <a:lnTo>
+                      <a:pt x="899995" y="369329"/>
+                    </a:lnTo>
+                    <a:lnTo>
+                      <a:pt x="0" y="0"/>
+                    </a:lnTo>
+                    <a:lnTo>
+                      <a:pt x="0" y="369329"/>
+                    </a:lnTo>
+                    <a:lnTo>
+                      <a:pt x="0" y="369331"/>
+                    </a:lnTo>
+                    <a:close/>
+                  </a:path>
+                </a:pathLst>
+              </a:custGeom>
+              <a:solidFill>
+                <a:srgbClr val="3D91E4"/>
+              </a:solidFill>
+              <a:ln w="38100">
+                <a:solidFill>
+                  <a:schemeClr val="tx1"/>
+                </a:solidFill>
+              </a:ln>
+            </p:spPr>
+            <p:style>
+              <a:lnRef idx="2">
+                <a:schemeClr val="accent1">
+                  <a:shade val="50000"/>
+                </a:schemeClr>
+              </a:lnRef>
+              <a:fillRef idx="1">
+                <a:schemeClr val="accent1"/>
+              </a:fillRef>
+              <a:effectRef idx="0">
+                <a:schemeClr val="accent1"/>
+              </a:effectRef>
+              <a:fontRef idx="minor">
+                <a:schemeClr val="lt1"/>
+              </a:fontRef>
+            </p:style>
+            <p:txBody>
+              <a:bodyPr wrap="square" rtlCol="0" anchor="ctr">
+                <a:noAutofit/>
+              </a:bodyPr>
+              <a:lstStyle/>
+              <a:p>
+                <a:pPr algn="ctr"/>
+                <a:endParaRPr lang="ko-KR" altLang="en-US" dirty="0"/>
+              </a:p>
+            </p:txBody>
+          </p:sp>
+          <p:pic>
+            <p:nvPicPr>
+              <p:cNvPr id="16" name="그래픽 15">
+                <a:extLst>
+                  <a:ext uri="{FF2B5EF4-FFF2-40B4-BE49-F238E27FC236}">
+                    <a16:creationId xmlns:a16="http://schemas.microsoft.com/office/drawing/2014/main" id="{81ADACD6-8255-46A1-AB38-6A1E1F62A5A1}"/>
+                  </a:ext>
+                </a:extLst>
+              </p:cNvPr>
+              <p:cNvPicPr>
+                <a:picLocks noChangeAspect="1"/>
+              </p:cNvPicPr>
+              <p:nvPr/>
+            </p:nvPicPr>
+            <p:blipFill>
+              <a:blip r:embed="rId2" cstate="print">
+                <a:extLst>
+                  <a:ext uri="{28A0092B-C50C-407E-A947-70E740481C1C}">
+                    <a14:useLocalDpi xmlns:a14="http://schemas.microsoft.com/office/drawing/2010/main" val="0"/>
+                  </a:ext>
+                  <a:ext uri="{96DAC541-7B7A-43D3-8B79-37D633B846F1}">
+                    <asvg:svgBlip xmlns:asvg="http://schemas.microsoft.com/office/drawing/2016/SVG/main" r:embed="rId3"/>
+                  </a:ext>
+                </a:extLst>
+              </a:blip>
+              <a:stretch>
+                <a:fillRect/>
+              </a:stretch>
+            </p:blipFill>
+            <p:spPr>
+              <a:xfrm>
+                <a:off x="3405529" y="2318134"/>
+                <a:ext cx="540000" cy="540000"/>
+              </a:xfrm>
+              <a:prstGeom prst="rect">
+                <a:avLst/>
+              </a:prstGeom>
+            </p:spPr>
+          </p:pic>
+        </p:grpSp>
+        <p:sp>
+          <p:nvSpPr>
+            <p:cNvPr id="13" name="TextBox 12">
+              <a:extLst>
+                <a:ext uri="{FF2B5EF4-FFF2-40B4-BE49-F238E27FC236}">
+                  <a16:creationId xmlns:a16="http://schemas.microsoft.com/office/drawing/2014/main" id="{DAA535BE-FBEF-43F4-8BD5-50F729779E84}"/>
+                </a:ext>
+              </a:extLst>
+            </p:cNvPr>
+            <p:cNvSpPr txBox="1"/>
+            <p:nvPr/>
+          </p:nvSpPr>
+          <p:spPr>
+            <a:xfrm>
+              <a:off x="995354" y="89416"/>
+              <a:ext cx="2114071" cy="584775"/>
+            </a:xfrm>
+            <a:prstGeom prst="rect">
+              <a:avLst/>
+            </a:prstGeom>
+            <a:noFill/>
+          </p:spPr>
+          <p:txBody>
+            <a:bodyPr wrap="square" rtlCol="0">
+              <a:spAutoFit/>
+            </a:bodyPr>
+            <a:lstStyle/>
+            <a:p>
+              <a:r>
+                <a:rPr lang="ko-KR" altLang="en-US" sz="3200" b="1" dirty="0">
+                  <a:latin typeface="배달의민족 도현" panose="020B0600000101010101" pitchFamily="50" charset="-127"/>
+                  <a:ea typeface="배달의민족 도현" panose="020B0600000101010101" pitchFamily="50" charset="-127"/>
+                </a:rPr>
+                <a:t>게임 소개</a:t>
+              </a:r>
+              <a:endParaRPr lang="ko-KR" altLang="en-US" sz="2400" b="1" dirty="0">
+                <a:latin typeface="배달의민족 도현" panose="020B0600000101010101" pitchFamily="50" charset="-127"/>
+                <a:ea typeface="배달의민족 도현" panose="020B0600000101010101" pitchFamily="50" charset="-127"/>
+              </a:endParaRPr>
+            </a:p>
+          </p:txBody>
+        </p:sp>
+        <p:sp>
+          <p:nvSpPr>
+            <p:cNvPr id="14" name="TextBox 13">
+              <a:extLst>
+                <a:ext uri="{FF2B5EF4-FFF2-40B4-BE49-F238E27FC236}">
+                  <a16:creationId xmlns:a16="http://schemas.microsoft.com/office/drawing/2014/main" id="{26D58ACF-012A-4458-8928-86184AE328B2}"/>
+                </a:ext>
+              </a:extLst>
+            </p:cNvPr>
+            <p:cNvSpPr txBox="1"/>
+            <p:nvPr/>
+          </p:nvSpPr>
+          <p:spPr>
+            <a:xfrm>
+              <a:off x="1081363" y="674191"/>
+              <a:ext cx="1461811" cy="369332"/>
+            </a:xfrm>
+            <a:prstGeom prst="rect">
+              <a:avLst/>
+            </a:prstGeom>
+            <a:noFill/>
+          </p:spPr>
+          <p:txBody>
+            <a:bodyPr wrap="square" rtlCol="0">
+              <a:spAutoFit/>
+            </a:bodyPr>
+            <a:lstStyle/>
+            <a:p>
+              <a:r>
+                <a:rPr lang="ko-KR" altLang="en-US">
+                  <a:latin typeface="배달의민족 도현" panose="020B0600000101010101" pitchFamily="50" charset="-127"/>
+                  <a:ea typeface="배달의민족 도현" panose="020B0600000101010101" pitchFamily="50" charset="-127"/>
+                </a:rPr>
+                <a:t>게임 플레이</a:t>
+              </a:r>
+              <a:endParaRPr lang="ko-KR" altLang="en-US" dirty="0">
+                <a:latin typeface="배달의민족 도현" panose="020B0600000101010101" pitchFamily="50" charset="-127"/>
+                <a:ea typeface="배달의민족 도현" panose="020B0600000101010101" pitchFamily="50" charset="-127"/>
+              </a:endParaRPr>
+            </a:p>
+          </p:txBody>
+        </p:sp>
+      </p:grpSp>
+      <p:sp>
+        <p:nvSpPr>
+          <p:cNvPr id="3" name="TextBox 2">
+            <a:extLst>
+              <a:ext uri="{FF2B5EF4-FFF2-40B4-BE49-F238E27FC236}">
+                <a16:creationId xmlns:a16="http://schemas.microsoft.com/office/drawing/2014/main" id="{A3E2C8BB-9BCE-47FE-AF8B-75F01262B189}"/>
+              </a:ext>
+            </a:extLst>
+          </p:cNvPr>
+          <p:cNvSpPr txBox="1"/>
+          <p:nvPr/>
+        </p:nvSpPr>
+        <p:spPr>
+          <a:xfrm>
+            <a:off x="8986589" y="5771575"/>
+            <a:ext cx="2367211" cy="584775"/>
+          </a:xfrm>
+          <a:prstGeom prst="rect">
+            <a:avLst/>
+          </a:prstGeom>
+          <a:noFill/>
+        </p:spPr>
+        <p:txBody>
+          <a:bodyPr wrap="square" rtlCol="0">
+            <a:spAutoFit/>
+          </a:bodyPr>
+          <a:lstStyle/>
+          <a:p>
+            <a:r>
+              <a:rPr lang="ko-KR" altLang="en-US" sz="3200">
+                <a:latin typeface="배달의민족 도현" panose="020B0600000101010101" pitchFamily="50" charset="-127"/>
+                <a:ea typeface="배달의민족 도현" panose="020B0600000101010101" pitchFamily="50" charset="-127"/>
+              </a:rPr>
+              <a:t>플레이 </a:t>
+            </a:r>
+            <a:r>
+              <a:rPr lang="ko-KR" altLang="en-US" sz="3200" dirty="0">
+                <a:latin typeface="배달의민족 도현" panose="020B0600000101010101" pitchFamily="50" charset="-127"/>
+                <a:ea typeface="배달의민족 도현" panose="020B0600000101010101" pitchFamily="50" charset="-127"/>
+              </a:rPr>
+              <a:t>미정</a:t>
+            </a:r>
+            <a:endParaRPr lang="ko-KR" altLang="en-US" dirty="0">
+              <a:latin typeface="배달의민족 도현" panose="020B0600000101010101" pitchFamily="50" charset="-127"/>
+              <a:ea typeface="배달의민족 도현" panose="020B0600000101010101" pitchFamily="50" charset="-127"/>
+            </a:endParaRPr>
+          </a:p>
+        </p:txBody>
+      </p:sp>
+    </p:spTree>
+    <p:extLst>
+      <p:ext uri="{BB962C8B-B14F-4D97-AF65-F5344CB8AC3E}">
+        <p14:creationId xmlns:p14="http://schemas.microsoft.com/office/powerpoint/2010/main" val="3173090373"/>
+      </p:ext>
+    </p:extLst>
+  </p:cSld>
+  <p:clrMapOvr>
+    <a:masterClrMapping/>
+  </p:clrMapOvr>
+</p:sld>
+</file>
+
+<file path=ppt/slides/slide11.xml><?xml version="1.0" encoding="utf-8"?>
+<p:sld xmlns:a="http://schemas.openxmlformats.org/drawingml/2006/main" xmlns:r="http://schemas.openxmlformats.org/officeDocument/2006/relationships" xmlns:p="http://schemas.openxmlformats.org/presentationml/2006/main">
+  <p:cSld>
+    <p:spTree>
+      <p:nvGrpSpPr>
+        <p:cNvPr id="1" name=""/>
+        <p:cNvGrpSpPr/>
+        <p:nvPr/>
+      </p:nvGrpSpPr>
+      <p:grpSpPr>
+        <a:xfrm>
+          <a:off x="0" y="0"/>
+          <a:ext cx="0" cy="0"/>
+          <a:chOff x="0" y="0"/>
+          <a:chExt cx="0" cy="0"/>
+        </a:xfrm>
+      </p:grpSpPr>
+      <p:sp>
+        <p:nvSpPr>
+          <p:cNvPr id="2" name="슬라이드 번호 개체 틀 1">
+            <a:extLst>
+              <a:ext uri="{FF2B5EF4-FFF2-40B4-BE49-F238E27FC236}">
+                <a16:creationId xmlns:a16="http://schemas.microsoft.com/office/drawing/2014/main" id="{70EA8AE6-C3FD-4F88-B708-D4FEB915FB59}"/>
+              </a:ext>
+            </a:extLst>
+          </p:cNvPr>
+          <p:cNvSpPr>
+            <a:spLocks noGrp="1"/>
+          </p:cNvSpPr>
+          <p:nvPr>
+            <p:ph type="sldNum" sz="quarter" idx="12"/>
+          </p:nvPr>
+        </p:nvSpPr>
+        <p:spPr/>
+        <p:txBody>
+          <a:bodyPr/>
+          <a:lstStyle/>
+          <a:p>
+            <a:fld id="{EAFD5DB9-D65E-4BD5-BFD1-9816D26FC0AE}" type="slidenum">
+              <a:rPr lang="ko-KR" altLang="en-US" smtClean="0"/>
+              <a:t>11</a:t>
+            </a:fld>
+            <a:endParaRPr lang="ko-KR" altLang="en-US"/>
+          </a:p>
+        </p:txBody>
+      </p:sp>
+      <p:cxnSp>
+        <p:nvCxnSpPr>
+          <p:cNvPr id="6" name="직선 연결선 5">
+            <a:extLst>
+              <a:ext uri="{FF2B5EF4-FFF2-40B4-BE49-F238E27FC236}">
+                <a16:creationId xmlns:a16="http://schemas.microsoft.com/office/drawing/2014/main" id="{F41ECE75-1EBD-4922-B6BE-79229AA7EEE9}"/>
+              </a:ext>
+            </a:extLst>
+          </p:cNvPr>
+          <p:cNvCxnSpPr>
+            <a:cxnSpLocks/>
+          </p:cNvCxnSpPr>
+          <p:nvPr/>
+        </p:nvCxnSpPr>
+        <p:spPr>
+          <a:xfrm>
+            <a:off x="-1" y="674192"/>
+            <a:ext cx="3024000" cy="0"/>
+          </a:xfrm>
+          <a:prstGeom prst="line">
+            <a:avLst/>
+          </a:prstGeom>
+          <a:ln w="31750">
+            <a:solidFill>
+              <a:schemeClr val="tx1"/>
+            </a:solidFill>
+          </a:ln>
+        </p:spPr>
+        <p:style>
+          <a:lnRef idx="1">
+            <a:schemeClr val="accent1"/>
+          </a:lnRef>
+          <a:fillRef idx="0">
+            <a:schemeClr val="accent1"/>
+          </a:fillRef>
+          <a:effectRef idx="0">
+            <a:schemeClr val="accent1"/>
+          </a:effectRef>
+          <a:fontRef idx="minor">
+            <a:schemeClr val="tx1"/>
+          </a:fontRef>
+        </p:style>
+      </p:cxnSp>
+      <p:sp>
+        <p:nvSpPr>
+          <p:cNvPr id="7" name="TextBox 6">
+            <a:extLst>
+              <a:ext uri="{FF2B5EF4-FFF2-40B4-BE49-F238E27FC236}">
+                <a16:creationId xmlns:a16="http://schemas.microsoft.com/office/drawing/2014/main" id="{93C18810-F673-4570-93C1-62078F7492CD}"/>
+              </a:ext>
+            </a:extLst>
+          </p:cNvPr>
+          <p:cNvSpPr txBox="1"/>
+          <p:nvPr/>
+        </p:nvSpPr>
+        <p:spPr>
+          <a:xfrm>
+            <a:off x="995354" y="89416"/>
+            <a:ext cx="2114071" cy="584775"/>
+          </a:xfrm>
+          <a:prstGeom prst="rect">
+            <a:avLst/>
+          </a:prstGeom>
+          <a:noFill/>
+        </p:spPr>
+        <p:txBody>
+          <a:bodyPr wrap="square" rtlCol="0">
+            <a:spAutoFit/>
+          </a:bodyPr>
+          <a:lstStyle/>
+          <a:p>
+            <a:r>
+              <a:rPr lang="ko-KR" altLang="en-US" sz="3200" b="1" dirty="0">
+                <a:latin typeface="배달의민족 도현" panose="020B0600000101010101" pitchFamily="50" charset="-127"/>
+                <a:ea typeface="배달의민족 도현" panose="020B0600000101010101" pitchFamily="50" charset="-127"/>
+              </a:rPr>
+              <a:t>연구 분야</a:t>
+            </a:r>
+            <a:endParaRPr lang="ko-KR" altLang="en-US" sz="2400" b="1" dirty="0">
+              <a:latin typeface="배달의민족 도현" panose="020B0600000101010101" pitchFamily="50" charset="-127"/>
+              <a:ea typeface="배달의민족 도현" panose="020B0600000101010101" pitchFamily="50" charset="-127"/>
+            </a:endParaRPr>
+          </a:p>
+        </p:txBody>
+      </p:sp>
+      <p:sp>
+        <p:nvSpPr>
+          <p:cNvPr id="8" name="TextBox 7">
+            <a:extLst>
+              <a:ext uri="{FF2B5EF4-FFF2-40B4-BE49-F238E27FC236}">
+                <a16:creationId xmlns:a16="http://schemas.microsoft.com/office/drawing/2014/main" id="{DBF6226E-82EA-4CA5-9446-72FF6C32073C}"/>
+              </a:ext>
+            </a:extLst>
+          </p:cNvPr>
+          <p:cNvSpPr txBox="1"/>
+          <p:nvPr/>
+        </p:nvSpPr>
+        <p:spPr>
+          <a:xfrm>
+            <a:off x="1081364" y="674191"/>
+            <a:ext cx="1313238" cy="369332"/>
+          </a:xfrm>
+          <a:prstGeom prst="rect">
+            <a:avLst/>
+          </a:prstGeom>
+          <a:noFill/>
+        </p:spPr>
+        <p:txBody>
+          <a:bodyPr wrap="square" rtlCol="0">
+            <a:spAutoFit/>
+          </a:bodyPr>
+          <a:lstStyle/>
+          <a:p>
+            <a:r>
+              <a:rPr lang="ko-KR" altLang="en-US" dirty="0">
+                <a:latin typeface="배달의민족 도현" panose="020B0600000101010101" pitchFamily="50" charset="-127"/>
+                <a:ea typeface="배달의민족 도현" panose="020B0600000101010101" pitchFamily="50" charset="-127"/>
+              </a:rPr>
+              <a:t>팀 소개</a:t>
+            </a:r>
+          </a:p>
+        </p:txBody>
+      </p:sp>
+      <p:grpSp>
+        <p:nvGrpSpPr>
+          <p:cNvPr id="3" name="그룹 2">
+            <a:extLst>
+              <a:ext uri="{FF2B5EF4-FFF2-40B4-BE49-F238E27FC236}">
+                <a16:creationId xmlns:a16="http://schemas.microsoft.com/office/drawing/2014/main" id="{A93C556C-3A90-4542-A7AF-5E5D63430C4C}"/>
+              </a:ext>
+            </a:extLst>
+          </p:cNvPr>
+          <p:cNvGrpSpPr/>
+          <p:nvPr/>
+        </p:nvGrpSpPr>
+        <p:grpSpPr>
+          <a:xfrm>
+            <a:off x="180682" y="381803"/>
+            <a:ext cx="720000" cy="936000"/>
+            <a:chOff x="5376000" y="2148709"/>
+            <a:chExt cx="720000" cy="936000"/>
+          </a:xfrm>
+        </p:grpSpPr>
+        <p:sp>
+          <p:nvSpPr>
+            <p:cNvPr id="4" name="자유형: 도형 3">
+              <a:extLst>
+                <a:ext uri="{FF2B5EF4-FFF2-40B4-BE49-F238E27FC236}">
+                  <a16:creationId xmlns:a16="http://schemas.microsoft.com/office/drawing/2014/main" id="{17D5B3F1-67A5-4C5E-B712-3E6D4EA541D3}"/>
+                </a:ext>
+              </a:extLst>
+            </p:cNvPr>
+            <p:cNvSpPr/>
+            <p:nvPr/>
+          </p:nvSpPr>
+          <p:spPr>
+            <a:xfrm flipV="1">
+              <a:off x="5376000" y="2148709"/>
+              <a:ext cx="720000" cy="936000"/>
+            </a:xfrm>
+            <a:custGeom>
+              <a:avLst/>
+              <a:gdLst>
+                <a:gd name="connsiteX0" fmla="*/ 0 w 1800000"/>
+                <a:gd name="connsiteY0" fmla="*/ 3902305 h 3902305"/>
+                <a:gd name="connsiteX1" fmla="*/ 1800000 w 1800000"/>
+                <a:gd name="connsiteY1" fmla="*/ 3902305 h 3902305"/>
+                <a:gd name="connsiteX2" fmla="*/ 1800000 w 1800000"/>
+                <a:gd name="connsiteY2" fmla="*/ 370908 h 3902305"/>
+                <a:gd name="connsiteX3" fmla="*/ 1800000 w 1800000"/>
+                <a:gd name="connsiteY3" fmla="*/ 369329 h 3902305"/>
+                <a:gd name="connsiteX4" fmla="*/ 1800000 w 1800000"/>
+                <a:gd name="connsiteY4" fmla="*/ 1577 h 3902305"/>
+                <a:gd name="connsiteX5" fmla="*/ 903848 w 1800000"/>
+                <a:gd name="connsiteY5" fmla="*/ 369329 h 3902305"/>
+                <a:gd name="connsiteX6" fmla="*/ 899995 w 1800000"/>
+                <a:gd name="connsiteY6" fmla="*/ 369329 h 3902305"/>
+                <a:gd name="connsiteX7" fmla="*/ 0 w 1800000"/>
+                <a:gd name="connsiteY7" fmla="*/ 0 h 3902305"/>
+                <a:gd name="connsiteX8" fmla="*/ 0 w 1800000"/>
+                <a:gd name="connsiteY8" fmla="*/ 369329 h 3902305"/>
+                <a:gd name="connsiteX9" fmla="*/ 0 w 1800000"/>
+                <a:gd name="connsiteY9" fmla="*/ 369331 h 3902305"/>
+              </a:gdLst>
+              <a:ahLst/>
+              <a:cxnLst>
+                <a:cxn ang="0">
+                  <a:pos x="connsiteX0" y="connsiteY0"/>
+                </a:cxn>
+                <a:cxn ang="0">
+                  <a:pos x="connsiteX1" y="connsiteY1"/>
+                </a:cxn>
+                <a:cxn ang="0">
+                  <a:pos x="connsiteX2" y="connsiteY2"/>
+                </a:cxn>
+                <a:cxn ang="0">
+                  <a:pos x="connsiteX3" y="connsiteY3"/>
+                </a:cxn>
+                <a:cxn ang="0">
+                  <a:pos x="connsiteX4" y="connsiteY4"/>
+                </a:cxn>
+                <a:cxn ang="0">
+                  <a:pos x="connsiteX5" y="connsiteY5"/>
+                </a:cxn>
+                <a:cxn ang="0">
+                  <a:pos x="connsiteX6" y="connsiteY6"/>
+                </a:cxn>
+                <a:cxn ang="0">
+                  <a:pos x="connsiteX7" y="connsiteY7"/>
+                </a:cxn>
+                <a:cxn ang="0">
+                  <a:pos x="connsiteX8" y="connsiteY8"/>
+                </a:cxn>
+                <a:cxn ang="0">
+                  <a:pos x="connsiteX9" y="connsiteY9"/>
+                </a:cxn>
+              </a:cxnLst>
+              <a:rect l="l" t="t" r="r" b="b"/>
+              <a:pathLst>
+                <a:path w="1800000" h="3902305">
+                  <a:moveTo>
+                    <a:pt x="0" y="3902305"/>
+                  </a:moveTo>
+                  <a:lnTo>
+                    <a:pt x="1800000" y="3902305"/>
+                  </a:lnTo>
+                  <a:lnTo>
+                    <a:pt x="1800000" y="370908"/>
+                  </a:lnTo>
+                  <a:lnTo>
+                    <a:pt x="1800000" y="369329"/>
+                  </a:lnTo>
+                  <a:lnTo>
+                    <a:pt x="1800000" y="1577"/>
+                  </a:lnTo>
+                  <a:lnTo>
+                    <a:pt x="903848" y="369329"/>
+                  </a:lnTo>
+                  <a:lnTo>
+                    <a:pt x="899995" y="369329"/>
+                  </a:lnTo>
+                  <a:lnTo>
+                    <a:pt x="0" y="0"/>
+                  </a:lnTo>
+                  <a:lnTo>
+                    <a:pt x="0" y="369329"/>
+                  </a:lnTo>
+                  <a:lnTo>
+                    <a:pt x="0" y="369331"/>
+                  </a:lnTo>
+                  <a:close/>
+                </a:path>
+              </a:pathLst>
+            </a:custGeom>
+            <a:solidFill>
+              <a:srgbClr val="3DC147"/>
+            </a:solidFill>
+            <a:ln w="38100">
+              <a:solidFill>
+                <a:schemeClr val="tx1"/>
+              </a:solidFill>
+            </a:ln>
+          </p:spPr>
+          <p:style>
+            <a:lnRef idx="2">
+              <a:schemeClr val="accent1">
+                <a:shade val="50000"/>
+              </a:schemeClr>
+            </a:lnRef>
+            <a:fillRef idx="1">
+              <a:schemeClr val="accent1"/>
+            </a:fillRef>
+            <a:effectRef idx="0">
+              <a:schemeClr val="accent1"/>
+            </a:effectRef>
+            <a:fontRef idx="minor">
+              <a:schemeClr val="lt1"/>
+            </a:fontRef>
+          </p:style>
+          <p:txBody>
+            <a:bodyPr wrap="square" rtlCol="0" anchor="ctr">
+              <a:noAutofit/>
+            </a:bodyPr>
+            <a:lstStyle/>
+            <a:p>
+              <a:pPr algn="ctr"/>
+              <a:endParaRPr lang="ko-KR" altLang="en-US" dirty="0"/>
+            </a:p>
+          </p:txBody>
+        </p:sp>
+        <p:pic>
+          <p:nvPicPr>
+            <p:cNvPr id="5" name="그래픽 4">
+              <a:extLst>
+                <a:ext uri="{FF2B5EF4-FFF2-40B4-BE49-F238E27FC236}">
+                  <a16:creationId xmlns:a16="http://schemas.microsoft.com/office/drawing/2014/main" id="{3FEE928E-9AC7-4E3F-BC5F-FACAECD123A9}"/>
+                </a:ext>
+              </a:extLst>
+            </p:cNvPr>
+            <p:cNvPicPr>
+              <a:picLocks noChangeAspect="1"/>
+            </p:cNvPicPr>
+            <p:nvPr/>
+          </p:nvPicPr>
+          <p:blipFill>
+            <a:blip r:embed="rId2" cstate="print">
+              <a:extLst>
+                <a:ext uri="{28A0092B-C50C-407E-A947-70E740481C1C}">
+                  <a14:useLocalDpi xmlns:a14="http://schemas.microsoft.com/office/drawing/2010/main" val="0"/>
+                </a:ext>
+                <a:ext uri="{96DAC541-7B7A-43D3-8B79-37D633B846F1}">
+                  <asvg:svgBlip xmlns:asvg="http://schemas.microsoft.com/office/drawing/2016/SVG/main" r:embed="rId3"/>
+                </a:ext>
+              </a:extLst>
+            </a:blip>
+            <a:stretch>
+              <a:fillRect/>
+            </a:stretch>
+          </p:blipFill>
+          <p:spPr>
+            <a:xfrm>
+              <a:off x="5466000" y="2318134"/>
+              <a:ext cx="540000" cy="540000"/>
+            </a:xfrm>
+            <a:prstGeom prst="rect">
+              <a:avLst/>
+            </a:prstGeom>
+          </p:spPr>
+        </p:pic>
+      </p:grpSp>
+      <p:sp>
+        <p:nvSpPr>
+          <p:cNvPr id="10" name="TextBox 9">
+            <a:extLst>
+              <a:ext uri="{FF2B5EF4-FFF2-40B4-BE49-F238E27FC236}">
+                <a16:creationId xmlns:a16="http://schemas.microsoft.com/office/drawing/2014/main" id="{09DB098D-827E-4D81-87D7-4EC0F0CD302A}"/>
+              </a:ext>
+            </a:extLst>
+          </p:cNvPr>
+          <p:cNvSpPr txBox="1"/>
+          <p:nvPr/>
+        </p:nvSpPr>
+        <p:spPr>
+          <a:xfrm>
+            <a:off x="8986589" y="5771575"/>
+            <a:ext cx="2367211" cy="584775"/>
+          </a:xfrm>
+          <a:prstGeom prst="rect">
+            <a:avLst/>
+          </a:prstGeom>
+          <a:noFill/>
+        </p:spPr>
+        <p:txBody>
+          <a:bodyPr wrap="square" rtlCol="0">
+            <a:spAutoFit/>
+          </a:bodyPr>
+          <a:lstStyle/>
+          <a:p>
+            <a:r>
+              <a:rPr lang="ko-KR" altLang="en-US" sz="3200" dirty="0">
+                <a:latin typeface="배달의민족 도현" panose="020B0600000101010101" pitchFamily="50" charset="-127"/>
+                <a:ea typeface="배달의민족 도현" panose="020B0600000101010101" pitchFamily="50" charset="-127"/>
+              </a:rPr>
+              <a:t>미정</a:t>
+            </a:r>
+            <a:endParaRPr lang="ko-KR" altLang="en-US" dirty="0">
+              <a:latin typeface="배달의민족 도현" panose="020B0600000101010101" pitchFamily="50" charset="-127"/>
+              <a:ea typeface="배달의민족 도현" panose="020B0600000101010101" pitchFamily="50" charset="-127"/>
+            </a:endParaRPr>
+          </a:p>
+        </p:txBody>
+      </p:sp>
+    </p:spTree>
+    <p:extLst>
+      <p:ext uri="{BB962C8B-B14F-4D97-AF65-F5344CB8AC3E}">
+        <p14:creationId xmlns:p14="http://schemas.microsoft.com/office/powerpoint/2010/main" val="2893425797"/>
+      </p:ext>
+    </p:extLst>
+  </p:cSld>
+  <p:clrMapOvr>
+    <a:masterClrMapping/>
+  </p:clrMapOvr>
+</p:sld>
+</file>
+
+<file path=ppt/slides/slide12.xml><?xml version="1.0" encoding="utf-8"?>
+<p:sld xmlns:a="http://schemas.openxmlformats.org/drawingml/2006/main" xmlns:r="http://schemas.openxmlformats.org/officeDocument/2006/relationships" xmlns:p="http://schemas.openxmlformats.org/presentationml/2006/main">
+  <p:cSld>
+    <p:spTree>
+      <p:nvGrpSpPr>
+        <p:cNvPr id="1" name=""/>
+        <p:cNvGrpSpPr/>
+        <p:nvPr/>
+      </p:nvGrpSpPr>
+      <p:grpSpPr>
+        <a:xfrm>
+          <a:off x="0" y="0"/>
+          <a:ext cx="0" cy="0"/>
+          <a:chOff x="0" y="0"/>
+          <a:chExt cx="0" cy="0"/>
+        </a:xfrm>
+      </p:grpSpPr>
+      <p:sp>
+        <p:nvSpPr>
+          <p:cNvPr id="2" name="슬라이드 번호 개체 틀 1">
+            <a:extLst>
+              <a:ext uri="{FF2B5EF4-FFF2-40B4-BE49-F238E27FC236}">
+                <a16:creationId xmlns:a16="http://schemas.microsoft.com/office/drawing/2014/main" id="{70EA8AE6-C3FD-4F88-B708-D4FEB915FB59}"/>
+              </a:ext>
+            </a:extLst>
+          </p:cNvPr>
+          <p:cNvSpPr>
+            <a:spLocks noGrp="1"/>
+          </p:cNvSpPr>
+          <p:nvPr>
+            <p:ph type="sldNum" sz="quarter" idx="12"/>
+          </p:nvPr>
+        </p:nvSpPr>
+        <p:spPr/>
+        <p:txBody>
+          <a:bodyPr/>
+          <a:lstStyle/>
+          <a:p>
+            <a:fld id="{EAFD5DB9-D65E-4BD5-BFD1-9816D26FC0AE}" type="slidenum">
+              <a:rPr lang="ko-KR" altLang="en-US" smtClean="0"/>
+              <a:t>12</a:t>
+            </a:fld>
+            <a:endParaRPr lang="ko-KR" altLang="en-US"/>
+          </a:p>
+        </p:txBody>
+      </p:sp>
+      <p:cxnSp>
+        <p:nvCxnSpPr>
+          <p:cNvPr id="6" name="직선 연결선 5">
+            <a:extLst>
+              <a:ext uri="{FF2B5EF4-FFF2-40B4-BE49-F238E27FC236}">
+                <a16:creationId xmlns:a16="http://schemas.microsoft.com/office/drawing/2014/main" id="{F41ECE75-1EBD-4922-B6BE-79229AA7EEE9}"/>
+              </a:ext>
+            </a:extLst>
+          </p:cNvPr>
+          <p:cNvCxnSpPr>
+            <a:cxnSpLocks/>
+          </p:cNvCxnSpPr>
+          <p:nvPr/>
+        </p:nvCxnSpPr>
+        <p:spPr>
+          <a:xfrm>
+            <a:off x="-1" y="674192"/>
+            <a:ext cx="3024000" cy="0"/>
+          </a:xfrm>
+          <a:prstGeom prst="line">
+            <a:avLst/>
+          </a:prstGeom>
+          <a:ln w="31750">
+            <a:solidFill>
+              <a:schemeClr val="tx1"/>
+            </a:solidFill>
+          </a:ln>
+        </p:spPr>
+        <p:style>
+          <a:lnRef idx="1">
+            <a:schemeClr val="accent1"/>
+          </a:lnRef>
+          <a:fillRef idx="0">
+            <a:schemeClr val="accent1"/>
+          </a:fillRef>
+          <a:effectRef idx="0">
+            <a:schemeClr val="accent1"/>
+          </a:effectRef>
+          <a:fontRef idx="minor">
+            <a:schemeClr val="tx1"/>
+          </a:fontRef>
+        </p:style>
+      </p:cxnSp>
+      <p:sp>
+        <p:nvSpPr>
+          <p:cNvPr id="7" name="TextBox 6">
+            <a:extLst>
+              <a:ext uri="{FF2B5EF4-FFF2-40B4-BE49-F238E27FC236}">
+                <a16:creationId xmlns:a16="http://schemas.microsoft.com/office/drawing/2014/main" id="{93C18810-F673-4570-93C1-62078F7492CD}"/>
+              </a:ext>
+            </a:extLst>
+          </p:cNvPr>
+          <p:cNvSpPr txBox="1"/>
+          <p:nvPr/>
+        </p:nvSpPr>
+        <p:spPr>
+          <a:xfrm>
+            <a:off x="995354" y="89416"/>
+            <a:ext cx="2114071" cy="584775"/>
+          </a:xfrm>
+          <a:prstGeom prst="rect">
+            <a:avLst/>
+          </a:prstGeom>
+          <a:noFill/>
+        </p:spPr>
+        <p:txBody>
+          <a:bodyPr wrap="square" rtlCol="0">
+            <a:spAutoFit/>
+          </a:bodyPr>
+          <a:lstStyle/>
+          <a:p>
+            <a:r>
+              <a:rPr lang="ko-KR" altLang="en-US" sz="3200" b="1" dirty="0">
+                <a:latin typeface="배달의민족 도현" panose="020B0600000101010101" pitchFamily="50" charset="-127"/>
+                <a:ea typeface="배달의민족 도현" panose="020B0600000101010101" pitchFamily="50" charset="-127"/>
+              </a:rPr>
+              <a:t>연구 분야</a:t>
+            </a:r>
+            <a:endParaRPr lang="ko-KR" altLang="en-US" sz="2400" b="1" dirty="0">
+              <a:latin typeface="배달의민족 도현" panose="020B0600000101010101" pitchFamily="50" charset="-127"/>
+              <a:ea typeface="배달의민족 도현" panose="020B0600000101010101" pitchFamily="50" charset="-127"/>
+            </a:endParaRPr>
+          </a:p>
+        </p:txBody>
+      </p:sp>
+      <p:sp>
+        <p:nvSpPr>
+          <p:cNvPr id="8" name="TextBox 7">
+            <a:extLst>
+              <a:ext uri="{FF2B5EF4-FFF2-40B4-BE49-F238E27FC236}">
+                <a16:creationId xmlns:a16="http://schemas.microsoft.com/office/drawing/2014/main" id="{DBF6226E-82EA-4CA5-9446-72FF6C32073C}"/>
+              </a:ext>
+            </a:extLst>
+          </p:cNvPr>
+          <p:cNvSpPr txBox="1"/>
+          <p:nvPr/>
+        </p:nvSpPr>
+        <p:spPr>
+          <a:xfrm>
+            <a:off x="1081364" y="674191"/>
+            <a:ext cx="1313238" cy="369332"/>
+          </a:xfrm>
+          <a:prstGeom prst="rect">
+            <a:avLst/>
+          </a:prstGeom>
+          <a:noFill/>
+        </p:spPr>
+        <p:txBody>
+          <a:bodyPr wrap="square" rtlCol="0">
+            <a:spAutoFit/>
+          </a:bodyPr>
+          <a:lstStyle/>
+          <a:p>
+            <a:r>
+              <a:rPr lang="ko-KR" altLang="en-US" dirty="0">
+                <a:latin typeface="배달의민족 도현" panose="020B0600000101010101" pitchFamily="50" charset="-127"/>
+                <a:ea typeface="배달의민족 도현" panose="020B0600000101010101" pitchFamily="50" charset="-127"/>
+              </a:rPr>
+              <a:t>팀 소개</a:t>
+            </a:r>
+          </a:p>
+        </p:txBody>
+      </p:sp>
+      <p:grpSp>
+        <p:nvGrpSpPr>
+          <p:cNvPr id="3" name="그룹 2">
+            <a:extLst>
+              <a:ext uri="{FF2B5EF4-FFF2-40B4-BE49-F238E27FC236}">
+                <a16:creationId xmlns:a16="http://schemas.microsoft.com/office/drawing/2014/main" id="{A93C556C-3A90-4542-A7AF-5E5D63430C4C}"/>
+              </a:ext>
+            </a:extLst>
+          </p:cNvPr>
+          <p:cNvGrpSpPr/>
+          <p:nvPr/>
+        </p:nvGrpSpPr>
+        <p:grpSpPr>
+          <a:xfrm>
+            <a:off x="180682" y="381803"/>
+            <a:ext cx="720000" cy="936000"/>
+            <a:chOff x="5376000" y="2148709"/>
+            <a:chExt cx="720000" cy="936000"/>
+          </a:xfrm>
+        </p:grpSpPr>
+        <p:sp>
+          <p:nvSpPr>
+            <p:cNvPr id="4" name="자유형: 도형 3">
+              <a:extLst>
+                <a:ext uri="{FF2B5EF4-FFF2-40B4-BE49-F238E27FC236}">
+                  <a16:creationId xmlns:a16="http://schemas.microsoft.com/office/drawing/2014/main" id="{17D5B3F1-67A5-4C5E-B712-3E6D4EA541D3}"/>
+                </a:ext>
+              </a:extLst>
+            </p:cNvPr>
+            <p:cNvSpPr/>
+            <p:nvPr/>
+          </p:nvSpPr>
+          <p:spPr>
+            <a:xfrm flipV="1">
+              <a:off x="5376000" y="2148709"/>
+              <a:ext cx="720000" cy="936000"/>
+            </a:xfrm>
+            <a:custGeom>
+              <a:avLst/>
+              <a:gdLst>
+                <a:gd name="connsiteX0" fmla="*/ 0 w 1800000"/>
+                <a:gd name="connsiteY0" fmla="*/ 3902305 h 3902305"/>
+                <a:gd name="connsiteX1" fmla="*/ 1800000 w 1800000"/>
+                <a:gd name="connsiteY1" fmla="*/ 3902305 h 3902305"/>
+                <a:gd name="connsiteX2" fmla="*/ 1800000 w 1800000"/>
+                <a:gd name="connsiteY2" fmla="*/ 370908 h 3902305"/>
+                <a:gd name="connsiteX3" fmla="*/ 1800000 w 1800000"/>
+                <a:gd name="connsiteY3" fmla="*/ 369329 h 3902305"/>
+                <a:gd name="connsiteX4" fmla="*/ 1800000 w 1800000"/>
+                <a:gd name="connsiteY4" fmla="*/ 1577 h 3902305"/>
+                <a:gd name="connsiteX5" fmla="*/ 903848 w 1800000"/>
+                <a:gd name="connsiteY5" fmla="*/ 369329 h 3902305"/>
+                <a:gd name="connsiteX6" fmla="*/ 899995 w 1800000"/>
+                <a:gd name="connsiteY6" fmla="*/ 369329 h 3902305"/>
+                <a:gd name="connsiteX7" fmla="*/ 0 w 1800000"/>
+                <a:gd name="connsiteY7" fmla="*/ 0 h 3902305"/>
+                <a:gd name="connsiteX8" fmla="*/ 0 w 1800000"/>
+                <a:gd name="connsiteY8" fmla="*/ 369329 h 3902305"/>
+                <a:gd name="connsiteX9" fmla="*/ 0 w 1800000"/>
+                <a:gd name="connsiteY9" fmla="*/ 369331 h 3902305"/>
+              </a:gdLst>
+              <a:ahLst/>
+              <a:cxnLst>
+                <a:cxn ang="0">
+                  <a:pos x="connsiteX0" y="connsiteY0"/>
+                </a:cxn>
+                <a:cxn ang="0">
+                  <a:pos x="connsiteX1" y="connsiteY1"/>
+                </a:cxn>
+                <a:cxn ang="0">
+                  <a:pos x="connsiteX2" y="connsiteY2"/>
+                </a:cxn>
+                <a:cxn ang="0">
+                  <a:pos x="connsiteX3" y="connsiteY3"/>
+                </a:cxn>
+                <a:cxn ang="0">
+                  <a:pos x="connsiteX4" y="connsiteY4"/>
+                </a:cxn>
+                <a:cxn ang="0">
+                  <a:pos x="connsiteX5" y="connsiteY5"/>
+                </a:cxn>
+                <a:cxn ang="0">
+                  <a:pos x="connsiteX6" y="connsiteY6"/>
+                </a:cxn>
+                <a:cxn ang="0">
+                  <a:pos x="connsiteX7" y="connsiteY7"/>
+                </a:cxn>
+                <a:cxn ang="0">
+                  <a:pos x="connsiteX8" y="connsiteY8"/>
+                </a:cxn>
+                <a:cxn ang="0">
+                  <a:pos x="connsiteX9" y="connsiteY9"/>
+                </a:cxn>
+              </a:cxnLst>
+              <a:rect l="l" t="t" r="r" b="b"/>
+              <a:pathLst>
+                <a:path w="1800000" h="3902305">
+                  <a:moveTo>
+                    <a:pt x="0" y="3902305"/>
+                  </a:moveTo>
+                  <a:lnTo>
+                    <a:pt x="1800000" y="3902305"/>
+                  </a:lnTo>
+                  <a:lnTo>
+                    <a:pt x="1800000" y="370908"/>
+                  </a:lnTo>
+                  <a:lnTo>
+                    <a:pt x="1800000" y="369329"/>
+                  </a:lnTo>
+                  <a:lnTo>
+                    <a:pt x="1800000" y="1577"/>
+                  </a:lnTo>
+                  <a:lnTo>
+                    <a:pt x="903848" y="369329"/>
+                  </a:lnTo>
+                  <a:lnTo>
+                    <a:pt x="899995" y="369329"/>
+                  </a:lnTo>
+                  <a:lnTo>
+                    <a:pt x="0" y="0"/>
+                  </a:lnTo>
+                  <a:lnTo>
+                    <a:pt x="0" y="369329"/>
+                  </a:lnTo>
+                  <a:lnTo>
+                    <a:pt x="0" y="369331"/>
+                  </a:lnTo>
+                  <a:close/>
+                </a:path>
+              </a:pathLst>
+            </a:custGeom>
+            <a:solidFill>
+              <a:srgbClr val="3DC147"/>
+            </a:solidFill>
+            <a:ln w="38100">
+              <a:solidFill>
+                <a:schemeClr val="tx1"/>
+              </a:solidFill>
+            </a:ln>
+          </p:spPr>
+          <p:style>
+            <a:lnRef idx="2">
+              <a:schemeClr val="accent1">
+                <a:shade val="50000"/>
+              </a:schemeClr>
+            </a:lnRef>
+            <a:fillRef idx="1">
+              <a:schemeClr val="accent1"/>
+            </a:fillRef>
+            <a:effectRef idx="0">
+              <a:schemeClr val="accent1"/>
+            </a:effectRef>
+            <a:fontRef idx="minor">
+              <a:schemeClr val="lt1"/>
+            </a:fontRef>
+          </p:style>
+          <p:txBody>
+            <a:bodyPr wrap="square" rtlCol="0" anchor="ctr">
+              <a:noAutofit/>
+            </a:bodyPr>
+            <a:lstStyle/>
+            <a:p>
+              <a:pPr algn="ctr"/>
+              <a:endParaRPr lang="ko-KR" altLang="en-US" dirty="0"/>
+            </a:p>
+          </p:txBody>
+        </p:sp>
+        <p:pic>
+          <p:nvPicPr>
+            <p:cNvPr id="5" name="그래픽 4">
+              <a:extLst>
+                <a:ext uri="{FF2B5EF4-FFF2-40B4-BE49-F238E27FC236}">
+                  <a16:creationId xmlns:a16="http://schemas.microsoft.com/office/drawing/2014/main" id="{3FEE928E-9AC7-4E3F-BC5F-FACAECD123A9}"/>
+                </a:ext>
+              </a:extLst>
+            </p:cNvPr>
+            <p:cNvPicPr>
+              <a:picLocks noChangeAspect="1"/>
+            </p:cNvPicPr>
+            <p:nvPr/>
+          </p:nvPicPr>
+          <p:blipFill>
+            <a:blip r:embed="rId2" cstate="print">
+              <a:extLst>
+                <a:ext uri="{28A0092B-C50C-407E-A947-70E740481C1C}">
+                  <a14:useLocalDpi xmlns:a14="http://schemas.microsoft.com/office/drawing/2010/main" val="0"/>
+                </a:ext>
+                <a:ext uri="{96DAC541-7B7A-43D3-8B79-37D633B846F1}">
+                  <asvg:svgBlip xmlns:asvg="http://schemas.microsoft.com/office/drawing/2016/SVG/main" r:embed="rId3"/>
+                </a:ext>
+              </a:extLst>
+            </a:blip>
+            <a:stretch>
+              <a:fillRect/>
+            </a:stretch>
+          </p:blipFill>
+          <p:spPr>
+            <a:xfrm>
+              <a:off x="5466000" y="2318134"/>
+              <a:ext cx="540000" cy="540000"/>
+            </a:xfrm>
+            <a:prstGeom prst="rect">
+              <a:avLst/>
+            </a:prstGeom>
+          </p:spPr>
+        </p:pic>
+      </p:grpSp>
+      <p:sp>
+        <p:nvSpPr>
+          <p:cNvPr id="10" name="TextBox 9">
+            <a:extLst>
+              <a:ext uri="{FF2B5EF4-FFF2-40B4-BE49-F238E27FC236}">
+                <a16:creationId xmlns:a16="http://schemas.microsoft.com/office/drawing/2014/main" id="{98ED5D89-3B17-48D7-846E-C8C6B34D194A}"/>
+              </a:ext>
+            </a:extLst>
+          </p:cNvPr>
+          <p:cNvSpPr txBox="1"/>
+          <p:nvPr/>
+        </p:nvSpPr>
+        <p:spPr>
+          <a:xfrm>
+            <a:off x="8986589" y="5771575"/>
+            <a:ext cx="2367211" cy="584775"/>
+          </a:xfrm>
+          <a:prstGeom prst="rect">
+            <a:avLst/>
+          </a:prstGeom>
+          <a:noFill/>
+        </p:spPr>
+        <p:txBody>
+          <a:bodyPr wrap="square" rtlCol="0">
+            <a:spAutoFit/>
+          </a:bodyPr>
+          <a:lstStyle/>
+          <a:p>
+            <a:r>
+              <a:rPr lang="ko-KR" altLang="en-US" sz="3200" dirty="0">
+                <a:latin typeface="배달의민족 도현" panose="020B0600000101010101" pitchFamily="50" charset="-127"/>
+                <a:ea typeface="배달의민족 도현" panose="020B0600000101010101" pitchFamily="50" charset="-127"/>
+              </a:rPr>
+              <a:t>미정</a:t>
+            </a:r>
+            <a:endParaRPr lang="ko-KR" altLang="en-US" dirty="0">
+              <a:latin typeface="배달의민족 도현" panose="020B0600000101010101" pitchFamily="50" charset="-127"/>
+              <a:ea typeface="배달의민족 도현" panose="020B0600000101010101" pitchFamily="50" charset="-127"/>
+            </a:endParaRPr>
+          </a:p>
+        </p:txBody>
+      </p:sp>
+    </p:spTree>
+    <p:extLst>
+      <p:ext uri="{BB962C8B-B14F-4D97-AF65-F5344CB8AC3E}">
+        <p14:creationId xmlns:p14="http://schemas.microsoft.com/office/powerpoint/2010/main" val="3203231307"/>
+      </p:ext>
+    </p:extLst>
+  </p:cSld>
+  <p:clrMapOvr>
+    <a:masterClrMapping/>
+  </p:clrMapOvr>
+</p:sld>
+</file>
+
+<file path=ppt/slides/slide13.xml><?xml version="1.0" encoding="utf-8"?>
+<p:sld xmlns:a="http://schemas.openxmlformats.org/drawingml/2006/main" xmlns:r="http://schemas.openxmlformats.org/officeDocument/2006/relationships" xmlns:p="http://schemas.openxmlformats.org/presentationml/2006/main">
+  <p:cSld>
+    <p:spTree>
+      <p:nvGrpSpPr>
+        <p:cNvPr id="1" name=""/>
+        <p:cNvGrpSpPr/>
+        <p:nvPr/>
+      </p:nvGrpSpPr>
+      <p:grpSpPr>
+        <a:xfrm>
+          <a:off x="0" y="0"/>
+          <a:ext cx="0" cy="0"/>
+          <a:chOff x="0" y="0"/>
+          <a:chExt cx="0" cy="0"/>
+        </a:xfrm>
+      </p:grpSpPr>
+      <p:sp>
+        <p:nvSpPr>
+          <p:cNvPr id="2" name="슬라이드 번호 개체 틀 1">
+            <a:extLst>
+              <a:ext uri="{FF2B5EF4-FFF2-40B4-BE49-F238E27FC236}">
+                <a16:creationId xmlns:a16="http://schemas.microsoft.com/office/drawing/2014/main" id="{F3475772-356A-4BF7-91E0-6385D93B2D20}"/>
+              </a:ext>
+            </a:extLst>
+          </p:cNvPr>
+          <p:cNvSpPr>
+            <a:spLocks noGrp="1"/>
+          </p:cNvSpPr>
+          <p:nvPr>
+            <p:ph type="sldNum" sz="quarter" idx="12"/>
+          </p:nvPr>
+        </p:nvSpPr>
+        <p:spPr/>
+        <p:txBody>
+          <a:bodyPr/>
+          <a:lstStyle/>
+          <a:p>
+            <a:fld id="{EAFD5DB9-D65E-4BD5-BFD1-9816D26FC0AE}" type="slidenum">
+              <a:rPr lang="ko-KR" altLang="en-US" smtClean="0"/>
+              <a:t>13</a:t>
+            </a:fld>
+            <a:endParaRPr lang="ko-KR" altLang="en-US"/>
+          </a:p>
+        </p:txBody>
+      </p:sp>
+      <p:cxnSp>
+        <p:nvCxnSpPr>
+          <p:cNvPr id="3" name="직선 연결선 2">
+            <a:extLst>
+              <a:ext uri="{FF2B5EF4-FFF2-40B4-BE49-F238E27FC236}">
+                <a16:creationId xmlns:a16="http://schemas.microsoft.com/office/drawing/2014/main" id="{A820F342-4ED5-4E12-B744-6633564BC7F3}"/>
+              </a:ext>
+            </a:extLst>
+          </p:cNvPr>
+          <p:cNvCxnSpPr>
+            <a:cxnSpLocks/>
+          </p:cNvCxnSpPr>
+          <p:nvPr/>
+        </p:nvCxnSpPr>
+        <p:spPr>
+          <a:xfrm>
+            <a:off x="-1" y="674192"/>
+            <a:ext cx="3024000" cy="0"/>
+          </a:xfrm>
+          <a:prstGeom prst="line">
+            <a:avLst/>
+          </a:prstGeom>
+          <a:ln w="31750">
+            <a:solidFill>
+              <a:schemeClr val="tx1"/>
+            </a:solidFill>
+          </a:ln>
+        </p:spPr>
+        <p:style>
+          <a:lnRef idx="1">
+            <a:schemeClr val="accent1"/>
+          </a:lnRef>
+          <a:fillRef idx="0">
+            <a:schemeClr val="accent1"/>
+          </a:fillRef>
+          <a:effectRef idx="0">
+            <a:schemeClr val="accent1"/>
+          </a:effectRef>
+          <a:fontRef idx="minor">
+            <a:schemeClr val="tx1"/>
+          </a:fontRef>
+        </p:style>
+      </p:cxnSp>
+      <p:sp>
+        <p:nvSpPr>
+          <p:cNvPr id="4" name="TextBox 3">
+            <a:extLst>
+              <a:ext uri="{FF2B5EF4-FFF2-40B4-BE49-F238E27FC236}">
+                <a16:creationId xmlns:a16="http://schemas.microsoft.com/office/drawing/2014/main" id="{5412208D-8051-4452-898B-17C79CCD01A0}"/>
+              </a:ext>
+            </a:extLst>
+          </p:cNvPr>
+          <p:cNvSpPr txBox="1"/>
+          <p:nvPr/>
+        </p:nvSpPr>
+        <p:spPr>
+          <a:xfrm>
+            <a:off x="995354" y="89416"/>
+            <a:ext cx="2114071" cy="584775"/>
+          </a:xfrm>
+          <a:prstGeom prst="rect">
+            <a:avLst/>
+          </a:prstGeom>
+          <a:noFill/>
+        </p:spPr>
+        <p:txBody>
+          <a:bodyPr wrap="square" rtlCol="0">
+            <a:spAutoFit/>
+          </a:bodyPr>
+          <a:lstStyle/>
+          <a:p>
+            <a:r>
+              <a:rPr lang="ko-KR" altLang="en-US" sz="3200" b="1" dirty="0">
+                <a:latin typeface="배달의민족 도현" panose="020B0600000101010101" pitchFamily="50" charset="-127"/>
+                <a:ea typeface="배달의민족 도현" panose="020B0600000101010101" pitchFamily="50" charset="-127"/>
+              </a:rPr>
+              <a:t>차후 계획</a:t>
+            </a:r>
+            <a:endParaRPr lang="ko-KR" altLang="en-US" sz="2400" b="1" dirty="0">
+              <a:latin typeface="배달의민족 도현" panose="020B0600000101010101" pitchFamily="50" charset="-127"/>
+              <a:ea typeface="배달의민족 도현" panose="020B0600000101010101" pitchFamily="50" charset="-127"/>
+            </a:endParaRPr>
+          </a:p>
+        </p:txBody>
+      </p:sp>
+      <p:sp>
+        <p:nvSpPr>
+          <p:cNvPr id="5" name="TextBox 4">
+            <a:extLst>
+              <a:ext uri="{FF2B5EF4-FFF2-40B4-BE49-F238E27FC236}">
+                <a16:creationId xmlns:a16="http://schemas.microsoft.com/office/drawing/2014/main" id="{9D1E9B91-2D1D-4017-B056-FBB15255C5A1}"/>
+              </a:ext>
+            </a:extLst>
+          </p:cNvPr>
+          <p:cNvSpPr txBox="1"/>
+          <p:nvPr/>
+        </p:nvSpPr>
+        <p:spPr>
+          <a:xfrm>
+            <a:off x="1081364" y="674191"/>
+            <a:ext cx="1313238" cy="369332"/>
+          </a:xfrm>
+          <a:prstGeom prst="rect">
+            <a:avLst/>
+          </a:prstGeom>
+          <a:noFill/>
+        </p:spPr>
+        <p:txBody>
+          <a:bodyPr wrap="square" rtlCol="0">
+            <a:spAutoFit/>
+          </a:bodyPr>
+          <a:lstStyle/>
+          <a:p>
+            <a:r>
+              <a:rPr lang="ko-KR" altLang="en-US" dirty="0">
+                <a:latin typeface="배달의민족 도현" panose="020B0600000101010101" pitchFamily="50" charset="-127"/>
+                <a:ea typeface="배달의민족 도현" panose="020B0600000101010101" pitchFamily="50" charset="-127"/>
+              </a:rPr>
+              <a:t>팀 소개</a:t>
+            </a:r>
+          </a:p>
+        </p:txBody>
+      </p:sp>
+      <p:grpSp>
+        <p:nvGrpSpPr>
+          <p:cNvPr id="6" name="그룹 5">
+            <a:extLst>
+              <a:ext uri="{FF2B5EF4-FFF2-40B4-BE49-F238E27FC236}">
+                <a16:creationId xmlns:a16="http://schemas.microsoft.com/office/drawing/2014/main" id="{2B9BCA48-FF21-467A-98DE-4648201C7C32}"/>
+              </a:ext>
+            </a:extLst>
+          </p:cNvPr>
+          <p:cNvGrpSpPr/>
+          <p:nvPr/>
+        </p:nvGrpSpPr>
+        <p:grpSpPr>
+          <a:xfrm>
+            <a:off x="180682" y="381803"/>
+            <a:ext cx="720000" cy="936000"/>
+            <a:chOff x="7516054" y="2148709"/>
+            <a:chExt cx="720000" cy="936000"/>
+          </a:xfrm>
+        </p:grpSpPr>
+        <p:sp>
+          <p:nvSpPr>
+            <p:cNvPr id="7" name="자유형: 도형 6">
+              <a:extLst>
+                <a:ext uri="{FF2B5EF4-FFF2-40B4-BE49-F238E27FC236}">
+                  <a16:creationId xmlns:a16="http://schemas.microsoft.com/office/drawing/2014/main" id="{6D2528DB-2407-42F6-B683-10D457204619}"/>
+                </a:ext>
+              </a:extLst>
+            </p:cNvPr>
+            <p:cNvSpPr/>
+            <p:nvPr/>
+          </p:nvSpPr>
+          <p:spPr>
+            <a:xfrm flipV="1">
+              <a:off x="7516054" y="2148709"/>
+              <a:ext cx="720000" cy="936000"/>
+            </a:xfrm>
+            <a:custGeom>
+              <a:avLst/>
+              <a:gdLst>
+                <a:gd name="connsiteX0" fmla="*/ 0 w 1800000"/>
+                <a:gd name="connsiteY0" fmla="*/ 3902305 h 3902305"/>
+                <a:gd name="connsiteX1" fmla="*/ 1800000 w 1800000"/>
+                <a:gd name="connsiteY1" fmla="*/ 3902305 h 3902305"/>
+                <a:gd name="connsiteX2" fmla="*/ 1800000 w 1800000"/>
+                <a:gd name="connsiteY2" fmla="*/ 370908 h 3902305"/>
+                <a:gd name="connsiteX3" fmla="*/ 1800000 w 1800000"/>
+                <a:gd name="connsiteY3" fmla="*/ 369329 h 3902305"/>
+                <a:gd name="connsiteX4" fmla="*/ 1800000 w 1800000"/>
+                <a:gd name="connsiteY4" fmla="*/ 1577 h 3902305"/>
+                <a:gd name="connsiteX5" fmla="*/ 903848 w 1800000"/>
+                <a:gd name="connsiteY5" fmla="*/ 369329 h 3902305"/>
+                <a:gd name="connsiteX6" fmla="*/ 899995 w 1800000"/>
+                <a:gd name="connsiteY6" fmla="*/ 369329 h 3902305"/>
+                <a:gd name="connsiteX7" fmla="*/ 0 w 1800000"/>
+                <a:gd name="connsiteY7" fmla="*/ 0 h 3902305"/>
+                <a:gd name="connsiteX8" fmla="*/ 0 w 1800000"/>
+                <a:gd name="connsiteY8" fmla="*/ 369329 h 3902305"/>
+                <a:gd name="connsiteX9" fmla="*/ 0 w 1800000"/>
+                <a:gd name="connsiteY9" fmla="*/ 369331 h 3902305"/>
+              </a:gdLst>
+              <a:ahLst/>
+              <a:cxnLst>
+                <a:cxn ang="0">
+                  <a:pos x="connsiteX0" y="connsiteY0"/>
+                </a:cxn>
+                <a:cxn ang="0">
+                  <a:pos x="connsiteX1" y="connsiteY1"/>
+                </a:cxn>
+                <a:cxn ang="0">
+                  <a:pos x="connsiteX2" y="connsiteY2"/>
+                </a:cxn>
+                <a:cxn ang="0">
+                  <a:pos x="connsiteX3" y="connsiteY3"/>
+                </a:cxn>
+                <a:cxn ang="0">
+                  <a:pos x="connsiteX4" y="connsiteY4"/>
+                </a:cxn>
+                <a:cxn ang="0">
+                  <a:pos x="connsiteX5" y="connsiteY5"/>
+                </a:cxn>
+                <a:cxn ang="0">
+                  <a:pos x="connsiteX6" y="connsiteY6"/>
+                </a:cxn>
+                <a:cxn ang="0">
+                  <a:pos x="connsiteX7" y="connsiteY7"/>
+                </a:cxn>
+                <a:cxn ang="0">
+                  <a:pos x="connsiteX8" y="connsiteY8"/>
+                </a:cxn>
+                <a:cxn ang="0">
+                  <a:pos x="connsiteX9" y="connsiteY9"/>
+                </a:cxn>
+              </a:cxnLst>
+              <a:rect l="l" t="t" r="r" b="b"/>
+              <a:pathLst>
+                <a:path w="1800000" h="3902305">
+                  <a:moveTo>
+                    <a:pt x="0" y="3902305"/>
+                  </a:moveTo>
+                  <a:lnTo>
+                    <a:pt x="1800000" y="3902305"/>
+                  </a:lnTo>
+                  <a:lnTo>
+                    <a:pt x="1800000" y="370908"/>
+                  </a:lnTo>
+                  <a:lnTo>
+                    <a:pt x="1800000" y="369329"/>
+                  </a:lnTo>
+                  <a:lnTo>
+                    <a:pt x="1800000" y="1577"/>
+                  </a:lnTo>
+                  <a:lnTo>
+                    <a:pt x="903848" y="369329"/>
+                  </a:lnTo>
+                  <a:lnTo>
+                    <a:pt x="899995" y="369329"/>
+                  </a:lnTo>
+                  <a:lnTo>
+                    <a:pt x="0" y="0"/>
+                  </a:lnTo>
+                  <a:lnTo>
+                    <a:pt x="0" y="369329"/>
+                  </a:lnTo>
+                  <a:lnTo>
+                    <a:pt x="0" y="369331"/>
+                  </a:lnTo>
+                  <a:close/>
+                </a:path>
+              </a:pathLst>
+            </a:custGeom>
+            <a:solidFill>
+              <a:srgbClr val="FDD910"/>
+            </a:solidFill>
+            <a:ln w="38100">
+              <a:solidFill>
+                <a:schemeClr val="tx1"/>
+              </a:solidFill>
+            </a:ln>
+          </p:spPr>
+          <p:style>
+            <a:lnRef idx="2">
+              <a:schemeClr val="accent1">
+                <a:shade val="50000"/>
+              </a:schemeClr>
+            </a:lnRef>
+            <a:fillRef idx="1">
+              <a:schemeClr val="accent1"/>
+            </a:fillRef>
+            <a:effectRef idx="0">
+              <a:schemeClr val="accent1"/>
+            </a:effectRef>
+            <a:fontRef idx="minor">
+              <a:schemeClr val="lt1"/>
+            </a:fontRef>
+          </p:style>
+          <p:txBody>
+            <a:bodyPr wrap="square" rtlCol="0" anchor="ctr">
+              <a:noAutofit/>
+            </a:bodyPr>
+            <a:lstStyle/>
+            <a:p>
+              <a:pPr algn="ctr"/>
+              <a:endParaRPr lang="ko-KR" altLang="en-US" dirty="0"/>
+            </a:p>
+          </p:txBody>
+        </p:sp>
+        <p:pic>
+          <p:nvPicPr>
+            <p:cNvPr id="8" name="그래픽 7">
+              <a:extLst>
+                <a:ext uri="{FF2B5EF4-FFF2-40B4-BE49-F238E27FC236}">
+                  <a16:creationId xmlns:a16="http://schemas.microsoft.com/office/drawing/2014/main" id="{28E48A43-DEA2-457A-8ED9-535CF2582C62}"/>
+                </a:ext>
+              </a:extLst>
+            </p:cNvPr>
+            <p:cNvPicPr>
+              <a:picLocks noChangeAspect="1"/>
+            </p:cNvPicPr>
+            <p:nvPr/>
+          </p:nvPicPr>
+          <p:blipFill>
+            <a:blip r:embed="rId2" cstate="print">
+              <a:extLst>
+                <a:ext uri="{28A0092B-C50C-407E-A947-70E740481C1C}">
+                  <a14:useLocalDpi xmlns:a14="http://schemas.microsoft.com/office/drawing/2010/main" val="0"/>
+                </a:ext>
+                <a:ext uri="{96DAC541-7B7A-43D3-8B79-37D633B846F1}">
+                  <asvg:svgBlip xmlns:asvg="http://schemas.microsoft.com/office/drawing/2016/SVG/main" r:embed="rId3"/>
+                </a:ext>
+              </a:extLst>
+            </a:blip>
+            <a:stretch>
+              <a:fillRect/>
+            </a:stretch>
+          </p:blipFill>
+          <p:spPr>
+            <a:xfrm>
+              <a:off x="7606054" y="2318134"/>
+              <a:ext cx="540000" cy="540000"/>
+            </a:xfrm>
+            <a:prstGeom prst="rect">
+              <a:avLst/>
+            </a:prstGeom>
+          </p:spPr>
+        </p:pic>
+      </p:grpSp>
+      <p:sp>
+        <p:nvSpPr>
+          <p:cNvPr id="10" name="TextBox 9">
+            <a:extLst>
+              <a:ext uri="{FF2B5EF4-FFF2-40B4-BE49-F238E27FC236}">
+                <a16:creationId xmlns:a16="http://schemas.microsoft.com/office/drawing/2014/main" id="{4AFC37BC-FBE5-4BB0-B461-752CC5AB29BB}"/>
+              </a:ext>
+            </a:extLst>
+          </p:cNvPr>
+          <p:cNvSpPr txBox="1"/>
+          <p:nvPr/>
+        </p:nvSpPr>
+        <p:spPr>
+          <a:xfrm>
+            <a:off x="8986589" y="5771575"/>
+            <a:ext cx="2367211" cy="584775"/>
+          </a:xfrm>
+          <a:prstGeom prst="rect">
+            <a:avLst/>
+          </a:prstGeom>
+          <a:noFill/>
+        </p:spPr>
+        <p:txBody>
+          <a:bodyPr wrap="square" rtlCol="0">
+            <a:spAutoFit/>
+          </a:bodyPr>
+          <a:lstStyle/>
+          <a:p>
+            <a:r>
+              <a:rPr lang="ko-KR" altLang="en-US" sz="3200" dirty="0">
+                <a:latin typeface="배달의민족 도현" panose="020B0600000101010101" pitchFamily="50" charset="-127"/>
+                <a:ea typeface="배달의민족 도현" panose="020B0600000101010101" pitchFamily="50" charset="-127"/>
+              </a:rPr>
+              <a:t>미정</a:t>
+            </a:r>
+            <a:endParaRPr lang="ko-KR" altLang="en-US" dirty="0">
+              <a:latin typeface="배달의민족 도현" panose="020B0600000101010101" pitchFamily="50" charset="-127"/>
+              <a:ea typeface="배달의민족 도현" panose="020B0600000101010101" pitchFamily="50" charset="-127"/>
+            </a:endParaRPr>
+          </a:p>
+        </p:txBody>
+      </p:sp>
+    </p:spTree>
+    <p:extLst>
+      <p:ext uri="{BB962C8B-B14F-4D97-AF65-F5344CB8AC3E}">
+        <p14:creationId xmlns:p14="http://schemas.microsoft.com/office/powerpoint/2010/main" val="3439174430"/>
+      </p:ext>
+    </p:extLst>
+  </p:cSld>
+  <p:clrMapOvr>
+    <a:masterClrMapping/>
+  </p:clrMapOvr>
+</p:sld>
+</file>
+
+<file path=ppt/slides/slide14.xml><?xml version="1.0" encoding="utf-8"?>
+<p:sld xmlns:a="http://schemas.openxmlformats.org/drawingml/2006/main" xmlns:r="http://schemas.openxmlformats.org/officeDocument/2006/relationships" xmlns:p="http://schemas.openxmlformats.org/presentationml/2006/main">
+  <p:cSld>
+    <p:spTree>
+      <p:nvGrpSpPr>
+        <p:cNvPr id="1" name=""/>
+        <p:cNvGrpSpPr/>
+        <p:nvPr/>
+      </p:nvGrpSpPr>
+      <p:grpSpPr>
+        <a:xfrm>
+          <a:off x="0" y="0"/>
+          <a:ext cx="0" cy="0"/>
+          <a:chOff x="0" y="0"/>
+          <a:chExt cx="0" cy="0"/>
+        </a:xfrm>
+      </p:grpSpPr>
+      <p:sp>
+        <p:nvSpPr>
+          <p:cNvPr id="2" name="슬라이드 번호 개체 틀 1">
+            <a:extLst>
+              <a:ext uri="{FF2B5EF4-FFF2-40B4-BE49-F238E27FC236}">
+                <a16:creationId xmlns:a16="http://schemas.microsoft.com/office/drawing/2014/main" id="{F3475772-356A-4BF7-91E0-6385D93B2D20}"/>
+              </a:ext>
+            </a:extLst>
+          </p:cNvPr>
+          <p:cNvSpPr>
+            <a:spLocks noGrp="1"/>
+          </p:cNvSpPr>
+          <p:nvPr>
+            <p:ph type="sldNum" sz="quarter" idx="12"/>
+          </p:nvPr>
+        </p:nvSpPr>
+        <p:spPr/>
+        <p:txBody>
+          <a:bodyPr/>
+          <a:lstStyle/>
+          <a:p>
+            <a:fld id="{EAFD5DB9-D65E-4BD5-BFD1-9816D26FC0AE}" type="slidenum">
+              <a:rPr lang="ko-KR" altLang="en-US" smtClean="0"/>
+              <a:t>14</a:t>
+            </a:fld>
+            <a:endParaRPr lang="ko-KR" altLang="en-US"/>
+          </a:p>
+        </p:txBody>
+      </p:sp>
+      <p:cxnSp>
+        <p:nvCxnSpPr>
+          <p:cNvPr id="3" name="직선 연결선 2">
+            <a:extLst>
+              <a:ext uri="{FF2B5EF4-FFF2-40B4-BE49-F238E27FC236}">
+                <a16:creationId xmlns:a16="http://schemas.microsoft.com/office/drawing/2014/main" id="{A820F342-4ED5-4E12-B744-6633564BC7F3}"/>
+              </a:ext>
+            </a:extLst>
+          </p:cNvPr>
+          <p:cNvCxnSpPr>
+            <a:cxnSpLocks/>
+          </p:cNvCxnSpPr>
+          <p:nvPr/>
+        </p:nvCxnSpPr>
+        <p:spPr>
+          <a:xfrm>
+            <a:off x="-1" y="674192"/>
+            <a:ext cx="3024000" cy="0"/>
+          </a:xfrm>
+          <a:prstGeom prst="line">
+            <a:avLst/>
+          </a:prstGeom>
+          <a:ln w="31750">
+            <a:solidFill>
+              <a:schemeClr val="tx1"/>
+            </a:solidFill>
+          </a:ln>
+        </p:spPr>
+        <p:style>
+          <a:lnRef idx="1">
+            <a:schemeClr val="accent1"/>
+          </a:lnRef>
+          <a:fillRef idx="0">
+            <a:schemeClr val="accent1"/>
+          </a:fillRef>
+          <a:effectRef idx="0">
+            <a:schemeClr val="accent1"/>
+          </a:effectRef>
+          <a:fontRef idx="minor">
+            <a:schemeClr val="tx1"/>
+          </a:fontRef>
+        </p:style>
+      </p:cxnSp>
+      <p:sp>
+        <p:nvSpPr>
+          <p:cNvPr id="4" name="TextBox 3">
+            <a:extLst>
+              <a:ext uri="{FF2B5EF4-FFF2-40B4-BE49-F238E27FC236}">
+                <a16:creationId xmlns:a16="http://schemas.microsoft.com/office/drawing/2014/main" id="{5412208D-8051-4452-898B-17C79CCD01A0}"/>
+              </a:ext>
+            </a:extLst>
+          </p:cNvPr>
+          <p:cNvSpPr txBox="1"/>
+          <p:nvPr/>
+        </p:nvSpPr>
+        <p:spPr>
+          <a:xfrm>
+            <a:off x="995354" y="89416"/>
+            <a:ext cx="2114071" cy="584775"/>
+          </a:xfrm>
+          <a:prstGeom prst="rect">
+            <a:avLst/>
+          </a:prstGeom>
+          <a:noFill/>
+        </p:spPr>
+        <p:txBody>
+          <a:bodyPr wrap="square" rtlCol="0">
+            <a:spAutoFit/>
+          </a:bodyPr>
+          <a:lstStyle/>
+          <a:p>
+            <a:r>
+              <a:rPr lang="ko-KR" altLang="en-US" sz="3200" b="1" dirty="0">
+                <a:latin typeface="배달의민족 도현" panose="020B0600000101010101" pitchFamily="50" charset="-127"/>
+                <a:ea typeface="배달의민족 도현" panose="020B0600000101010101" pitchFamily="50" charset="-127"/>
+              </a:rPr>
+              <a:t>차후 계획</a:t>
+            </a:r>
+            <a:endParaRPr lang="ko-KR" altLang="en-US" sz="2400" b="1" dirty="0">
+              <a:latin typeface="배달의민족 도현" panose="020B0600000101010101" pitchFamily="50" charset="-127"/>
+              <a:ea typeface="배달의민족 도현" panose="020B0600000101010101" pitchFamily="50" charset="-127"/>
+            </a:endParaRPr>
+          </a:p>
+        </p:txBody>
+      </p:sp>
+      <p:sp>
+        <p:nvSpPr>
+          <p:cNvPr id="5" name="TextBox 4">
+            <a:extLst>
+              <a:ext uri="{FF2B5EF4-FFF2-40B4-BE49-F238E27FC236}">
+                <a16:creationId xmlns:a16="http://schemas.microsoft.com/office/drawing/2014/main" id="{9D1E9B91-2D1D-4017-B056-FBB15255C5A1}"/>
+              </a:ext>
+            </a:extLst>
+          </p:cNvPr>
+          <p:cNvSpPr txBox="1"/>
+          <p:nvPr/>
+        </p:nvSpPr>
+        <p:spPr>
+          <a:xfrm>
+            <a:off x="1081364" y="674191"/>
+            <a:ext cx="1313238" cy="369332"/>
+          </a:xfrm>
+          <a:prstGeom prst="rect">
+            <a:avLst/>
+          </a:prstGeom>
+          <a:noFill/>
+        </p:spPr>
+        <p:txBody>
+          <a:bodyPr wrap="square" rtlCol="0">
+            <a:spAutoFit/>
+          </a:bodyPr>
+          <a:lstStyle/>
+          <a:p>
+            <a:r>
+              <a:rPr lang="ko-KR" altLang="en-US" dirty="0">
+                <a:latin typeface="배달의민족 도현" panose="020B0600000101010101" pitchFamily="50" charset="-127"/>
+                <a:ea typeface="배달의민족 도현" panose="020B0600000101010101" pitchFamily="50" charset="-127"/>
+              </a:rPr>
+              <a:t>팀 소개</a:t>
+            </a:r>
+          </a:p>
+        </p:txBody>
+      </p:sp>
+      <p:grpSp>
+        <p:nvGrpSpPr>
+          <p:cNvPr id="6" name="그룹 5">
+            <a:extLst>
+              <a:ext uri="{FF2B5EF4-FFF2-40B4-BE49-F238E27FC236}">
+                <a16:creationId xmlns:a16="http://schemas.microsoft.com/office/drawing/2014/main" id="{2B9BCA48-FF21-467A-98DE-4648201C7C32}"/>
+              </a:ext>
+            </a:extLst>
+          </p:cNvPr>
+          <p:cNvGrpSpPr/>
+          <p:nvPr/>
+        </p:nvGrpSpPr>
+        <p:grpSpPr>
+          <a:xfrm>
+            <a:off x="180682" y="381803"/>
+            <a:ext cx="720000" cy="936000"/>
+            <a:chOff x="7516054" y="2148709"/>
+            <a:chExt cx="720000" cy="936000"/>
+          </a:xfrm>
+        </p:grpSpPr>
+        <p:sp>
+          <p:nvSpPr>
+            <p:cNvPr id="7" name="자유형: 도형 6">
+              <a:extLst>
+                <a:ext uri="{FF2B5EF4-FFF2-40B4-BE49-F238E27FC236}">
+                  <a16:creationId xmlns:a16="http://schemas.microsoft.com/office/drawing/2014/main" id="{6D2528DB-2407-42F6-B683-10D457204619}"/>
+                </a:ext>
+              </a:extLst>
+            </p:cNvPr>
+            <p:cNvSpPr/>
+            <p:nvPr/>
+          </p:nvSpPr>
+          <p:spPr>
+            <a:xfrm flipV="1">
+              <a:off x="7516054" y="2148709"/>
+              <a:ext cx="720000" cy="936000"/>
+            </a:xfrm>
+            <a:custGeom>
+              <a:avLst/>
+              <a:gdLst>
+                <a:gd name="connsiteX0" fmla="*/ 0 w 1800000"/>
+                <a:gd name="connsiteY0" fmla="*/ 3902305 h 3902305"/>
+                <a:gd name="connsiteX1" fmla="*/ 1800000 w 1800000"/>
+                <a:gd name="connsiteY1" fmla="*/ 3902305 h 3902305"/>
+                <a:gd name="connsiteX2" fmla="*/ 1800000 w 1800000"/>
+                <a:gd name="connsiteY2" fmla="*/ 370908 h 3902305"/>
+                <a:gd name="connsiteX3" fmla="*/ 1800000 w 1800000"/>
+                <a:gd name="connsiteY3" fmla="*/ 369329 h 3902305"/>
+                <a:gd name="connsiteX4" fmla="*/ 1800000 w 1800000"/>
+                <a:gd name="connsiteY4" fmla="*/ 1577 h 3902305"/>
+                <a:gd name="connsiteX5" fmla="*/ 903848 w 1800000"/>
+                <a:gd name="connsiteY5" fmla="*/ 369329 h 3902305"/>
+                <a:gd name="connsiteX6" fmla="*/ 899995 w 1800000"/>
+                <a:gd name="connsiteY6" fmla="*/ 369329 h 3902305"/>
+                <a:gd name="connsiteX7" fmla="*/ 0 w 1800000"/>
+                <a:gd name="connsiteY7" fmla="*/ 0 h 3902305"/>
+                <a:gd name="connsiteX8" fmla="*/ 0 w 1800000"/>
+                <a:gd name="connsiteY8" fmla="*/ 369329 h 3902305"/>
+                <a:gd name="connsiteX9" fmla="*/ 0 w 1800000"/>
+                <a:gd name="connsiteY9" fmla="*/ 369331 h 3902305"/>
+              </a:gdLst>
+              <a:ahLst/>
+              <a:cxnLst>
+                <a:cxn ang="0">
+                  <a:pos x="connsiteX0" y="connsiteY0"/>
+                </a:cxn>
+                <a:cxn ang="0">
+                  <a:pos x="connsiteX1" y="connsiteY1"/>
+                </a:cxn>
+                <a:cxn ang="0">
+                  <a:pos x="connsiteX2" y="connsiteY2"/>
+                </a:cxn>
+                <a:cxn ang="0">
+                  <a:pos x="connsiteX3" y="connsiteY3"/>
+                </a:cxn>
+                <a:cxn ang="0">
+                  <a:pos x="connsiteX4" y="connsiteY4"/>
+                </a:cxn>
+                <a:cxn ang="0">
+                  <a:pos x="connsiteX5" y="connsiteY5"/>
+                </a:cxn>
+                <a:cxn ang="0">
+                  <a:pos x="connsiteX6" y="connsiteY6"/>
+                </a:cxn>
+                <a:cxn ang="0">
+                  <a:pos x="connsiteX7" y="connsiteY7"/>
+                </a:cxn>
+                <a:cxn ang="0">
+                  <a:pos x="connsiteX8" y="connsiteY8"/>
+                </a:cxn>
+                <a:cxn ang="0">
+                  <a:pos x="connsiteX9" y="connsiteY9"/>
+                </a:cxn>
+              </a:cxnLst>
+              <a:rect l="l" t="t" r="r" b="b"/>
+              <a:pathLst>
+                <a:path w="1800000" h="3902305">
+                  <a:moveTo>
+                    <a:pt x="0" y="3902305"/>
+                  </a:moveTo>
+                  <a:lnTo>
+                    <a:pt x="1800000" y="3902305"/>
+                  </a:lnTo>
+                  <a:lnTo>
+                    <a:pt x="1800000" y="370908"/>
+                  </a:lnTo>
+                  <a:lnTo>
+                    <a:pt x="1800000" y="369329"/>
+                  </a:lnTo>
+                  <a:lnTo>
+                    <a:pt x="1800000" y="1577"/>
+                  </a:lnTo>
+                  <a:lnTo>
+                    <a:pt x="903848" y="369329"/>
+                  </a:lnTo>
+                  <a:lnTo>
+                    <a:pt x="899995" y="369329"/>
+                  </a:lnTo>
+                  <a:lnTo>
+                    <a:pt x="0" y="0"/>
+                  </a:lnTo>
+                  <a:lnTo>
+                    <a:pt x="0" y="369329"/>
+                  </a:lnTo>
+                  <a:lnTo>
+                    <a:pt x="0" y="369331"/>
+                  </a:lnTo>
+                  <a:close/>
+                </a:path>
+              </a:pathLst>
+            </a:custGeom>
+            <a:solidFill>
+              <a:srgbClr val="FDD910"/>
+            </a:solidFill>
+            <a:ln w="38100">
+              <a:solidFill>
+                <a:schemeClr val="tx1"/>
+              </a:solidFill>
+            </a:ln>
+          </p:spPr>
+          <p:style>
+            <a:lnRef idx="2">
+              <a:schemeClr val="accent1">
+                <a:shade val="50000"/>
+              </a:schemeClr>
+            </a:lnRef>
+            <a:fillRef idx="1">
+              <a:schemeClr val="accent1"/>
+            </a:fillRef>
+            <a:effectRef idx="0">
+              <a:schemeClr val="accent1"/>
+            </a:effectRef>
+            <a:fontRef idx="minor">
+              <a:schemeClr val="lt1"/>
+            </a:fontRef>
+          </p:style>
+          <p:txBody>
+            <a:bodyPr wrap="square" rtlCol="0" anchor="ctr">
+              <a:noAutofit/>
+            </a:bodyPr>
+            <a:lstStyle/>
+            <a:p>
+              <a:pPr algn="ctr"/>
+              <a:endParaRPr lang="ko-KR" altLang="en-US" dirty="0"/>
+            </a:p>
+          </p:txBody>
+        </p:sp>
+        <p:pic>
+          <p:nvPicPr>
+            <p:cNvPr id="8" name="그래픽 7">
+              <a:extLst>
+                <a:ext uri="{FF2B5EF4-FFF2-40B4-BE49-F238E27FC236}">
+                  <a16:creationId xmlns:a16="http://schemas.microsoft.com/office/drawing/2014/main" id="{28E48A43-DEA2-457A-8ED9-535CF2582C62}"/>
+                </a:ext>
+              </a:extLst>
+            </p:cNvPr>
+            <p:cNvPicPr>
+              <a:picLocks noChangeAspect="1"/>
+            </p:cNvPicPr>
+            <p:nvPr/>
+          </p:nvPicPr>
+          <p:blipFill>
+            <a:blip r:embed="rId2" cstate="print">
+              <a:extLst>
+                <a:ext uri="{28A0092B-C50C-407E-A947-70E740481C1C}">
+                  <a14:useLocalDpi xmlns:a14="http://schemas.microsoft.com/office/drawing/2010/main" val="0"/>
+                </a:ext>
+                <a:ext uri="{96DAC541-7B7A-43D3-8B79-37D633B846F1}">
+                  <asvg:svgBlip xmlns:asvg="http://schemas.microsoft.com/office/drawing/2016/SVG/main" r:embed="rId3"/>
+                </a:ext>
+              </a:extLst>
+            </a:blip>
+            <a:stretch>
+              <a:fillRect/>
+            </a:stretch>
+          </p:blipFill>
+          <p:spPr>
+            <a:xfrm>
+              <a:off x="7606054" y="2318134"/>
+              <a:ext cx="540000" cy="540000"/>
+            </a:xfrm>
+            <a:prstGeom prst="rect">
+              <a:avLst/>
+            </a:prstGeom>
+          </p:spPr>
+        </p:pic>
+      </p:grpSp>
+      <p:sp>
+        <p:nvSpPr>
+          <p:cNvPr id="10" name="TextBox 9">
+            <a:extLst>
+              <a:ext uri="{FF2B5EF4-FFF2-40B4-BE49-F238E27FC236}">
+                <a16:creationId xmlns:a16="http://schemas.microsoft.com/office/drawing/2014/main" id="{00447CBB-8F8F-40B9-9A2D-A20E2E659610}"/>
+              </a:ext>
+            </a:extLst>
+          </p:cNvPr>
+          <p:cNvSpPr txBox="1"/>
+          <p:nvPr/>
+        </p:nvSpPr>
+        <p:spPr>
+          <a:xfrm>
+            <a:off x="8986589" y="5771575"/>
+            <a:ext cx="2367211" cy="584775"/>
+          </a:xfrm>
+          <a:prstGeom prst="rect">
+            <a:avLst/>
+          </a:prstGeom>
+          <a:noFill/>
+        </p:spPr>
+        <p:txBody>
+          <a:bodyPr wrap="square" rtlCol="0">
+            <a:spAutoFit/>
+          </a:bodyPr>
+          <a:lstStyle/>
+          <a:p>
+            <a:r>
+              <a:rPr lang="ko-KR" altLang="en-US" sz="3200" dirty="0">
+                <a:latin typeface="배달의민족 도현" panose="020B0600000101010101" pitchFamily="50" charset="-127"/>
+                <a:ea typeface="배달의민족 도현" panose="020B0600000101010101" pitchFamily="50" charset="-127"/>
+              </a:rPr>
+              <a:t>미정</a:t>
+            </a:r>
+            <a:endParaRPr lang="ko-KR" altLang="en-US" dirty="0">
+              <a:latin typeface="배달의민족 도현" panose="020B0600000101010101" pitchFamily="50" charset="-127"/>
+              <a:ea typeface="배달의민족 도현" panose="020B0600000101010101" pitchFamily="50" charset="-127"/>
+            </a:endParaRPr>
+          </a:p>
+        </p:txBody>
+      </p:sp>
+    </p:spTree>
+    <p:extLst>
+      <p:ext uri="{BB962C8B-B14F-4D97-AF65-F5344CB8AC3E}">
+        <p14:creationId xmlns:p14="http://schemas.microsoft.com/office/powerpoint/2010/main" val="318319313"/>
+      </p:ext>
+    </p:extLst>
+  </p:cSld>
+  <p:clrMapOvr>
+    <a:masterClrMapping/>
+  </p:clrMapOvr>
+</p:sld>
+</file>
+
+<file path=ppt/slides/slide15.xml><?xml version="1.0" encoding="utf-8"?>
+<p:sld xmlns:a="http://schemas.openxmlformats.org/drawingml/2006/main" xmlns:r="http://schemas.openxmlformats.org/officeDocument/2006/relationships" xmlns:p="http://schemas.openxmlformats.org/presentationml/2006/main">
+  <p:cSld>
+    <p:spTree>
+      <p:nvGrpSpPr>
+        <p:cNvPr id="1" name=""/>
+        <p:cNvGrpSpPr/>
+        <p:nvPr/>
+      </p:nvGrpSpPr>
+      <p:grpSpPr>
+        <a:xfrm>
+          <a:off x="0" y="0"/>
+          <a:ext cx="0" cy="0"/>
+          <a:chOff x="0" y="0"/>
+          <a:chExt cx="0" cy="0"/>
+        </a:xfrm>
+      </p:grpSpPr>
+      <p:sp>
+        <p:nvSpPr>
+          <p:cNvPr id="5" name="슬라이드 번호 개체 틀 4">
+            <a:extLst>
+              <a:ext uri="{FF2B5EF4-FFF2-40B4-BE49-F238E27FC236}">
+                <a16:creationId xmlns:a16="http://schemas.microsoft.com/office/drawing/2014/main" id="{5F389F9C-43D3-449B-A0A2-68A5FD396AE1}"/>
+              </a:ext>
+            </a:extLst>
+          </p:cNvPr>
+          <p:cNvSpPr>
+            <a:spLocks noGrp="1"/>
+          </p:cNvSpPr>
+          <p:nvPr>
+            <p:ph type="sldNum" sz="quarter" idx="12"/>
+          </p:nvPr>
+        </p:nvSpPr>
+        <p:spPr/>
+        <p:txBody>
+          <a:bodyPr/>
+          <a:lstStyle/>
+          <a:p>
+            <a:fld id="{EAFD5DB9-D65E-4BD5-BFD1-9816D26FC0AE}" type="slidenum">
+              <a:rPr lang="ko-KR" altLang="en-US" smtClean="0"/>
+              <a:t>15</a:t>
+            </a:fld>
+            <a:endParaRPr lang="ko-KR" altLang="en-US"/>
+          </a:p>
+        </p:txBody>
+      </p:sp>
+      <p:grpSp>
+        <p:nvGrpSpPr>
+          <p:cNvPr id="26" name="그룹 25">
+            <a:extLst>
+              <a:ext uri="{FF2B5EF4-FFF2-40B4-BE49-F238E27FC236}">
+                <a16:creationId xmlns:a16="http://schemas.microsoft.com/office/drawing/2014/main" id="{122B230C-23B2-4337-8CC3-E71EA84F6673}"/>
+              </a:ext>
+            </a:extLst>
+          </p:cNvPr>
+          <p:cNvGrpSpPr/>
+          <p:nvPr/>
+        </p:nvGrpSpPr>
+        <p:grpSpPr>
+          <a:xfrm>
+            <a:off x="1511999" y="3429000"/>
+            <a:ext cx="720000" cy="936000"/>
+            <a:chOff x="1410529" y="2148709"/>
+            <a:chExt cx="720000" cy="936000"/>
+          </a:xfrm>
+        </p:grpSpPr>
+        <p:sp>
+          <p:nvSpPr>
+            <p:cNvPr id="7" name="자유형: 도형 6">
+              <a:extLst>
+                <a:ext uri="{FF2B5EF4-FFF2-40B4-BE49-F238E27FC236}">
+                  <a16:creationId xmlns:a16="http://schemas.microsoft.com/office/drawing/2014/main" id="{1C99C4F1-788A-4127-97B4-7A85D3304E3E}"/>
+                </a:ext>
+              </a:extLst>
+            </p:cNvPr>
+            <p:cNvSpPr/>
+            <p:nvPr/>
+          </p:nvSpPr>
+          <p:spPr>
+            <a:xfrm flipV="1">
+              <a:off x="1410529" y="2148709"/>
+              <a:ext cx="720000" cy="936000"/>
+            </a:xfrm>
+            <a:custGeom>
+              <a:avLst/>
+              <a:gdLst>
+                <a:gd name="connsiteX0" fmla="*/ 0 w 1800000"/>
+                <a:gd name="connsiteY0" fmla="*/ 3902305 h 3902305"/>
+                <a:gd name="connsiteX1" fmla="*/ 1800000 w 1800000"/>
+                <a:gd name="connsiteY1" fmla="*/ 3902305 h 3902305"/>
+                <a:gd name="connsiteX2" fmla="*/ 1800000 w 1800000"/>
+                <a:gd name="connsiteY2" fmla="*/ 370908 h 3902305"/>
+                <a:gd name="connsiteX3" fmla="*/ 1800000 w 1800000"/>
+                <a:gd name="connsiteY3" fmla="*/ 369329 h 3902305"/>
+                <a:gd name="connsiteX4" fmla="*/ 1800000 w 1800000"/>
+                <a:gd name="connsiteY4" fmla="*/ 1577 h 3902305"/>
+                <a:gd name="connsiteX5" fmla="*/ 903848 w 1800000"/>
+                <a:gd name="connsiteY5" fmla="*/ 369329 h 3902305"/>
+                <a:gd name="connsiteX6" fmla="*/ 899995 w 1800000"/>
+                <a:gd name="connsiteY6" fmla="*/ 369329 h 3902305"/>
+                <a:gd name="connsiteX7" fmla="*/ 0 w 1800000"/>
+                <a:gd name="connsiteY7" fmla="*/ 0 h 3902305"/>
+                <a:gd name="connsiteX8" fmla="*/ 0 w 1800000"/>
+                <a:gd name="connsiteY8" fmla="*/ 369329 h 3902305"/>
+                <a:gd name="connsiteX9" fmla="*/ 0 w 1800000"/>
+                <a:gd name="connsiteY9" fmla="*/ 369331 h 3902305"/>
+              </a:gdLst>
+              <a:ahLst/>
+              <a:cxnLst>
+                <a:cxn ang="0">
+                  <a:pos x="connsiteX0" y="connsiteY0"/>
+                </a:cxn>
+                <a:cxn ang="0">
+                  <a:pos x="connsiteX1" y="connsiteY1"/>
+                </a:cxn>
+                <a:cxn ang="0">
+                  <a:pos x="connsiteX2" y="connsiteY2"/>
+                </a:cxn>
+                <a:cxn ang="0">
+                  <a:pos x="connsiteX3" y="connsiteY3"/>
+                </a:cxn>
+                <a:cxn ang="0">
+                  <a:pos x="connsiteX4" y="connsiteY4"/>
+                </a:cxn>
+                <a:cxn ang="0">
+                  <a:pos x="connsiteX5" y="connsiteY5"/>
+                </a:cxn>
+                <a:cxn ang="0">
+                  <a:pos x="connsiteX6" y="connsiteY6"/>
+                </a:cxn>
+                <a:cxn ang="0">
+                  <a:pos x="connsiteX7" y="connsiteY7"/>
+                </a:cxn>
+                <a:cxn ang="0">
+                  <a:pos x="connsiteX8" y="connsiteY8"/>
+                </a:cxn>
+                <a:cxn ang="0">
+                  <a:pos x="connsiteX9" y="connsiteY9"/>
+                </a:cxn>
+              </a:cxnLst>
+              <a:rect l="l" t="t" r="r" b="b"/>
+              <a:pathLst>
+                <a:path w="1800000" h="3902305">
+                  <a:moveTo>
+                    <a:pt x="0" y="3902305"/>
+                  </a:moveTo>
+                  <a:lnTo>
+                    <a:pt x="1800000" y="3902305"/>
+                  </a:lnTo>
+                  <a:lnTo>
+                    <a:pt x="1800000" y="370908"/>
+                  </a:lnTo>
+                  <a:lnTo>
+                    <a:pt x="1800000" y="369329"/>
+                  </a:lnTo>
+                  <a:lnTo>
+                    <a:pt x="1800000" y="1577"/>
+                  </a:lnTo>
+                  <a:lnTo>
+                    <a:pt x="903848" y="369329"/>
+                  </a:lnTo>
+                  <a:lnTo>
+                    <a:pt x="899995" y="369329"/>
+                  </a:lnTo>
+                  <a:lnTo>
+                    <a:pt x="0" y="0"/>
+                  </a:lnTo>
+                  <a:lnTo>
+                    <a:pt x="0" y="369329"/>
+                  </a:lnTo>
+                  <a:lnTo>
+                    <a:pt x="0" y="369331"/>
+                  </a:lnTo>
+                  <a:close/>
+                </a:path>
+              </a:pathLst>
+            </a:custGeom>
+            <a:solidFill>
+              <a:srgbClr val="D50100"/>
+            </a:solidFill>
+            <a:ln w="38100">
+              <a:solidFill>
+                <a:schemeClr val="tx1"/>
+              </a:solidFill>
+            </a:ln>
+          </p:spPr>
+          <p:style>
+            <a:lnRef idx="2">
+              <a:schemeClr val="accent1">
+                <a:shade val="50000"/>
+              </a:schemeClr>
+            </a:lnRef>
+            <a:fillRef idx="1">
+              <a:schemeClr val="accent1"/>
+            </a:fillRef>
+            <a:effectRef idx="0">
+              <a:schemeClr val="accent1"/>
+            </a:effectRef>
+            <a:fontRef idx="minor">
+              <a:schemeClr val="lt1"/>
+            </a:fontRef>
+          </p:style>
+          <p:txBody>
+            <a:bodyPr wrap="square" rtlCol="0" anchor="ctr">
+              <a:noAutofit/>
+            </a:bodyPr>
+            <a:lstStyle/>
+            <a:p>
+              <a:pPr algn="ctr"/>
+              <a:endParaRPr lang="ko-KR" altLang="en-US" dirty="0"/>
+            </a:p>
+          </p:txBody>
+        </p:sp>
+        <p:pic>
+          <p:nvPicPr>
+            <p:cNvPr id="11" name="그래픽 10">
+              <a:extLst>
+                <a:ext uri="{FF2B5EF4-FFF2-40B4-BE49-F238E27FC236}">
+                  <a16:creationId xmlns:a16="http://schemas.microsoft.com/office/drawing/2014/main" id="{D6039D4A-0516-4241-80BF-230D51F967B5}"/>
+                </a:ext>
+              </a:extLst>
+            </p:cNvPr>
+            <p:cNvPicPr>
+              <a:picLocks noChangeAspect="1"/>
+            </p:cNvPicPr>
+            <p:nvPr/>
+          </p:nvPicPr>
+          <p:blipFill>
+            <a:blip r:embed="rId2" cstate="print">
+              <a:extLst>
+                <a:ext uri="{28A0092B-C50C-407E-A947-70E740481C1C}">
+                  <a14:useLocalDpi xmlns:a14="http://schemas.microsoft.com/office/drawing/2010/main" val="0"/>
+                </a:ext>
+                <a:ext uri="{96DAC541-7B7A-43D3-8B79-37D633B846F1}">
+                  <asvg:svgBlip xmlns:asvg="http://schemas.microsoft.com/office/drawing/2016/SVG/main" r:embed="rId3"/>
+                </a:ext>
+              </a:extLst>
+            </a:blip>
+            <a:stretch>
+              <a:fillRect/>
+            </a:stretch>
+          </p:blipFill>
+          <p:spPr>
+            <a:xfrm>
+              <a:off x="1500529" y="2318134"/>
+              <a:ext cx="540000" cy="540000"/>
+            </a:xfrm>
+            <a:prstGeom prst="rect">
+              <a:avLst/>
+            </a:prstGeom>
+          </p:spPr>
+        </p:pic>
+      </p:grpSp>
+      <p:grpSp>
+        <p:nvGrpSpPr>
+          <p:cNvPr id="28" name="그룹 27">
+            <a:extLst>
+              <a:ext uri="{FF2B5EF4-FFF2-40B4-BE49-F238E27FC236}">
+                <a16:creationId xmlns:a16="http://schemas.microsoft.com/office/drawing/2014/main" id="{8346E9EF-43C2-4D20-87E1-4E0D5F0F0591}"/>
+              </a:ext>
+            </a:extLst>
+          </p:cNvPr>
+          <p:cNvGrpSpPr/>
+          <p:nvPr/>
+        </p:nvGrpSpPr>
+        <p:grpSpPr>
+          <a:xfrm>
+            <a:off x="2749425" y="3429000"/>
+            <a:ext cx="720000" cy="936000"/>
+            <a:chOff x="5376000" y="2148709"/>
+            <a:chExt cx="720000" cy="936000"/>
+          </a:xfrm>
+        </p:grpSpPr>
+        <p:sp>
+          <p:nvSpPr>
+            <p:cNvPr id="19" name="자유형: 도형 18">
+              <a:extLst>
+                <a:ext uri="{FF2B5EF4-FFF2-40B4-BE49-F238E27FC236}">
+                  <a16:creationId xmlns:a16="http://schemas.microsoft.com/office/drawing/2014/main" id="{832CE29E-DFCF-4B5A-B3D5-ED4CB681878D}"/>
+                </a:ext>
+              </a:extLst>
+            </p:cNvPr>
+            <p:cNvSpPr/>
+            <p:nvPr/>
+          </p:nvSpPr>
+          <p:spPr>
+            <a:xfrm flipV="1">
+              <a:off x="5376000" y="2148709"/>
+              <a:ext cx="720000" cy="936000"/>
+            </a:xfrm>
+            <a:custGeom>
+              <a:avLst/>
+              <a:gdLst>
+                <a:gd name="connsiteX0" fmla="*/ 0 w 1800000"/>
+                <a:gd name="connsiteY0" fmla="*/ 3902305 h 3902305"/>
+                <a:gd name="connsiteX1" fmla="*/ 1800000 w 1800000"/>
+                <a:gd name="connsiteY1" fmla="*/ 3902305 h 3902305"/>
+                <a:gd name="connsiteX2" fmla="*/ 1800000 w 1800000"/>
+                <a:gd name="connsiteY2" fmla="*/ 370908 h 3902305"/>
+                <a:gd name="connsiteX3" fmla="*/ 1800000 w 1800000"/>
+                <a:gd name="connsiteY3" fmla="*/ 369329 h 3902305"/>
+                <a:gd name="connsiteX4" fmla="*/ 1800000 w 1800000"/>
+                <a:gd name="connsiteY4" fmla="*/ 1577 h 3902305"/>
+                <a:gd name="connsiteX5" fmla="*/ 903848 w 1800000"/>
+                <a:gd name="connsiteY5" fmla="*/ 369329 h 3902305"/>
+                <a:gd name="connsiteX6" fmla="*/ 899995 w 1800000"/>
+                <a:gd name="connsiteY6" fmla="*/ 369329 h 3902305"/>
+                <a:gd name="connsiteX7" fmla="*/ 0 w 1800000"/>
+                <a:gd name="connsiteY7" fmla="*/ 0 h 3902305"/>
+                <a:gd name="connsiteX8" fmla="*/ 0 w 1800000"/>
+                <a:gd name="connsiteY8" fmla="*/ 369329 h 3902305"/>
+                <a:gd name="connsiteX9" fmla="*/ 0 w 1800000"/>
+                <a:gd name="connsiteY9" fmla="*/ 369331 h 3902305"/>
+              </a:gdLst>
+              <a:ahLst/>
+              <a:cxnLst>
+                <a:cxn ang="0">
+                  <a:pos x="connsiteX0" y="connsiteY0"/>
+                </a:cxn>
+                <a:cxn ang="0">
+                  <a:pos x="connsiteX1" y="connsiteY1"/>
+                </a:cxn>
+                <a:cxn ang="0">
+                  <a:pos x="connsiteX2" y="connsiteY2"/>
+                </a:cxn>
+                <a:cxn ang="0">
+                  <a:pos x="connsiteX3" y="connsiteY3"/>
+                </a:cxn>
+                <a:cxn ang="0">
+                  <a:pos x="connsiteX4" y="connsiteY4"/>
+                </a:cxn>
+                <a:cxn ang="0">
+                  <a:pos x="connsiteX5" y="connsiteY5"/>
+                </a:cxn>
+                <a:cxn ang="0">
+                  <a:pos x="connsiteX6" y="connsiteY6"/>
+                </a:cxn>
+                <a:cxn ang="0">
+                  <a:pos x="connsiteX7" y="connsiteY7"/>
+                </a:cxn>
+                <a:cxn ang="0">
+                  <a:pos x="connsiteX8" y="connsiteY8"/>
+                </a:cxn>
+                <a:cxn ang="0">
+                  <a:pos x="connsiteX9" y="connsiteY9"/>
+                </a:cxn>
+              </a:cxnLst>
+              <a:rect l="l" t="t" r="r" b="b"/>
+              <a:pathLst>
+                <a:path w="1800000" h="3902305">
+                  <a:moveTo>
+                    <a:pt x="0" y="3902305"/>
+                  </a:moveTo>
+                  <a:lnTo>
+                    <a:pt x="1800000" y="3902305"/>
+                  </a:lnTo>
+                  <a:lnTo>
+                    <a:pt x="1800000" y="370908"/>
+                  </a:lnTo>
+                  <a:lnTo>
+                    <a:pt x="1800000" y="369329"/>
+                  </a:lnTo>
+                  <a:lnTo>
+                    <a:pt x="1800000" y="1577"/>
+                  </a:lnTo>
+                  <a:lnTo>
+                    <a:pt x="903848" y="369329"/>
+                  </a:lnTo>
+                  <a:lnTo>
+                    <a:pt x="899995" y="369329"/>
+                  </a:lnTo>
+                  <a:lnTo>
+                    <a:pt x="0" y="0"/>
+                  </a:lnTo>
+                  <a:lnTo>
+                    <a:pt x="0" y="369329"/>
+                  </a:lnTo>
+                  <a:lnTo>
+                    <a:pt x="0" y="369331"/>
+                  </a:lnTo>
+                  <a:close/>
+                </a:path>
+              </a:pathLst>
+            </a:custGeom>
+            <a:solidFill>
+              <a:srgbClr val="3DC147"/>
+            </a:solidFill>
+            <a:ln w="38100">
+              <a:solidFill>
+                <a:schemeClr val="tx1"/>
+              </a:solidFill>
+            </a:ln>
+          </p:spPr>
+          <p:style>
+            <a:lnRef idx="2">
+              <a:schemeClr val="accent1">
+                <a:shade val="50000"/>
+              </a:schemeClr>
+            </a:lnRef>
+            <a:fillRef idx="1">
+              <a:schemeClr val="accent1"/>
+            </a:fillRef>
+            <a:effectRef idx="0">
+              <a:schemeClr val="accent1"/>
+            </a:effectRef>
+            <a:fontRef idx="minor">
+              <a:schemeClr val="lt1"/>
+            </a:fontRef>
+          </p:style>
+          <p:txBody>
+            <a:bodyPr wrap="square" rtlCol="0" anchor="ctr">
+              <a:noAutofit/>
+            </a:bodyPr>
+            <a:lstStyle/>
+            <a:p>
+              <a:pPr algn="ctr"/>
+              <a:endParaRPr lang="ko-KR" altLang="en-US" dirty="0"/>
+            </a:p>
+          </p:txBody>
+        </p:sp>
+        <p:pic>
+          <p:nvPicPr>
+            <p:cNvPr id="21" name="그래픽 20">
+              <a:extLst>
+                <a:ext uri="{FF2B5EF4-FFF2-40B4-BE49-F238E27FC236}">
+                  <a16:creationId xmlns:a16="http://schemas.microsoft.com/office/drawing/2014/main" id="{1F86CD2A-51B0-4349-BEF5-1148037B5F50}"/>
+                </a:ext>
+              </a:extLst>
+            </p:cNvPr>
+            <p:cNvPicPr>
+              <a:picLocks noChangeAspect="1"/>
+            </p:cNvPicPr>
+            <p:nvPr/>
+          </p:nvPicPr>
+          <p:blipFill>
+            <a:blip r:embed="rId4" cstate="print">
+              <a:extLst>
+                <a:ext uri="{28A0092B-C50C-407E-A947-70E740481C1C}">
+                  <a14:useLocalDpi xmlns:a14="http://schemas.microsoft.com/office/drawing/2010/main" val="0"/>
+                </a:ext>
+                <a:ext uri="{96DAC541-7B7A-43D3-8B79-37D633B846F1}">
+                  <asvg:svgBlip xmlns:asvg="http://schemas.microsoft.com/office/drawing/2016/SVG/main" r:embed="rId5"/>
+                </a:ext>
+              </a:extLst>
+            </a:blip>
+            <a:stretch>
+              <a:fillRect/>
+            </a:stretch>
+          </p:blipFill>
+          <p:spPr>
+            <a:xfrm>
+              <a:off x="5466000" y="2318134"/>
+              <a:ext cx="540000" cy="540000"/>
+            </a:xfrm>
+            <a:prstGeom prst="rect">
+              <a:avLst/>
+            </a:prstGeom>
+          </p:spPr>
+        </p:pic>
+      </p:grpSp>
+      <p:cxnSp>
+        <p:nvCxnSpPr>
+          <p:cNvPr id="8" name="직선 연결선 7">
+            <a:extLst>
+              <a:ext uri="{FF2B5EF4-FFF2-40B4-BE49-F238E27FC236}">
+                <a16:creationId xmlns:a16="http://schemas.microsoft.com/office/drawing/2014/main" id="{7481FBC6-6255-4EAF-A53D-21B8D8F4DB7B}"/>
+              </a:ext>
+            </a:extLst>
+          </p:cNvPr>
+          <p:cNvCxnSpPr>
+            <a:cxnSpLocks/>
+          </p:cNvCxnSpPr>
+          <p:nvPr/>
+        </p:nvCxnSpPr>
+        <p:spPr>
+          <a:xfrm>
+            <a:off x="-1" y="674192"/>
+            <a:ext cx="3024000" cy="0"/>
+          </a:xfrm>
+          <a:prstGeom prst="line">
+            <a:avLst/>
+          </a:prstGeom>
+          <a:ln w="31750">
+            <a:solidFill>
+              <a:schemeClr val="tx1"/>
+            </a:solidFill>
+          </a:ln>
+        </p:spPr>
+        <p:style>
+          <a:lnRef idx="1">
+            <a:schemeClr val="accent1"/>
+          </a:lnRef>
+          <a:fillRef idx="0">
+            <a:schemeClr val="accent1"/>
+          </a:fillRef>
+          <a:effectRef idx="0">
+            <a:schemeClr val="accent1"/>
+          </a:effectRef>
+          <a:fontRef idx="minor">
+            <a:schemeClr val="tx1"/>
+          </a:fontRef>
+        </p:style>
+      </p:cxnSp>
+      <p:grpSp>
+        <p:nvGrpSpPr>
+          <p:cNvPr id="27" name="그룹 26">
+            <a:extLst>
+              <a:ext uri="{FF2B5EF4-FFF2-40B4-BE49-F238E27FC236}">
+                <a16:creationId xmlns:a16="http://schemas.microsoft.com/office/drawing/2014/main" id="{855765B7-BFB2-4A32-AF8B-3C39E8852A7D}"/>
+              </a:ext>
+            </a:extLst>
+          </p:cNvPr>
+          <p:cNvGrpSpPr/>
+          <p:nvPr/>
+        </p:nvGrpSpPr>
+        <p:grpSpPr>
+          <a:xfrm>
+            <a:off x="361364" y="3400425"/>
+            <a:ext cx="720000" cy="936000"/>
+            <a:chOff x="3315529" y="2148709"/>
+            <a:chExt cx="720000" cy="936000"/>
+          </a:xfrm>
+        </p:grpSpPr>
+        <p:sp>
+          <p:nvSpPr>
+            <p:cNvPr id="17" name="자유형: 도형 16">
+              <a:extLst>
+                <a:ext uri="{FF2B5EF4-FFF2-40B4-BE49-F238E27FC236}">
+                  <a16:creationId xmlns:a16="http://schemas.microsoft.com/office/drawing/2014/main" id="{68B7CC09-73AC-4A1A-8C1D-061C9514540F}"/>
+                </a:ext>
+              </a:extLst>
+            </p:cNvPr>
+            <p:cNvSpPr/>
+            <p:nvPr/>
+          </p:nvSpPr>
+          <p:spPr>
+            <a:xfrm flipV="1">
+              <a:off x="3315529" y="2148709"/>
+              <a:ext cx="720000" cy="936000"/>
+            </a:xfrm>
+            <a:custGeom>
+              <a:avLst/>
+              <a:gdLst>
+                <a:gd name="connsiteX0" fmla="*/ 0 w 1800000"/>
+                <a:gd name="connsiteY0" fmla="*/ 3902305 h 3902305"/>
+                <a:gd name="connsiteX1" fmla="*/ 1800000 w 1800000"/>
+                <a:gd name="connsiteY1" fmla="*/ 3902305 h 3902305"/>
+                <a:gd name="connsiteX2" fmla="*/ 1800000 w 1800000"/>
+                <a:gd name="connsiteY2" fmla="*/ 370908 h 3902305"/>
+                <a:gd name="connsiteX3" fmla="*/ 1800000 w 1800000"/>
+                <a:gd name="connsiteY3" fmla="*/ 369329 h 3902305"/>
+                <a:gd name="connsiteX4" fmla="*/ 1800000 w 1800000"/>
+                <a:gd name="connsiteY4" fmla="*/ 1577 h 3902305"/>
+                <a:gd name="connsiteX5" fmla="*/ 903848 w 1800000"/>
+                <a:gd name="connsiteY5" fmla="*/ 369329 h 3902305"/>
+                <a:gd name="connsiteX6" fmla="*/ 899995 w 1800000"/>
+                <a:gd name="connsiteY6" fmla="*/ 369329 h 3902305"/>
+                <a:gd name="connsiteX7" fmla="*/ 0 w 1800000"/>
+                <a:gd name="connsiteY7" fmla="*/ 0 h 3902305"/>
+                <a:gd name="connsiteX8" fmla="*/ 0 w 1800000"/>
+                <a:gd name="connsiteY8" fmla="*/ 369329 h 3902305"/>
+                <a:gd name="connsiteX9" fmla="*/ 0 w 1800000"/>
+                <a:gd name="connsiteY9" fmla="*/ 369331 h 3902305"/>
+              </a:gdLst>
+              <a:ahLst/>
+              <a:cxnLst>
+                <a:cxn ang="0">
+                  <a:pos x="connsiteX0" y="connsiteY0"/>
+                </a:cxn>
+                <a:cxn ang="0">
+                  <a:pos x="connsiteX1" y="connsiteY1"/>
+                </a:cxn>
+                <a:cxn ang="0">
+                  <a:pos x="connsiteX2" y="connsiteY2"/>
+                </a:cxn>
+                <a:cxn ang="0">
+                  <a:pos x="connsiteX3" y="connsiteY3"/>
+                </a:cxn>
+                <a:cxn ang="0">
+                  <a:pos x="connsiteX4" y="connsiteY4"/>
+                </a:cxn>
+                <a:cxn ang="0">
+                  <a:pos x="connsiteX5" y="connsiteY5"/>
+                </a:cxn>
+                <a:cxn ang="0">
+                  <a:pos x="connsiteX6" y="connsiteY6"/>
+                </a:cxn>
+                <a:cxn ang="0">
+                  <a:pos x="connsiteX7" y="connsiteY7"/>
+                </a:cxn>
+                <a:cxn ang="0">
+                  <a:pos x="connsiteX8" y="connsiteY8"/>
+                </a:cxn>
+                <a:cxn ang="0">
+                  <a:pos x="connsiteX9" y="connsiteY9"/>
+                </a:cxn>
+              </a:cxnLst>
+              <a:rect l="l" t="t" r="r" b="b"/>
+              <a:pathLst>
+                <a:path w="1800000" h="3902305">
+                  <a:moveTo>
+                    <a:pt x="0" y="3902305"/>
+                  </a:moveTo>
+                  <a:lnTo>
+                    <a:pt x="1800000" y="3902305"/>
+                  </a:lnTo>
+                  <a:lnTo>
+                    <a:pt x="1800000" y="370908"/>
+                  </a:lnTo>
+                  <a:lnTo>
+                    <a:pt x="1800000" y="369329"/>
+                  </a:lnTo>
+                  <a:lnTo>
+                    <a:pt x="1800000" y="1577"/>
+                  </a:lnTo>
+                  <a:lnTo>
+                    <a:pt x="903848" y="369329"/>
+                  </a:lnTo>
+                  <a:lnTo>
+                    <a:pt x="899995" y="369329"/>
+                  </a:lnTo>
+                  <a:lnTo>
+                    <a:pt x="0" y="0"/>
+                  </a:lnTo>
+                  <a:lnTo>
+                    <a:pt x="0" y="369329"/>
+                  </a:lnTo>
+                  <a:lnTo>
+                    <a:pt x="0" y="369331"/>
+                  </a:lnTo>
+                  <a:close/>
+                </a:path>
+              </a:pathLst>
+            </a:custGeom>
+            <a:solidFill>
+              <a:srgbClr val="3D91E4"/>
+            </a:solidFill>
+            <a:ln w="38100">
+              <a:solidFill>
+                <a:schemeClr val="tx1"/>
+              </a:solidFill>
+            </a:ln>
+          </p:spPr>
+          <p:style>
+            <a:lnRef idx="2">
+              <a:schemeClr val="accent1">
+                <a:shade val="50000"/>
+              </a:schemeClr>
+            </a:lnRef>
+            <a:fillRef idx="1">
+              <a:schemeClr val="accent1"/>
+            </a:fillRef>
+            <a:effectRef idx="0">
+              <a:schemeClr val="accent1"/>
+            </a:effectRef>
+            <a:fontRef idx="minor">
+              <a:schemeClr val="lt1"/>
+            </a:fontRef>
+          </p:style>
+          <p:txBody>
+            <a:bodyPr wrap="square" rtlCol="0" anchor="ctr">
+              <a:noAutofit/>
+            </a:bodyPr>
+            <a:lstStyle/>
+            <a:p>
+              <a:pPr algn="ctr"/>
+              <a:endParaRPr lang="ko-KR" altLang="en-US" dirty="0"/>
+            </a:p>
+          </p:txBody>
+        </p:sp>
+        <p:pic>
+          <p:nvPicPr>
+            <p:cNvPr id="23" name="그래픽 22">
+              <a:extLst>
+                <a:ext uri="{FF2B5EF4-FFF2-40B4-BE49-F238E27FC236}">
+                  <a16:creationId xmlns:a16="http://schemas.microsoft.com/office/drawing/2014/main" id="{D306B94A-DE40-4938-966E-289D39E6EE63}"/>
+                </a:ext>
+              </a:extLst>
+            </p:cNvPr>
+            <p:cNvPicPr>
+              <a:picLocks noChangeAspect="1"/>
+            </p:cNvPicPr>
+            <p:nvPr/>
+          </p:nvPicPr>
+          <p:blipFill>
+            <a:blip r:embed="rId6" cstate="print">
+              <a:extLst>
+                <a:ext uri="{28A0092B-C50C-407E-A947-70E740481C1C}">
+                  <a14:useLocalDpi xmlns:a14="http://schemas.microsoft.com/office/drawing/2010/main" val="0"/>
+                </a:ext>
+                <a:ext uri="{96DAC541-7B7A-43D3-8B79-37D633B846F1}">
+                  <asvg:svgBlip xmlns:asvg="http://schemas.microsoft.com/office/drawing/2016/SVG/main" r:embed="rId7"/>
+                </a:ext>
+              </a:extLst>
+            </a:blip>
+            <a:stretch>
+              <a:fillRect/>
+            </a:stretch>
+          </p:blipFill>
+          <p:spPr>
+            <a:xfrm>
+              <a:off x="3405529" y="2318134"/>
+              <a:ext cx="540000" cy="540000"/>
+            </a:xfrm>
+            <a:prstGeom prst="rect">
+              <a:avLst/>
+            </a:prstGeom>
+          </p:spPr>
+        </p:pic>
+      </p:grpSp>
+      <p:sp>
+        <p:nvSpPr>
+          <p:cNvPr id="32" name="TextBox 31">
+            <a:extLst>
+              <a:ext uri="{FF2B5EF4-FFF2-40B4-BE49-F238E27FC236}">
+                <a16:creationId xmlns:a16="http://schemas.microsoft.com/office/drawing/2014/main" id="{86967290-2DCA-4391-BEE6-CEF59F410AF6}"/>
+              </a:ext>
+            </a:extLst>
+          </p:cNvPr>
+          <p:cNvSpPr txBox="1"/>
+          <p:nvPr/>
+        </p:nvSpPr>
+        <p:spPr>
+          <a:xfrm>
+            <a:off x="995354" y="89416"/>
+            <a:ext cx="2114071" cy="584775"/>
+          </a:xfrm>
+          <a:prstGeom prst="rect">
+            <a:avLst/>
+          </a:prstGeom>
+          <a:noFill/>
+        </p:spPr>
+        <p:txBody>
+          <a:bodyPr wrap="square" rtlCol="0">
+            <a:spAutoFit/>
+          </a:bodyPr>
+          <a:lstStyle/>
+          <a:p>
+            <a:r>
+              <a:rPr lang="ko-KR" altLang="en-US" sz="3200" b="1" dirty="0">
+                <a:latin typeface="배달의민족 도현" panose="020B0600000101010101" pitchFamily="50" charset="-127"/>
+                <a:ea typeface="배달의민족 도현" panose="020B0600000101010101" pitchFamily="50" charset="-127"/>
+              </a:rPr>
+              <a:t>팀 소개</a:t>
+            </a:r>
+            <a:endParaRPr lang="ko-KR" altLang="en-US" sz="2400" b="1" dirty="0">
+              <a:latin typeface="배달의민족 도현" panose="020B0600000101010101" pitchFamily="50" charset="-127"/>
+              <a:ea typeface="배달의민족 도현" panose="020B0600000101010101" pitchFamily="50" charset="-127"/>
+            </a:endParaRPr>
+          </a:p>
+        </p:txBody>
+      </p:sp>
+      <p:sp>
+        <p:nvSpPr>
+          <p:cNvPr id="34" name="TextBox 33">
+            <a:extLst>
+              <a:ext uri="{FF2B5EF4-FFF2-40B4-BE49-F238E27FC236}">
+                <a16:creationId xmlns:a16="http://schemas.microsoft.com/office/drawing/2014/main" id="{23E22D2C-1678-4296-A51C-2A97CD254479}"/>
+              </a:ext>
+            </a:extLst>
+          </p:cNvPr>
+          <p:cNvSpPr txBox="1"/>
+          <p:nvPr/>
+        </p:nvSpPr>
+        <p:spPr>
+          <a:xfrm>
+            <a:off x="1081364" y="674191"/>
+            <a:ext cx="1313238" cy="369332"/>
+          </a:xfrm>
+          <a:prstGeom prst="rect">
+            <a:avLst/>
+          </a:prstGeom>
+          <a:noFill/>
+        </p:spPr>
+        <p:txBody>
+          <a:bodyPr wrap="square" rtlCol="0">
+            <a:spAutoFit/>
+          </a:bodyPr>
+          <a:lstStyle/>
+          <a:p>
+            <a:r>
+              <a:rPr lang="ko-KR" altLang="en-US" dirty="0">
+                <a:latin typeface="배달의민족 도현" panose="020B0600000101010101" pitchFamily="50" charset="-127"/>
+                <a:ea typeface="배달의민족 도현" panose="020B0600000101010101" pitchFamily="50" charset="-127"/>
+              </a:rPr>
+              <a:t>팀 소개</a:t>
+            </a:r>
+          </a:p>
+        </p:txBody>
+      </p:sp>
+      <p:pic>
+        <p:nvPicPr>
+          <p:cNvPr id="36" name="그래픽 35">
+            <a:extLst>
+              <a:ext uri="{FF2B5EF4-FFF2-40B4-BE49-F238E27FC236}">
+                <a16:creationId xmlns:a16="http://schemas.microsoft.com/office/drawing/2014/main" id="{6DEDB51A-D321-4B02-8B8F-EB039145BA41}"/>
+              </a:ext>
+            </a:extLst>
+          </p:cNvPr>
+          <p:cNvPicPr>
+            <a:picLocks noChangeAspect="1"/>
+          </p:cNvPicPr>
+          <p:nvPr/>
+        </p:nvPicPr>
+        <p:blipFill>
+          <a:blip r:embed="rId8" cstate="print">
+            <a:extLst>
+              <a:ext uri="{28A0092B-C50C-407E-A947-70E740481C1C}">
+                <a14:useLocalDpi xmlns:a14="http://schemas.microsoft.com/office/drawing/2010/main" val="0"/>
+              </a:ext>
+              <a:ext uri="{96DAC541-7B7A-43D3-8B79-37D633B846F1}">
+                <asvg:svgBlip xmlns:asvg="http://schemas.microsoft.com/office/drawing/2016/SVG/main" r:embed="rId9"/>
+              </a:ext>
+            </a:extLst>
+          </a:blip>
+          <a:stretch>
+            <a:fillRect/>
+          </a:stretch>
+        </p:blipFill>
+        <p:spPr>
+          <a:xfrm>
+            <a:off x="8203411" y="5096350"/>
+            <a:ext cx="1260000" cy="1260000"/>
+          </a:xfrm>
+          <a:prstGeom prst="rect">
+            <a:avLst/>
+          </a:prstGeom>
+        </p:spPr>
+      </p:pic>
+      <p:pic>
+        <p:nvPicPr>
+          <p:cNvPr id="38" name="그래픽 37">
+            <a:extLst>
+              <a:ext uri="{FF2B5EF4-FFF2-40B4-BE49-F238E27FC236}">
+                <a16:creationId xmlns:a16="http://schemas.microsoft.com/office/drawing/2014/main" id="{FBF7FAF1-94CB-4FB9-9EBF-314ADE65F932}"/>
+              </a:ext>
+            </a:extLst>
+          </p:cNvPr>
+          <p:cNvPicPr>
+            <a:picLocks noChangeAspect="1"/>
+          </p:cNvPicPr>
+          <p:nvPr/>
+        </p:nvPicPr>
+        <p:blipFill>
+          <a:blip r:embed="rId10" cstate="print">
+            <a:extLst>
+              <a:ext uri="{28A0092B-C50C-407E-A947-70E740481C1C}">
+                <a14:useLocalDpi xmlns:a14="http://schemas.microsoft.com/office/drawing/2010/main" val="0"/>
+              </a:ext>
+              <a:ext uri="{96DAC541-7B7A-43D3-8B79-37D633B846F1}">
+                <asvg:svgBlip xmlns:asvg="http://schemas.microsoft.com/office/drawing/2016/SVG/main" r:embed="rId11"/>
+              </a:ext>
+            </a:extLst>
+          </a:blip>
+          <a:stretch>
+            <a:fillRect/>
+          </a:stretch>
+        </p:blipFill>
+        <p:spPr>
+          <a:xfrm>
+            <a:off x="9463411" y="5096350"/>
+            <a:ext cx="1260000" cy="1260000"/>
+          </a:xfrm>
+          <a:prstGeom prst="rect">
+            <a:avLst/>
+          </a:prstGeom>
+        </p:spPr>
+      </p:pic>
+      <p:pic>
+        <p:nvPicPr>
+          <p:cNvPr id="40" name="그래픽 39">
+            <a:extLst>
+              <a:ext uri="{FF2B5EF4-FFF2-40B4-BE49-F238E27FC236}">
+                <a16:creationId xmlns:a16="http://schemas.microsoft.com/office/drawing/2014/main" id="{99170CE3-9776-452C-9CFA-578AD8EE7F91}"/>
+              </a:ext>
+            </a:extLst>
+          </p:cNvPr>
+          <p:cNvPicPr>
+            <a:picLocks noChangeAspect="1"/>
+          </p:cNvPicPr>
+          <p:nvPr/>
+        </p:nvPicPr>
+        <p:blipFill>
+          <a:blip r:embed="rId12" cstate="print">
+            <a:extLst>
+              <a:ext uri="{28A0092B-C50C-407E-A947-70E740481C1C}">
+                <a14:useLocalDpi xmlns:a14="http://schemas.microsoft.com/office/drawing/2010/main" val="0"/>
+              </a:ext>
+              <a:ext uri="{96DAC541-7B7A-43D3-8B79-37D633B846F1}">
+                <asvg:svgBlip xmlns:asvg="http://schemas.microsoft.com/office/drawing/2016/SVG/main" r:embed="rId13"/>
+              </a:ext>
+            </a:extLst>
+          </a:blip>
+          <a:stretch>
+            <a:fillRect/>
+          </a:stretch>
+        </p:blipFill>
+        <p:spPr>
+          <a:xfrm>
+            <a:off x="10723800" y="5096350"/>
+            <a:ext cx="1260000" cy="1260000"/>
+          </a:xfrm>
+          <a:prstGeom prst="rect">
+            <a:avLst/>
+          </a:prstGeom>
+        </p:spPr>
+      </p:pic>
+      <p:grpSp>
+        <p:nvGrpSpPr>
+          <p:cNvPr id="29" name="그룹 28">
+            <a:extLst>
+              <a:ext uri="{FF2B5EF4-FFF2-40B4-BE49-F238E27FC236}">
+                <a16:creationId xmlns:a16="http://schemas.microsoft.com/office/drawing/2014/main" id="{E753DA30-AC3F-4E10-81CB-26FEAEDA9917}"/>
+              </a:ext>
+            </a:extLst>
+          </p:cNvPr>
+          <p:cNvGrpSpPr/>
+          <p:nvPr/>
+        </p:nvGrpSpPr>
+        <p:grpSpPr>
+          <a:xfrm>
+            <a:off x="180682" y="381803"/>
+            <a:ext cx="720000" cy="936000"/>
+            <a:chOff x="7516054" y="2148709"/>
+            <a:chExt cx="720000" cy="936000"/>
+          </a:xfrm>
+        </p:grpSpPr>
+        <p:sp>
+          <p:nvSpPr>
+            <p:cNvPr id="15" name="자유형: 도형 14">
+              <a:extLst>
+                <a:ext uri="{FF2B5EF4-FFF2-40B4-BE49-F238E27FC236}">
+                  <a16:creationId xmlns:a16="http://schemas.microsoft.com/office/drawing/2014/main" id="{1282B9EA-A953-4912-AC43-6DACBF6F2B30}"/>
+                </a:ext>
+              </a:extLst>
+            </p:cNvPr>
+            <p:cNvSpPr/>
+            <p:nvPr/>
+          </p:nvSpPr>
+          <p:spPr>
+            <a:xfrm flipV="1">
+              <a:off x="7516054" y="2148709"/>
+              <a:ext cx="720000" cy="936000"/>
+            </a:xfrm>
+            <a:custGeom>
+              <a:avLst/>
+              <a:gdLst>
+                <a:gd name="connsiteX0" fmla="*/ 0 w 1800000"/>
+                <a:gd name="connsiteY0" fmla="*/ 3902305 h 3902305"/>
+                <a:gd name="connsiteX1" fmla="*/ 1800000 w 1800000"/>
+                <a:gd name="connsiteY1" fmla="*/ 3902305 h 3902305"/>
+                <a:gd name="connsiteX2" fmla="*/ 1800000 w 1800000"/>
+                <a:gd name="connsiteY2" fmla="*/ 370908 h 3902305"/>
+                <a:gd name="connsiteX3" fmla="*/ 1800000 w 1800000"/>
+                <a:gd name="connsiteY3" fmla="*/ 369329 h 3902305"/>
+                <a:gd name="connsiteX4" fmla="*/ 1800000 w 1800000"/>
+                <a:gd name="connsiteY4" fmla="*/ 1577 h 3902305"/>
+                <a:gd name="connsiteX5" fmla="*/ 903848 w 1800000"/>
+                <a:gd name="connsiteY5" fmla="*/ 369329 h 3902305"/>
+                <a:gd name="connsiteX6" fmla="*/ 899995 w 1800000"/>
+                <a:gd name="connsiteY6" fmla="*/ 369329 h 3902305"/>
+                <a:gd name="connsiteX7" fmla="*/ 0 w 1800000"/>
+                <a:gd name="connsiteY7" fmla="*/ 0 h 3902305"/>
+                <a:gd name="connsiteX8" fmla="*/ 0 w 1800000"/>
+                <a:gd name="connsiteY8" fmla="*/ 369329 h 3902305"/>
+                <a:gd name="connsiteX9" fmla="*/ 0 w 1800000"/>
+                <a:gd name="connsiteY9" fmla="*/ 369331 h 3902305"/>
+              </a:gdLst>
+              <a:ahLst/>
+              <a:cxnLst>
+                <a:cxn ang="0">
+                  <a:pos x="connsiteX0" y="connsiteY0"/>
+                </a:cxn>
+                <a:cxn ang="0">
+                  <a:pos x="connsiteX1" y="connsiteY1"/>
+                </a:cxn>
+                <a:cxn ang="0">
+                  <a:pos x="connsiteX2" y="connsiteY2"/>
+                </a:cxn>
+                <a:cxn ang="0">
+                  <a:pos x="connsiteX3" y="connsiteY3"/>
+                </a:cxn>
+                <a:cxn ang="0">
+                  <a:pos x="connsiteX4" y="connsiteY4"/>
+                </a:cxn>
+                <a:cxn ang="0">
+                  <a:pos x="connsiteX5" y="connsiteY5"/>
+                </a:cxn>
+                <a:cxn ang="0">
+                  <a:pos x="connsiteX6" y="connsiteY6"/>
+                </a:cxn>
+                <a:cxn ang="0">
+                  <a:pos x="connsiteX7" y="connsiteY7"/>
+                </a:cxn>
+                <a:cxn ang="0">
+                  <a:pos x="connsiteX8" y="connsiteY8"/>
+                </a:cxn>
+                <a:cxn ang="0">
+                  <a:pos x="connsiteX9" y="connsiteY9"/>
+                </a:cxn>
+              </a:cxnLst>
+              <a:rect l="l" t="t" r="r" b="b"/>
+              <a:pathLst>
+                <a:path w="1800000" h="3902305">
+                  <a:moveTo>
+                    <a:pt x="0" y="3902305"/>
+                  </a:moveTo>
+                  <a:lnTo>
+                    <a:pt x="1800000" y="3902305"/>
+                  </a:lnTo>
+                  <a:lnTo>
+                    <a:pt x="1800000" y="370908"/>
+                  </a:lnTo>
+                  <a:lnTo>
+                    <a:pt x="1800000" y="369329"/>
+                  </a:lnTo>
+                  <a:lnTo>
+                    <a:pt x="1800000" y="1577"/>
+                  </a:lnTo>
+                  <a:lnTo>
+                    <a:pt x="903848" y="369329"/>
+                  </a:lnTo>
+                  <a:lnTo>
+                    <a:pt x="899995" y="369329"/>
+                  </a:lnTo>
+                  <a:lnTo>
+                    <a:pt x="0" y="0"/>
+                  </a:lnTo>
+                  <a:lnTo>
+                    <a:pt x="0" y="369329"/>
+                  </a:lnTo>
+                  <a:lnTo>
+                    <a:pt x="0" y="369331"/>
+                  </a:lnTo>
+                  <a:close/>
+                </a:path>
+              </a:pathLst>
+            </a:custGeom>
+            <a:solidFill>
+              <a:srgbClr val="FDD910"/>
+            </a:solidFill>
+            <a:ln w="38100">
+              <a:solidFill>
+                <a:schemeClr val="tx1"/>
+              </a:solidFill>
+            </a:ln>
+          </p:spPr>
+          <p:style>
+            <a:lnRef idx="2">
+              <a:schemeClr val="accent1">
+                <a:shade val="50000"/>
+              </a:schemeClr>
+            </a:lnRef>
+            <a:fillRef idx="1">
+              <a:schemeClr val="accent1"/>
+            </a:fillRef>
+            <a:effectRef idx="0">
+              <a:schemeClr val="accent1"/>
+            </a:effectRef>
+            <a:fontRef idx="minor">
+              <a:schemeClr val="lt1"/>
+            </a:fontRef>
+          </p:style>
+          <p:txBody>
+            <a:bodyPr wrap="square" rtlCol="0" anchor="ctr">
+              <a:noAutofit/>
+            </a:bodyPr>
+            <a:lstStyle/>
+            <a:p>
+              <a:pPr algn="ctr"/>
+              <a:endParaRPr lang="ko-KR" altLang="en-US" dirty="0"/>
+            </a:p>
+          </p:txBody>
+        </p:sp>
+        <p:pic>
+          <p:nvPicPr>
+            <p:cNvPr id="25" name="그래픽 24">
+              <a:extLst>
+                <a:ext uri="{FF2B5EF4-FFF2-40B4-BE49-F238E27FC236}">
+                  <a16:creationId xmlns:a16="http://schemas.microsoft.com/office/drawing/2014/main" id="{82F7F4F9-412D-4297-A308-5D250B60B7C6}"/>
+                </a:ext>
+              </a:extLst>
+            </p:cNvPr>
+            <p:cNvPicPr>
+              <a:picLocks noChangeAspect="1"/>
+            </p:cNvPicPr>
+            <p:nvPr/>
+          </p:nvPicPr>
+          <p:blipFill>
+            <a:blip r:embed="rId14" cstate="print">
+              <a:extLst>
+                <a:ext uri="{28A0092B-C50C-407E-A947-70E740481C1C}">
+                  <a14:useLocalDpi xmlns:a14="http://schemas.microsoft.com/office/drawing/2010/main" val="0"/>
+                </a:ext>
+                <a:ext uri="{96DAC541-7B7A-43D3-8B79-37D633B846F1}">
+                  <asvg:svgBlip xmlns:asvg="http://schemas.microsoft.com/office/drawing/2016/SVG/main" r:embed="rId15"/>
+                </a:ext>
+              </a:extLst>
+            </a:blip>
+            <a:stretch>
+              <a:fillRect/>
+            </a:stretch>
+          </p:blipFill>
+          <p:spPr>
+            <a:xfrm>
+              <a:off x="7606054" y="2318134"/>
+              <a:ext cx="540000" cy="540000"/>
+            </a:xfrm>
+            <a:prstGeom prst="rect">
+              <a:avLst/>
+            </a:prstGeom>
+          </p:spPr>
+        </p:pic>
+      </p:grpSp>
+    </p:spTree>
+    <p:extLst>
+      <p:ext uri="{BB962C8B-B14F-4D97-AF65-F5344CB8AC3E}">
+        <p14:creationId xmlns:p14="http://schemas.microsoft.com/office/powerpoint/2010/main" val="2574205419"/>
       </p:ext>
     </p:extLst>
   </p:cSld>
@@ -5206,7 +8530,7 @@
                   <a:latin typeface="배달의민족 도현" panose="020B0600000101010101" pitchFamily="50" charset="-127"/>
                   <a:ea typeface="배달의민족 도현" panose="020B0600000101010101" pitchFamily="50" charset="-127"/>
                 </a:rPr>
-                <a:t>차후 일정</a:t>
+                <a:t>차후 계획</a:t>
               </a:r>
             </a:p>
           </p:txBody>
@@ -5245,7 +8569,7 @@
                   <a:latin typeface="배달의민족 도현" panose="020B0600000101010101" pitchFamily="50" charset="-127"/>
                   <a:ea typeface="배달의민족 도현" panose="020B0600000101010101" pitchFamily="50" charset="-127"/>
                 </a:rPr>
-                <a:t>기술 소개</a:t>
+                <a:t>연구 분야</a:t>
               </a:r>
             </a:p>
           </p:txBody>
@@ -5566,49 +8890,6 @@
           </a:p>
         </p:txBody>
       </p:sp>
-      <p:cxnSp>
-        <p:nvCxnSpPr>
-          <p:cNvPr id="27" name="직선 연결선 26">
-            <a:extLst>
-              <a:ext uri="{FF2B5EF4-FFF2-40B4-BE49-F238E27FC236}">
-                <a16:creationId xmlns:a16="http://schemas.microsoft.com/office/drawing/2014/main" id="{509E0D29-E25D-45FB-9ABC-1D9532EB242D}"/>
-              </a:ext>
-            </a:extLst>
-          </p:cNvPr>
-          <p:cNvCxnSpPr>
-            <a:cxnSpLocks/>
-          </p:cNvCxnSpPr>
-          <p:nvPr/>
-        </p:nvCxnSpPr>
-        <p:spPr>
-          <a:xfrm>
-            <a:off x="-1" y="674192"/>
-            <a:ext cx="3024000" cy="0"/>
-          </a:xfrm>
-          <a:prstGeom prst="line">
-            <a:avLst/>
-          </a:prstGeom>
-          <a:ln w="31750">
-            <a:solidFill>
-              <a:schemeClr val="tx1"/>
-            </a:solidFill>
-          </a:ln>
-        </p:spPr>
-        <p:style>
-          <a:lnRef idx="1">
-            <a:schemeClr val="accent1"/>
-          </a:lnRef>
-          <a:fillRef idx="0">
-            <a:schemeClr val="accent1"/>
-          </a:fillRef>
-          <a:effectRef idx="0">
-            <a:schemeClr val="accent1"/>
-          </a:effectRef>
-          <a:fontRef idx="minor">
-            <a:schemeClr val="tx1"/>
-          </a:fontRef>
-        </p:style>
-      </p:cxnSp>
       <p:sp>
         <p:nvSpPr>
           <p:cNvPr id="5" name="TextBox 4"/>
@@ -5861,10 +9142,10 @@
       </p:pic>
       <p:grpSp>
         <p:nvGrpSpPr>
-          <p:cNvPr id="20" name="그룹 19">
+          <p:cNvPr id="54" name="그룹 53">
             <a:extLst>
               <a:ext uri="{FF2B5EF4-FFF2-40B4-BE49-F238E27FC236}">
-                <a16:creationId xmlns:a16="http://schemas.microsoft.com/office/drawing/2014/main" id="{53A9A672-38C7-4632-9EBF-AE9D264AF26A}"/>
+                <a16:creationId xmlns:a16="http://schemas.microsoft.com/office/drawing/2014/main" id="{02B62131-0686-4978-B4E8-941851DB8D96}"/>
               </a:ext>
             </a:extLst>
           </p:cNvPr>
@@ -5873,279 +9154,343 @@
         </p:nvGrpSpPr>
         <p:grpSpPr>
           <a:xfrm>
-            <a:off x="180682" y="381804"/>
-            <a:ext cx="720000" cy="936000"/>
-            <a:chOff x="1410529" y="2148709"/>
-            <a:chExt cx="720000" cy="936000"/>
+            <a:off x="-1" y="89416"/>
+            <a:ext cx="3109426" cy="1228388"/>
+            <a:chOff x="-1" y="89416"/>
+            <a:chExt cx="3109426" cy="1228388"/>
           </a:xfrm>
         </p:grpSpPr>
-        <p:sp>
-          <p:nvSpPr>
-            <p:cNvPr id="21" name="자유형: 도형 20">
+        <p:cxnSp>
+          <p:nvCxnSpPr>
+            <p:cNvPr id="27" name="직선 연결선 26">
               <a:extLst>
                 <a:ext uri="{FF2B5EF4-FFF2-40B4-BE49-F238E27FC236}">
-                  <a16:creationId xmlns:a16="http://schemas.microsoft.com/office/drawing/2014/main" id="{E54B3B7D-83F4-4857-B4F2-4DCD20FFD90B}"/>
+                  <a16:creationId xmlns:a16="http://schemas.microsoft.com/office/drawing/2014/main" id="{509E0D29-E25D-45FB-9ABC-1D9532EB242D}"/>
                 </a:ext>
               </a:extLst>
             </p:cNvPr>
-            <p:cNvSpPr/>
+            <p:cNvCxnSpPr>
+              <a:cxnSpLocks/>
+            </p:cNvCxnSpPr>
             <p:nvPr/>
-          </p:nvSpPr>
+          </p:nvCxnSpPr>
           <p:spPr>
-            <a:xfrm flipV="1">
-              <a:off x="1410529" y="2148709"/>
-              <a:ext cx="720000" cy="936000"/>
+            <a:xfrm>
+              <a:off x="-1" y="674192"/>
+              <a:ext cx="3024000" cy="0"/>
             </a:xfrm>
-            <a:custGeom>
+            <a:prstGeom prst="line">
               <a:avLst/>
-              <a:gdLst>
-                <a:gd name="connsiteX0" fmla="*/ 0 w 1800000"/>
-                <a:gd name="connsiteY0" fmla="*/ 3902305 h 3902305"/>
-                <a:gd name="connsiteX1" fmla="*/ 1800000 w 1800000"/>
-                <a:gd name="connsiteY1" fmla="*/ 3902305 h 3902305"/>
-                <a:gd name="connsiteX2" fmla="*/ 1800000 w 1800000"/>
-                <a:gd name="connsiteY2" fmla="*/ 370908 h 3902305"/>
-                <a:gd name="connsiteX3" fmla="*/ 1800000 w 1800000"/>
-                <a:gd name="connsiteY3" fmla="*/ 369329 h 3902305"/>
-                <a:gd name="connsiteX4" fmla="*/ 1800000 w 1800000"/>
-                <a:gd name="connsiteY4" fmla="*/ 1577 h 3902305"/>
-                <a:gd name="connsiteX5" fmla="*/ 903848 w 1800000"/>
-                <a:gd name="connsiteY5" fmla="*/ 369329 h 3902305"/>
-                <a:gd name="connsiteX6" fmla="*/ 899995 w 1800000"/>
-                <a:gd name="connsiteY6" fmla="*/ 369329 h 3902305"/>
-                <a:gd name="connsiteX7" fmla="*/ 0 w 1800000"/>
-                <a:gd name="connsiteY7" fmla="*/ 0 h 3902305"/>
-                <a:gd name="connsiteX8" fmla="*/ 0 w 1800000"/>
-                <a:gd name="connsiteY8" fmla="*/ 369329 h 3902305"/>
-                <a:gd name="connsiteX9" fmla="*/ 0 w 1800000"/>
-                <a:gd name="connsiteY9" fmla="*/ 369331 h 3902305"/>
-              </a:gdLst>
-              <a:ahLst/>
-              <a:cxnLst>
-                <a:cxn ang="0">
-                  <a:pos x="connsiteX0" y="connsiteY0"/>
-                </a:cxn>
-                <a:cxn ang="0">
-                  <a:pos x="connsiteX1" y="connsiteY1"/>
-                </a:cxn>
-                <a:cxn ang="0">
-                  <a:pos x="connsiteX2" y="connsiteY2"/>
-                </a:cxn>
-                <a:cxn ang="0">
-                  <a:pos x="connsiteX3" y="connsiteY3"/>
-                </a:cxn>
-                <a:cxn ang="0">
-                  <a:pos x="connsiteX4" y="connsiteY4"/>
-                </a:cxn>
-                <a:cxn ang="0">
-                  <a:pos x="connsiteX5" y="connsiteY5"/>
-                </a:cxn>
-                <a:cxn ang="0">
-                  <a:pos x="connsiteX6" y="connsiteY6"/>
-                </a:cxn>
-                <a:cxn ang="0">
-                  <a:pos x="connsiteX7" y="connsiteY7"/>
-                </a:cxn>
-                <a:cxn ang="0">
-                  <a:pos x="connsiteX8" y="connsiteY8"/>
-                </a:cxn>
-                <a:cxn ang="0">
-                  <a:pos x="connsiteX9" y="connsiteY9"/>
-                </a:cxn>
-              </a:cxnLst>
-              <a:rect l="l" t="t" r="r" b="b"/>
-              <a:pathLst>
-                <a:path w="1800000" h="3902305">
-                  <a:moveTo>
-                    <a:pt x="0" y="3902305"/>
-                  </a:moveTo>
-                  <a:lnTo>
-                    <a:pt x="1800000" y="3902305"/>
-                  </a:lnTo>
-                  <a:lnTo>
-                    <a:pt x="1800000" y="370908"/>
-                  </a:lnTo>
-                  <a:lnTo>
-                    <a:pt x="1800000" y="369329"/>
-                  </a:lnTo>
-                  <a:lnTo>
-                    <a:pt x="1800000" y="1577"/>
-                  </a:lnTo>
-                  <a:lnTo>
-                    <a:pt x="903848" y="369329"/>
-                  </a:lnTo>
-                  <a:lnTo>
-                    <a:pt x="899995" y="369329"/>
-                  </a:lnTo>
-                  <a:lnTo>
-                    <a:pt x="0" y="0"/>
-                  </a:lnTo>
-                  <a:lnTo>
-                    <a:pt x="0" y="369329"/>
-                  </a:lnTo>
-                  <a:lnTo>
-                    <a:pt x="0" y="369331"/>
-                  </a:lnTo>
-                  <a:close/>
-                </a:path>
-              </a:pathLst>
-            </a:custGeom>
-            <a:solidFill>
-              <a:srgbClr val="D50100"/>
-            </a:solidFill>
-            <a:ln w="38100">
+            </a:prstGeom>
+            <a:ln w="31750">
               <a:solidFill>
                 <a:schemeClr val="tx1"/>
               </a:solidFill>
             </a:ln>
           </p:spPr>
           <p:style>
-            <a:lnRef idx="2">
-              <a:schemeClr val="accent1">
-                <a:shade val="50000"/>
-              </a:schemeClr>
+            <a:lnRef idx="1">
+              <a:schemeClr val="accent1"/>
             </a:lnRef>
-            <a:fillRef idx="1">
+            <a:fillRef idx="0">
               <a:schemeClr val="accent1"/>
             </a:fillRef>
             <a:effectRef idx="0">
               <a:schemeClr val="accent1"/>
             </a:effectRef>
             <a:fontRef idx="minor">
-              <a:schemeClr val="lt1"/>
+              <a:schemeClr val="tx1"/>
             </a:fontRef>
           </p:style>
-          <p:txBody>
-            <a:bodyPr wrap="square" rtlCol="0" anchor="ctr">
-              <a:noAutofit/>
-            </a:bodyPr>
-            <a:lstStyle/>
-            <a:p>
-              <a:pPr algn="ctr"/>
-              <a:endParaRPr lang="ko-KR" altLang="en-US" dirty="0"/>
-            </a:p>
-          </p:txBody>
-        </p:sp>
-        <p:pic>
-          <p:nvPicPr>
-            <p:cNvPr id="22" name="그래픽 21">
+        </p:cxnSp>
+        <p:grpSp>
+          <p:nvGrpSpPr>
+            <p:cNvPr id="20" name="그룹 19">
               <a:extLst>
                 <a:ext uri="{FF2B5EF4-FFF2-40B4-BE49-F238E27FC236}">
-                  <a16:creationId xmlns:a16="http://schemas.microsoft.com/office/drawing/2014/main" id="{9EC86108-1721-49E4-9547-C35472E32383}"/>
+                  <a16:creationId xmlns:a16="http://schemas.microsoft.com/office/drawing/2014/main" id="{53A9A672-38C7-4632-9EBF-AE9D264AF26A}"/>
                 </a:ext>
               </a:extLst>
             </p:cNvPr>
-            <p:cNvPicPr>
-              <a:picLocks noChangeAspect="1"/>
-            </p:cNvPicPr>
+            <p:cNvGrpSpPr/>
             <p:nvPr/>
-          </p:nvPicPr>
-          <p:blipFill>
-            <a:blip r:embed="rId8" cstate="print">
+          </p:nvGrpSpPr>
+          <p:grpSpPr>
+            <a:xfrm>
+              <a:off x="180682" y="381804"/>
+              <a:ext cx="720000" cy="936000"/>
+              <a:chOff x="1410529" y="2148709"/>
+              <a:chExt cx="720000" cy="936000"/>
+            </a:xfrm>
+          </p:grpSpPr>
+          <p:sp>
+            <p:nvSpPr>
+              <p:cNvPr id="21" name="자유형: 도형 20">
+                <a:extLst>
+                  <a:ext uri="{FF2B5EF4-FFF2-40B4-BE49-F238E27FC236}">
+                    <a16:creationId xmlns:a16="http://schemas.microsoft.com/office/drawing/2014/main" id="{E54B3B7D-83F4-4857-B4F2-4DCD20FFD90B}"/>
+                  </a:ext>
+                </a:extLst>
+              </p:cNvPr>
+              <p:cNvSpPr/>
+              <p:nvPr/>
+            </p:nvSpPr>
+            <p:spPr>
+              <a:xfrm flipV="1">
+                <a:off x="1410529" y="2148709"/>
+                <a:ext cx="720000" cy="936000"/>
+              </a:xfrm>
+              <a:custGeom>
+                <a:avLst/>
+                <a:gdLst>
+                  <a:gd name="connsiteX0" fmla="*/ 0 w 1800000"/>
+                  <a:gd name="connsiteY0" fmla="*/ 3902305 h 3902305"/>
+                  <a:gd name="connsiteX1" fmla="*/ 1800000 w 1800000"/>
+                  <a:gd name="connsiteY1" fmla="*/ 3902305 h 3902305"/>
+                  <a:gd name="connsiteX2" fmla="*/ 1800000 w 1800000"/>
+                  <a:gd name="connsiteY2" fmla="*/ 370908 h 3902305"/>
+                  <a:gd name="connsiteX3" fmla="*/ 1800000 w 1800000"/>
+                  <a:gd name="connsiteY3" fmla="*/ 369329 h 3902305"/>
+                  <a:gd name="connsiteX4" fmla="*/ 1800000 w 1800000"/>
+                  <a:gd name="connsiteY4" fmla="*/ 1577 h 3902305"/>
+                  <a:gd name="connsiteX5" fmla="*/ 903848 w 1800000"/>
+                  <a:gd name="connsiteY5" fmla="*/ 369329 h 3902305"/>
+                  <a:gd name="connsiteX6" fmla="*/ 899995 w 1800000"/>
+                  <a:gd name="connsiteY6" fmla="*/ 369329 h 3902305"/>
+                  <a:gd name="connsiteX7" fmla="*/ 0 w 1800000"/>
+                  <a:gd name="connsiteY7" fmla="*/ 0 h 3902305"/>
+                  <a:gd name="connsiteX8" fmla="*/ 0 w 1800000"/>
+                  <a:gd name="connsiteY8" fmla="*/ 369329 h 3902305"/>
+                  <a:gd name="connsiteX9" fmla="*/ 0 w 1800000"/>
+                  <a:gd name="connsiteY9" fmla="*/ 369331 h 3902305"/>
+                </a:gdLst>
+                <a:ahLst/>
+                <a:cxnLst>
+                  <a:cxn ang="0">
+                    <a:pos x="connsiteX0" y="connsiteY0"/>
+                  </a:cxn>
+                  <a:cxn ang="0">
+                    <a:pos x="connsiteX1" y="connsiteY1"/>
+                  </a:cxn>
+                  <a:cxn ang="0">
+                    <a:pos x="connsiteX2" y="connsiteY2"/>
+                  </a:cxn>
+                  <a:cxn ang="0">
+                    <a:pos x="connsiteX3" y="connsiteY3"/>
+                  </a:cxn>
+                  <a:cxn ang="0">
+                    <a:pos x="connsiteX4" y="connsiteY4"/>
+                  </a:cxn>
+                  <a:cxn ang="0">
+                    <a:pos x="connsiteX5" y="connsiteY5"/>
+                  </a:cxn>
+                  <a:cxn ang="0">
+                    <a:pos x="connsiteX6" y="connsiteY6"/>
+                  </a:cxn>
+                  <a:cxn ang="0">
+                    <a:pos x="connsiteX7" y="connsiteY7"/>
+                  </a:cxn>
+                  <a:cxn ang="0">
+                    <a:pos x="connsiteX8" y="connsiteY8"/>
+                  </a:cxn>
+                  <a:cxn ang="0">
+                    <a:pos x="connsiteX9" y="connsiteY9"/>
+                  </a:cxn>
+                </a:cxnLst>
+                <a:rect l="l" t="t" r="r" b="b"/>
+                <a:pathLst>
+                  <a:path w="1800000" h="3902305">
+                    <a:moveTo>
+                      <a:pt x="0" y="3902305"/>
+                    </a:moveTo>
+                    <a:lnTo>
+                      <a:pt x="1800000" y="3902305"/>
+                    </a:lnTo>
+                    <a:lnTo>
+                      <a:pt x="1800000" y="370908"/>
+                    </a:lnTo>
+                    <a:lnTo>
+                      <a:pt x="1800000" y="369329"/>
+                    </a:lnTo>
+                    <a:lnTo>
+                      <a:pt x="1800000" y="1577"/>
+                    </a:lnTo>
+                    <a:lnTo>
+                      <a:pt x="903848" y="369329"/>
+                    </a:lnTo>
+                    <a:lnTo>
+                      <a:pt x="899995" y="369329"/>
+                    </a:lnTo>
+                    <a:lnTo>
+                      <a:pt x="0" y="0"/>
+                    </a:lnTo>
+                    <a:lnTo>
+                      <a:pt x="0" y="369329"/>
+                    </a:lnTo>
+                    <a:lnTo>
+                      <a:pt x="0" y="369331"/>
+                    </a:lnTo>
+                    <a:close/>
+                  </a:path>
+                </a:pathLst>
+              </a:custGeom>
+              <a:solidFill>
+                <a:srgbClr val="D50100"/>
+              </a:solidFill>
+              <a:ln w="38100">
+                <a:solidFill>
+                  <a:schemeClr val="tx1"/>
+                </a:solidFill>
+              </a:ln>
+            </p:spPr>
+            <p:style>
+              <a:lnRef idx="2">
+                <a:schemeClr val="accent1">
+                  <a:shade val="50000"/>
+                </a:schemeClr>
+              </a:lnRef>
+              <a:fillRef idx="1">
+                <a:schemeClr val="accent1"/>
+              </a:fillRef>
+              <a:effectRef idx="0">
+                <a:schemeClr val="accent1"/>
+              </a:effectRef>
+              <a:fontRef idx="minor">
+                <a:schemeClr val="lt1"/>
+              </a:fontRef>
+            </p:style>
+            <p:txBody>
+              <a:bodyPr wrap="square" rtlCol="0" anchor="ctr">
+                <a:noAutofit/>
+              </a:bodyPr>
+              <a:lstStyle/>
+              <a:p>
+                <a:pPr algn="ctr"/>
+                <a:endParaRPr lang="ko-KR" altLang="en-US" dirty="0"/>
+              </a:p>
+            </p:txBody>
+          </p:sp>
+          <p:pic>
+            <p:nvPicPr>
+              <p:cNvPr id="22" name="그래픽 21">
+                <a:extLst>
+                  <a:ext uri="{FF2B5EF4-FFF2-40B4-BE49-F238E27FC236}">
+                    <a16:creationId xmlns:a16="http://schemas.microsoft.com/office/drawing/2014/main" id="{9EC86108-1721-49E4-9547-C35472E32383}"/>
+                  </a:ext>
+                </a:extLst>
+              </p:cNvPr>
+              <p:cNvPicPr>
+                <a:picLocks noChangeAspect="1"/>
+              </p:cNvPicPr>
+              <p:nvPr/>
+            </p:nvPicPr>
+            <p:blipFill>
+              <a:blip r:embed="rId8" cstate="print">
+                <a:extLst>
+                  <a:ext uri="{28A0092B-C50C-407E-A947-70E740481C1C}">
+                    <a14:useLocalDpi xmlns:a14="http://schemas.microsoft.com/office/drawing/2010/main" val="0"/>
+                  </a:ext>
+                  <a:ext uri="{96DAC541-7B7A-43D3-8B79-37D633B846F1}">
+                    <asvg:svgBlip xmlns:asvg="http://schemas.microsoft.com/office/drawing/2016/SVG/main" r:embed="rId9"/>
+                  </a:ext>
+                </a:extLst>
+              </a:blip>
+              <a:stretch>
+                <a:fillRect/>
+              </a:stretch>
+            </p:blipFill>
+            <p:spPr>
+              <a:xfrm>
+                <a:off x="1500529" y="2318134"/>
+                <a:ext cx="540000" cy="540000"/>
+              </a:xfrm>
+              <a:prstGeom prst="rect">
+                <a:avLst/>
+              </a:prstGeom>
+            </p:spPr>
+          </p:pic>
+        </p:grpSp>
+        <p:sp>
+          <p:nvSpPr>
+            <p:cNvPr id="24" name="TextBox 23">
               <a:extLst>
-                <a:ext uri="{28A0092B-C50C-407E-A947-70E740481C1C}">
-                  <a14:useLocalDpi xmlns:a14="http://schemas.microsoft.com/office/drawing/2010/main" val="0"/>
-                </a:ext>
-                <a:ext uri="{96DAC541-7B7A-43D3-8B79-37D633B846F1}">
-                  <asvg:svgBlip xmlns:asvg="http://schemas.microsoft.com/office/drawing/2016/SVG/main" r:embed="rId9"/>
+                <a:ext uri="{FF2B5EF4-FFF2-40B4-BE49-F238E27FC236}">
+                  <a16:creationId xmlns:a16="http://schemas.microsoft.com/office/drawing/2014/main" id="{9DD38857-7382-4FF0-A73A-77B435ED5427}"/>
                 </a:ext>
               </a:extLst>
-            </a:blip>
-            <a:stretch>
-              <a:fillRect/>
-            </a:stretch>
-          </p:blipFill>
+            </p:cNvPr>
+            <p:cNvSpPr txBox="1"/>
+            <p:nvPr/>
+          </p:nvSpPr>
           <p:spPr>
             <a:xfrm>
-              <a:off x="1500529" y="2318134"/>
-              <a:ext cx="540000" cy="540000"/>
+              <a:off x="995354" y="89416"/>
+              <a:ext cx="2114071" cy="584775"/>
             </a:xfrm>
             <a:prstGeom prst="rect">
               <a:avLst/>
             </a:prstGeom>
+            <a:noFill/>
           </p:spPr>
-        </p:pic>
-      </p:grpSp>
-      <p:sp>
-        <p:nvSpPr>
-          <p:cNvPr id="24" name="TextBox 23">
-            <a:extLst>
-              <a:ext uri="{FF2B5EF4-FFF2-40B4-BE49-F238E27FC236}">
-                <a16:creationId xmlns:a16="http://schemas.microsoft.com/office/drawing/2014/main" id="{9DD38857-7382-4FF0-A73A-77B435ED5427}"/>
-              </a:ext>
-            </a:extLst>
-          </p:cNvPr>
-          <p:cNvSpPr txBox="1"/>
-          <p:nvPr/>
-        </p:nvSpPr>
-        <p:spPr>
-          <a:xfrm>
-            <a:off x="995354" y="89416"/>
-            <a:ext cx="2114071" cy="584775"/>
-          </a:xfrm>
-          <a:prstGeom prst="rect">
-            <a:avLst/>
-          </a:prstGeom>
-          <a:noFill/>
-        </p:spPr>
-        <p:txBody>
-          <a:bodyPr wrap="square" rtlCol="0">
-            <a:spAutoFit/>
-          </a:bodyPr>
-          <a:lstStyle/>
-          <a:p>
-            <a:r>
-              <a:rPr lang="ko-KR" altLang="en-US" sz="3200" b="1" dirty="0">
+          <p:txBody>
+            <a:bodyPr wrap="square" rtlCol="0">
+              <a:spAutoFit/>
+            </a:bodyPr>
+            <a:lstStyle/>
+            <a:p>
+              <a:r>
+                <a:rPr lang="ko-KR" altLang="en-US" sz="3200" b="1" dirty="0">
+                  <a:latin typeface="배달의민족 도현" panose="020B0600000101010101" pitchFamily="50" charset="-127"/>
+                  <a:ea typeface="배달의민족 도현" panose="020B0600000101010101" pitchFamily="50" charset="-127"/>
+                </a:rPr>
+                <a:t>팀 소개</a:t>
+              </a:r>
+              <a:endParaRPr lang="ko-KR" altLang="en-US" sz="2400" b="1" dirty="0">
                 <a:latin typeface="배달의민족 도현" panose="020B0600000101010101" pitchFamily="50" charset="-127"/>
                 <a:ea typeface="배달의민족 도현" panose="020B0600000101010101" pitchFamily="50" charset="-127"/>
-              </a:rPr>
-              <a:t>팀 소개</a:t>
-            </a:r>
-            <a:endParaRPr lang="ko-KR" altLang="en-US" sz="2400" b="1" dirty="0">
-              <a:latin typeface="배달의민족 도현" panose="020B0600000101010101" pitchFamily="50" charset="-127"/>
-              <a:ea typeface="배달의민족 도현" panose="020B0600000101010101" pitchFamily="50" charset="-127"/>
-            </a:endParaRPr>
-          </a:p>
-        </p:txBody>
-      </p:sp>
-      <p:sp>
-        <p:nvSpPr>
-          <p:cNvPr id="26" name="TextBox 25">
-            <a:extLst>
-              <a:ext uri="{FF2B5EF4-FFF2-40B4-BE49-F238E27FC236}">
-                <a16:creationId xmlns:a16="http://schemas.microsoft.com/office/drawing/2014/main" id="{AC75578E-57A8-469B-A276-18895D6023F6}"/>
-              </a:ext>
-            </a:extLst>
-          </p:cNvPr>
-          <p:cNvSpPr txBox="1"/>
-          <p:nvPr/>
-        </p:nvSpPr>
-        <p:spPr>
-          <a:xfrm>
-            <a:off x="1081364" y="674191"/>
-            <a:ext cx="1313238" cy="369332"/>
-          </a:xfrm>
-          <a:prstGeom prst="rect">
-            <a:avLst/>
-          </a:prstGeom>
-          <a:noFill/>
-        </p:spPr>
-        <p:txBody>
-          <a:bodyPr wrap="square" rtlCol="0">
-            <a:spAutoFit/>
-          </a:bodyPr>
-          <a:lstStyle/>
-          <a:p>
-            <a:r>
-              <a:rPr lang="ko-KR" altLang="en-US" dirty="0">
-                <a:latin typeface="배달의민족 도현" panose="020B0600000101010101" pitchFamily="50" charset="-127"/>
-                <a:ea typeface="배달의민족 도현" panose="020B0600000101010101" pitchFamily="50" charset="-127"/>
-              </a:rPr>
-              <a:t>팀 소개</a:t>
-            </a:r>
-          </a:p>
-        </p:txBody>
-      </p:sp>
+              </a:endParaRPr>
+            </a:p>
+          </p:txBody>
+        </p:sp>
+        <p:sp>
+          <p:nvSpPr>
+            <p:cNvPr id="26" name="TextBox 25">
+              <a:extLst>
+                <a:ext uri="{FF2B5EF4-FFF2-40B4-BE49-F238E27FC236}">
+                  <a16:creationId xmlns:a16="http://schemas.microsoft.com/office/drawing/2014/main" id="{AC75578E-57A8-469B-A276-18895D6023F6}"/>
+                </a:ext>
+              </a:extLst>
+            </p:cNvPr>
+            <p:cNvSpPr txBox="1"/>
+            <p:nvPr/>
+          </p:nvSpPr>
+          <p:spPr>
+            <a:xfrm>
+              <a:off x="1081364" y="674191"/>
+              <a:ext cx="1313238" cy="369332"/>
+            </a:xfrm>
+            <a:prstGeom prst="rect">
+              <a:avLst/>
+            </a:prstGeom>
+            <a:noFill/>
+          </p:spPr>
+          <p:txBody>
+            <a:bodyPr wrap="square" rtlCol="0">
+              <a:spAutoFit/>
+            </a:bodyPr>
+            <a:lstStyle/>
+            <a:p>
+              <a:r>
+                <a:rPr lang="ko-KR" altLang="en-US" dirty="0">
+                  <a:latin typeface="배달의민족 도현" panose="020B0600000101010101" pitchFamily="50" charset="-127"/>
+                  <a:ea typeface="배달의민족 도현" panose="020B0600000101010101" pitchFamily="50" charset="-127"/>
+                </a:rPr>
+                <a:t>팀 소개</a:t>
+              </a:r>
+            </a:p>
+          </p:txBody>
+        </p:sp>
+      </p:grpSp>
       <p:sp>
         <p:nvSpPr>
           <p:cNvPr id="29" name="TextBox 28">
@@ -6703,6 +10048,63 @@
       </p:grpSpPr>
       <p:sp>
         <p:nvSpPr>
+          <p:cNvPr id="48" name="직사각형 47">
+            <a:extLst>
+              <a:ext uri="{FF2B5EF4-FFF2-40B4-BE49-F238E27FC236}">
+                <a16:creationId xmlns:a16="http://schemas.microsoft.com/office/drawing/2014/main" id="{D82102C8-A1F1-492A-B83A-DF4020C8EAF6}"/>
+              </a:ext>
+            </a:extLst>
+          </p:cNvPr>
+          <p:cNvSpPr/>
+          <p:nvPr/>
+        </p:nvSpPr>
+        <p:spPr>
+          <a:xfrm>
+            <a:off x="1511999" y="1212580"/>
+            <a:ext cx="9420225" cy="4865991"/>
+          </a:xfrm>
+          <a:prstGeom prst="rect">
+            <a:avLst/>
+          </a:prstGeom>
+          <a:solidFill>
+            <a:schemeClr val="accent3">
+              <a:lumMod val="40000"/>
+              <a:lumOff val="60000"/>
+            </a:schemeClr>
+          </a:solidFill>
+          <a:ln w="38100">
+            <a:solidFill>
+              <a:schemeClr val="tx1"/>
+            </a:solidFill>
+          </a:ln>
+        </p:spPr>
+        <p:style>
+          <a:lnRef idx="2">
+            <a:schemeClr val="accent1">
+              <a:shade val="50000"/>
+            </a:schemeClr>
+          </a:lnRef>
+          <a:fillRef idx="1">
+            <a:schemeClr val="accent1"/>
+          </a:fillRef>
+          <a:effectRef idx="0">
+            <a:schemeClr val="accent1"/>
+          </a:effectRef>
+          <a:fontRef idx="minor">
+            <a:schemeClr val="lt1"/>
+          </a:fontRef>
+        </p:style>
+        <p:txBody>
+          <a:bodyPr rtlCol="0" anchor="ctr"/>
+          <a:lstStyle/>
+          <a:p>
+            <a:pPr algn="ctr"/>
+            <a:endParaRPr lang="ko-KR" altLang="en-US"/>
+          </a:p>
+        </p:txBody>
+      </p:sp>
+      <p:sp>
+        <p:nvSpPr>
           <p:cNvPr id="2" name="슬라이드 번호 개체 틀 1">
             <a:extLst>
               <a:ext uri="{FF2B5EF4-FFF2-40B4-BE49-F238E27FC236}">
@@ -6730,6 +10132,945 @@
           </a:p>
         </p:txBody>
       </p:sp>
+      <p:grpSp>
+        <p:nvGrpSpPr>
+          <p:cNvPr id="5" name="그룹 4">
+            <a:extLst>
+              <a:ext uri="{FF2B5EF4-FFF2-40B4-BE49-F238E27FC236}">
+                <a16:creationId xmlns:a16="http://schemas.microsoft.com/office/drawing/2014/main" id="{337BE65D-C3E5-43E8-AC6B-1933870B848C}"/>
+              </a:ext>
+            </a:extLst>
+          </p:cNvPr>
+          <p:cNvGrpSpPr/>
+          <p:nvPr/>
+        </p:nvGrpSpPr>
+        <p:grpSpPr>
+          <a:xfrm>
+            <a:off x="-1" y="89416"/>
+            <a:ext cx="3109426" cy="1228388"/>
+            <a:chOff x="-1" y="89416"/>
+            <a:chExt cx="3109426" cy="1228388"/>
+          </a:xfrm>
+        </p:grpSpPr>
+        <p:cxnSp>
+          <p:nvCxnSpPr>
+            <p:cNvPr id="6" name="직선 연결선 5">
+              <a:extLst>
+                <a:ext uri="{FF2B5EF4-FFF2-40B4-BE49-F238E27FC236}">
+                  <a16:creationId xmlns:a16="http://schemas.microsoft.com/office/drawing/2014/main" id="{425F7E8F-02C6-4313-B1F4-567DCDC1ADA8}"/>
+                </a:ext>
+              </a:extLst>
+            </p:cNvPr>
+            <p:cNvCxnSpPr>
+              <a:cxnSpLocks/>
+            </p:cNvCxnSpPr>
+            <p:nvPr/>
+          </p:nvCxnSpPr>
+          <p:spPr>
+            <a:xfrm>
+              <a:off x="-1" y="674192"/>
+              <a:ext cx="3024000" cy="0"/>
+            </a:xfrm>
+            <a:prstGeom prst="line">
+              <a:avLst/>
+            </a:prstGeom>
+            <a:ln w="31750">
+              <a:solidFill>
+                <a:schemeClr val="tx1"/>
+              </a:solidFill>
+            </a:ln>
+          </p:spPr>
+          <p:style>
+            <a:lnRef idx="1">
+              <a:schemeClr val="accent1"/>
+            </a:lnRef>
+            <a:fillRef idx="0">
+              <a:schemeClr val="accent1"/>
+            </a:fillRef>
+            <a:effectRef idx="0">
+              <a:schemeClr val="accent1"/>
+            </a:effectRef>
+            <a:fontRef idx="minor">
+              <a:schemeClr val="tx1"/>
+            </a:fontRef>
+          </p:style>
+        </p:cxnSp>
+        <p:grpSp>
+          <p:nvGrpSpPr>
+            <p:cNvPr id="7" name="그룹 6">
+              <a:extLst>
+                <a:ext uri="{FF2B5EF4-FFF2-40B4-BE49-F238E27FC236}">
+                  <a16:creationId xmlns:a16="http://schemas.microsoft.com/office/drawing/2014/main" id="{BEE5871E-30CB-4E34-A1B9-5A93D358B7F6}"/>
+                </a:ext>
+              </a:extLst>
+            </p:cNvPr>
+            <p:cNvGrpSpPr/>
+            <p:nvPr/>
+          </p:nvGrpSpPr>
+          <p:grpSpPr>
+            <a:xfrm>
+              <a:off x="180682" y="381804"/>
+              <a:ext cx="720000" cy="936000"/>
+              <a:chOff x="1410529" y="2148709"/>
+              <a:chExt cx="720000" cy="936000"/>
+            </a:xfrm>
+          </p:grpSpPr>
+          <p:sp>
+            <p:nvSpPr>
+              <p:cNvPr id="10" name="자유형: 도형 9">
+                <a:extLst>
+                  <a:ext uri="{FF2B5EF4-FFF2-40B4-BE49-F238E27FC236}">
+                    <a16:creationId xmlns:a16="http://schemas.microsoft.com/office/drawing/2014/main" id="{4F0B2F35-56E5-43B5-963A-5C14025FF7E4}"/>
+                  </a:ext>
+                </a:extLst>
+              </p:cNvPr>
+              <p:cNvSpPr/>
+              <p:nvPr/>
+            </p:nvSpPr>
+            <p:spPr>
+              <a:xfrm flipV="1">
+                <a:off x="1410529" y="2148709"/>
+                <a:ext cx="720000" cy="936000"/>
+              </a:xfrm>
+              <a:custGeom>
+                <a:avLst/>
+                <a:gdLst>
+                  <a:gd name="connsiteX0" fmla="*/ 0 w 1800000"/>
+                  <a:gd name="connsiteY0" fmla="*/ 3902305 h 3902305"/>
+                  <a:gd name="connsiteX1" fmla="*/ 1800000 w 1800000"/>
+                  <a:gd name="connsiteY1" fmla="*/ 3902305 h 3902305"/>
+                  <a:gd name="connsiteX2" fmla="*/ 1800000 w 1800000"/>
+                  <a:gd name="connsiteY2" fmla="*/ 370908 h 3902305"/>
+                  <a:gd name="connsiteX3" fmla="*/ 1800000 w 1800000"/>
+                  <a:gd name="connsiteY3" fmla="*/ 369329 h 3902305"/>
+                  <a:gd name="connsiteX4" fmla="*/ 1800000 w 1800000"/>
+                  <a:gd name="connsiteY4" fmla="*/ 1577 h 3902305"/>
+                  <a:gd name="connsiteX5" fmla="*/ 903848 w 1800000"/>
+                  <a:gd name="connsiteY5" fmla="*/ 369329 h 3902305"/>
+                  <a:gd name="connsiteX6" fmla="*/ 899995 w 1800000"/>
+                  <a:gd name="connsiteY6" fmla="*/ 369329 h 3902305"/>
+                  <a:gd name="connsiteX7" fmla="*/ 0 w 1800000"/>
+                  <a:gd name="connsiteY7" fmla="*/ 0 h 3902305"/>
+                  <a:gd name="connsiteX8" fmla="*/ 0 w 1800000"/>
+                  <a:gd name="connsiteY8" fmla="*/ 369329 h 3902305"/>
+                  <a:gd name="connsiteX9" fmla="*/ 0 w 1800000"/>
+                  <a:gd name="connsiteY9" fmla="*/ 369331 h 3902305"/>
+                </a:gdLst>
+                <a:ahLst/>
+                <a:cxnLst>
+                  <a:cxn ang="0">
+                    <a:pos x="connsiteX0" y="connsiteY0"/>
+                  </a:cxn>
+                  <a:cxn ang="0">
+                    <a:pos x="connsiteX1" y="connsiteY1"/>
+                  </a:cxn>
+                  <a:cxn ang="0">
+                    <a:pos x="connsiteX2" y="connsiteY2"/>
+                  </a:cxn>
+                  <a:cxn ang="0">
+                    <a:pos x="connsiteX3" y="connsiteY3"/>
+                  </a:cxn>
+                  <a:cxn ang="0">
+                    <a:pos x="connsiteX4" y="connsiteY4"/>
+                  </a:cxn>
+                  <a:cxn ang="0">
+                    <a:pos x="connsiteX5" y="connsiteY5"/>
+                  </a:cxn>
+                  <a:cxn ang="0">
+                    <a:pos x="connsiteX6" y="connsiteY6"/>
+                  </a:cxn>
+                  <a:cxn ang="0">
+                    <a:pos x="connsiteX7" y="connsiteY7"/>
+                  </a:cxn>
+                  <a:cxn ang="0">
+                    <a:pos x="connsiteX8" y="connsiteY8"/>
+                  </a:cxn>
+                  <a:cxn ang="0">
+                    <a:pos x="connsiteX9" y="connsiteY9"/>
+                  </a:cxn>
+                </a:cxnLst>
+                <a:rect l="l" t="t" r="r" b="b"/>
+                <a:pathLst>
+                  <a:path w="1800000" h="3902305">
+                    <a:moveTo>
+                      <a:pt x="0" y="3902305"/>
+                    </a:moveTo>
+                    <a:lnTo>
+                      <a:pt x="1800000" y="3902305"/>
+                    </a:lnTo>
+                    <a:lnTo>
+                      <a:pt x="1800000" y="370908"/>
+                    </a:lnTo>
+                    <a:lnTo>
+                      <a:pt x="1800000" y="369329"/>
+                    </a:lnTo>
+                    <a:lnTo>
+                      <a:pt x="1800000" y="1577"/>
+                    </a:lnTo>
+                    <a:lnTo>
+                      <a:pt x="903848" y="369329"/>
+                    </a:lnTo>
+                    <a:lnTo>
+                      <a:pt x="899995" y="369329"/>
+                    </a:lnTo>
+                    <a:lnTo>
+                      <a:pt x="0" y="0"/>
+                    </a:lnTo>
+                    <a:lnTo>
+                      <a:pt x="0" y="369329"/>
+                    </a:lnTo>
+                    <a:lnTo>
+                      <a:pt x="0" y="369331"/>
+                    </a:lnTo>
+                    <a:close/>
+                  </a:path>
+                </a:pathLst>
+              </a:custGeom>
+              <a:solidFill>
+                <a:srgbClr val="D50100"/>
+              </a:solidFill>
+              <a:ln w="38100">
+                <a:solidFill>
+                  <a:schemeClr val="tx1"/>
+                </a:solidFill>
+              </a:ln>
+            </p:spPr>
+            <p:style>
+              <a:lnRef idx="2">
+                <a:schemeClr val="accent1">
+                  <a:shade val="50000"/>
+                </a:schemeClr>
+              </a:lnRef>
+              <a:fillRef idx="1">
+                <a:schemeClr val="accent1"/>
+              </a:fillRef>
+              <a:effectRef idx="0">
+                <a:schemeClr val="accent1"/>
+              </a:effectRef>
+              <a:fontRef idx="minor">
+                <a:schemeClr val="lt1"/>
+              </a:fontRef>
+            </p:style>
+            <p:txBody>
+              <a:bodyPr wrap="square" rtlCol="0" anchor="ctr">
+                <a:noAutofit/>
+              </a:bodyPr>
+              <a:lstStyle/>
+              <a:p>
+                <a:pPr algn="ctr"/>
+                <a:endParaRPr lang="ko-KR" altLang="en-US" dirty="0"/>
+              </a:p>
+            </p:txBody>
+          </p:sp>
+          <p:pic>
+            <p:nvPicPr>
+              <p:cNvPr id="11" name="그래픽 10">
+                <a:extLst>
+                  <a:ext uri="{FF2B5EF4-FFF2-40B4-BE49-F238E27FC236}">
+                    <a16:creationId xmlns:a16="http://schemas.microsoft.com/office/drawing/2014/main" id="{930CA4F0-4500-4E6D-B264-32F198359368}"/>
+                  </a:ext>
+                </a:extLst>
+              </p:cNvPr>
+              <p:cNvPicPr>
+                <a:picLocks noChangeAspect="1"/>
+              </p:cNvPicPr>
+              <p:nvPr/>
+            </p:nvPicPr>
+            <p:blipFill>
+              <a:blip r:embed="rId2" cstate="print">
+                <a:extLst>
+                  <a:ext uri="{28A0092B-C50C-407E-A947-70E740481C1C}">
+                    <a14:useLocalDpi xmlns:a14="http://schemas.microsoft.com/office/drawing/2010/main" val="0"/>
+                  </a:ext>
+                  <a:ext uri="{96DAC541-7B7A-43D3-8B79-37D633B846F1}">
+                    <asvg:svgBlip xmlns:asvg="http://schemas.microsoft.com/office/drawing/2016/SVG/main" r:embed="rId3"/>
+                  </a:ext>
+                </a:extLst>
+              </a:blip>
+              <a:stretch>
+                <a:fillRect/>
+              </a:stretch>
+            </p:blipFill>
+            <p:spPr>
+              <a:xfrm>
+                <a:off x="1500529" y="2318134"/>
+                <a:ext cx="540000" cy="540000"/>
+              </a:xfrm>
+              <a:prstGeom prst="rect">
+                <a:avLst/>
+              </a:prstGeom>
+            </p:spPr>
+          </p:pic>
+        </p:grpSp>
+        <p:sp>
+          <p:nvSpPr>
+            <p:cNvPr id="8" name="TextBox 7">
+              <a:extLst>
+                <a:ext uri="{FF2B5EF4-FFF2-40B4-BE49-F238E27FC236}">
+                  <a16:creationId xmlns:a16="http://schemas.microsoft.com/office/drawing/2014/main" id="{F8EBB260-2C3C-4334-AF31-AF54D892CDA9}"/>
+                </a:ext>
+              </a:extLst>
+            </p:cNvPr>
+            <p:cNvSpPr txBox="1"/>
+            <p:nvPr/>
+          </p:nvSpPr>
+          <p:spPr>
+            <a:xfrm>
+              <a:off x="995354" y="89416"/>
+              <a:ext cx="2114071" cy="584775"/>
+            </a:xfrm>
+            <a:prstGeom prst="rect">
+              <a:avLst/>
+            </a:prstGeom>
+            <a:noFill/>
+          </p:spPr>
+          <p:txBody>
+            <a:bodyPr wrap="square" rtlCol="0">
+              <a:spAutoFit/>
+            </a:bodyPr>
+            <a:lstStyle/>
+            <a:p>
+              <a:r>
+                <a:rPr lang="ko-KR" altLang="en-US" sz="3200" b="1" dirty="0">
+                  <a:latin typeface="배달의민족 도현" panose="020B0600000101010101" pitchFamily="50" charset="-127"/>
+                  <a:ea typeface="배달의민족 도현" panose="020B0600000101010101" pitchFamily="50" charset="-127"/>
+                </a:rPr>
+                <a:t>팀 소개</a:t>
+              </a:r>
+              <a:endParaRPr lang="ko-KR" altLang="en-US" sz="2400" b="1" dirty="0">
+                <a:latin typeface="배달의민족 도현" panose="020B0600000101010101" pitchFamily="50" charset="-127"/>
+                <a:ea typeface="배달의민족 도현" panose="020B0600000101010101" pitchFamily="50" charset="-127"/>
+              </a:endParaRPr>
+            </a:p>
+          </p:txBody>
+        </p:sp>
+        <p:sp>
+          <p:nvSpPr>
+            <p:cNvPr id="9" name="TextBox 8">
+              <a:extLst>
+                <a:ext uri="{FF2B5EF4-FFF2-40B4-BE49-F238E27FC236}">
+                  <a16:creationId xmlns:a16="http://schemas.microsoft.com/office/drawing/2014/main" id="{DB7C9A12-0066-4F9C-9D01-0C72683FF384}"/>
+                </a:ext>
+              </a:extLst>
+            </p:cNvPr>
+            <p:cNvSpPr txBox="1"/>
+            <p:nvPr/>
+          </p:nvSpPr>
+          <p:spPr>
+            <a:xfrm>
+              <a:off x="1081364" y="674191"/>
+              <a:ext cx="1313238" cy="369332"/>
+            </a:xfrm>
+            <a:prstGeom prst="rect">
+              <a:avLst/>
+            </a:prstGeom>
+            <a:noFill/>
+          </p:spPr>
+          <p:txBody>
+            <a:bodyPr wrap="square" rtlCol="0">
+              <a:spAutoFit/>
+            </a:bodyPr>
+            <a:lstStyle/>
+            <a:p>
+              <a:r>
+                <a:rPr lang="ko-KR" altLang="en-US" dirty="0">
+                  <a:latin typeface="배달의민족 도현" panose="020B0600000101010101" pitchFamily="50" charset="-127"/>
+                  <a:ea typeface="배달의민족 도현" panose="020B0600000101010101" pitchFamily="50" charset="-127"/>
+                </a:rPr>
+                <a:t>진행 상황</a:t>
+              </a:r>
+            </a:p>
+          </p:txBody>
+        </p:sp>
+      </p:grpSp>
+      <p:grpSp>
+        <p:nvGrpSpPr>
+          <p:cNvPr id="46" name="그룹 45">
+            <a:extLst>
+              <a:ext uri="{FF2B5EF4-FFF2-40B4-BE49-F238E27FC236}">
+                <a16:creationId xmlns:a16="http://schemas.microsoft.com/office/drawing/2014/main" id="{635F443D-7C8D-4EF0-8C79-ACFA5D60E776}"/>
+              </a:ext>
+            </a:extLst>
+          </p:cNvPr>
+          <p:cNvGrpSpPr/>
+          <p:nvPr/>
+        </p:nvGrpSpPr>
+        <p:grpSpPr>
+          <a:xfrm>
+            <a:off x="2052389" y="1845576"/>
+            <a:ext cx="6818509" cy="3600000"/>
+            <a:chOff x="1287266" y="1883676"/>
+            <a:chExt cx="6818509" cy="3600000"/>
+          </a:xfrm>
+        </p:grpSpPr>
+        <p:sp>
+          <p:nvSpPr>
+            <p:cNvPr id="19" name="TextBox 18">
+              <a:extLst>
+                <a:ext uri="{FF2B5EF4-FFF2-40B4-BE49-F238E27FC236}">
+                  <a16:creationId xmlns:a16="http://schemas.microsoft.com/office/drawing/2014/main" id="{F1F61937-C07A-4E16-9A33-920CD5A48C43}"/>
+                </a:ext>
+              </a:extLst>
+            </p:cNvPr>
+            <p:cNvSpPr txBox="1"/>
+            <p:nvPr/>
+          </p:nvSpPr>
+          <p:spPr>
+            <a:xfrm>
+              <a:off x="1287266" y="1883676"/>
+              <a:ext cx="1441533" cy="584775"/>
+            </a:xfrm>
+            <a:prstGeom prst="rect">
+              <a:avLst/>
+            </a:prstGeom>
+            <a:noFill/>
+          </p:spPr>
+          <p:txBody>
+            <a:bodyPr wrap="square" rtlCol="0">
+              <a:spAutoFit/>
+            </a:bodyPr>
+            <a:lstStyle/>
+            <a:p>
+              <a:r>
+                <a:rPr lang="ko-KR" altLang="en-US" sz="3200" dirty="0">
+                  <a:latin typeface="배달의민족 도현" panose="020B0600000101010101" pitchFamily="50" charset="-127"/>
+                  <a:ea typeface="배달의민족 도현" panose="020B0600000101010101" pitchFamily="50" charset="-127"/>
+                </a:rPr>
+                <a:t>김병석</a:t>
+              </a:r>
+              <a:endParaRPr lang="ko-KR" altLang="en-US" dirty="0">
+                <a:latin typeface="배달의민족 도현" panose="020B0600000101010101" pitchFamily="50" charset="-127"/>
+                <a:ea typeface="배달의민족 도현" panose="020B0600000101010101" pitchFamily="50" charset="-127"/>
+              </a:endParaRPr>
+            </a:p>
+          </p:txBody>
+        </p:sp>
+        <p:sp>
+          <p:nvSpPr>
+            <p:cNvPr id="21" name="TextBox 20">
+              <a:extLst>
+                <a:ext uri="{FF2B5EF4-FFF2-40B4-BE49-F238E27FC236}">
+                  <a16:creationId xmlns:a16="http://schemas.microsoft.com/office/drawing/2014/main" id="{98CEEF9C-2AF7-4528-93BC-5065F1A3FD79}"/>
+                </a:ext>
+              </a:extLst>
+            </p:cNvPr>
+            <p:cNvSpPr txBox="1"/>
+            <p:nvPr/>
+          </p:nvSpPr>
+          <p:spPr>
+            <a:xfrm>
+              <a:off x="1287266" y="3180734"/>
+              <a:ext cx="1441533" cy="584775"/>
+            </a:xfrm>
+            <a:prstGeom prst="rect">
+              <a:avLst/>
+            </a:prstGeom>
+            <a:noFill/>
+          </p:spPr>
+          <p:txBody>
+            <a:bodyPr wrap="square" rtlCol="0">
+              <a:spAutoFit/>
+            </a:bodyPr>
+            <a:lstStyle/>
+            <a:p>
+              <a:r>
+                <a:rPr lang="ko-KR" altLang="en-US" sz="3200" dirty="0">
+                  <a:latin typeface="배달의민족 도현" panose="020B0600000101010101" pitchFamily="50" charset="-127"/>
+                  <a:ea typeface="배달의민족 도현" panose="020B0600000101010101" pitchFamily="50" charset="-127"/>
+                </a:rPr>
+                <a:t>김지웅</a:t>
+              </a:r>
+              <a:endParaRPr lang="ko-KR" altLang="en-US" dirty="0">
+                <a:latin typeface="배달의민족 도현" panose="020B0600000101010101" pitchFamily="50" charset="-127"/>
+                <a:ea typeface="배달의민족 도현" panose="020B0600000101010101" pitchFamily="50" charset="-127"/>
+              </a:endParaRPr>
+            </a:p>
+          </p:txBody>
+        </p:sp>
+        <p:sp>
+          <p:nvSpPr>
+            <p:cNvPr id="23" name="TextBox 22">
+              <a:extLst>
+                <a:ext uri="{FF2B5EF4-FFF2-40B4-BE49-F238E27FC236}">
+                  <a16:creationId xmlns:a16="http://schemas.microsoft.com/office/drawing/2014/main" id="{1BD79B5E-826F-47D3-BF46-10C4D621D417}"/>
+                </a:ext>
+              </a:extLst>
+            </p:cNvPr>
+            <p:cNvSpPr txBox="1"/>
+            <p:nvPr/>
+          </p:nvSpPr>
+          <p:spPr>
+            <a:xfrm>
+              <a:off x="1287267" y="4477792"/>
+              <a:ext cx="1441533" cy="584775"/>
+            </a:xfrm>
+            <a:prstGeom prst="rect">
+              <a:avLst/>
+            </a:prstGeom>
+            <a:noFill/>
+          </p:spPr>
+          <p:txBody>
+            <a:bodyPr wrap="square" rtlCol="0">
+              <a:spAutoFit/>
+            </a:bodyPr>
+            <a:lstStyle/>
+            <a:p>
+              <a:r>
+                <a:rPr lang="ko-KR" altLang="en-US" sz="3200" dirty="0" err="1">
+                  <a:latin typeface="배달의민족 도현" panose="020B0600000101010101" pitchFamily="50" charset="-127"/>
+                  <a:ea typeface="배달의민족 도현" panose="020B0600000101010101" pitchFamily="50" charset="-127"/>
+                </a:rPr>
+                <a:t>오현호</a:t>
+              </a:r>
+              <a:endParaRPr lang="ko-KR" altLang="en-US" dirty="0">
+                <a:latin typeface="배달의민족 도현" panose="020B0600000101010101" pitchFamily="50" charset="-127"/>
+                <a:ea typeface="배달의민족 도현" panose="020B0600000101010101" pitchFamily="50" charset="-127"/>
+              </a:endParaRPr>
+            </a:p>
+          </p:txBody>
+        </p:sp>
+        <p:sp>
+          <p:nvSpPr>
+            <p:cNvPr id="25" name="직사각형 24">
+              <a:extLst>
+                <a:ext uri="{FF2B5EF4-FFF2-40B4-BE49-F238E27FC236}">
+                  <a16:creationId xmlns:a16="http://schemas.microsoft.com/office/drawing/2014/main" id="{A500EB70-1B02-4EF2-B519-A07E87D45704}"/>
+                </a:ext>
+              </a:extLst>
+            </p:cNvPr>
+            <p:cNvSpPr/>
+            <p:nvPr/>
+          </p:nvSpPr>
+          <p:spPr>
+            <a:xfrm rot="5400000">
+              <a:off x="1187999" y="3647676"/>
+              <a:ext cx="3600000" cy="72000"/>
+            </a:xfrm>
+            <a:prstGeom prst="rect">
+              <a:avLst/>
+            </a:prstGeom>
+            <a:solidFill>
+              <a:schemeClr val="tx1"/>
+            </a:solidFill>
+            <a:ln>
+              <a:solidFill>
+                <a:schemeClr val="tx1"/>
+              </a:solidFill>
+            </a:ln>
+          </p:spPr>
+          <p:style>
+            <a:lnRef idx="2">
+              <a:schemeClr val="accent1">
+                <a:shade val="50000"/>
+              </a:schemeClr>
+            </a:lnRef>
+            <a:fillRef idx="1">
+              <a:schemeClr val="accent1"/>
+            </a:fillRef>
+            <a:effectRef idx="0">
+              <a:schemeClr val="accent1"/>
+            </a:effectRef>
+            <a:fontRef idx="minor">
+              <a:schemeClr val="lt1"/>
+            </a:fontRef>
+          </p:style>
+          <p:txBody>
+            <a:bodyPr rtlCol="0" anchor="ctr"/>
+            <a:lstStyle/>
+            <a:p>
+              <a:pPr algn="ctr"/>
+              <a:endParaRPr lang="ko-KR" altLang="en-US"/>
+            </a:p>
+          </p:txBody>
+        </p:sp>
+        <p:sp>
+          <p:nvSpPr>
+            <p:cNvPr id="33" name="TextBox 32">
+              <a:extLst>
+                <a:ext uri="{FF2B5EF4-FFF2-40B4-BE49-F238E27FC236}">
+                  <a16:creationId xmlns:a16="http://schemas.microsoft.com/office/drawing/2014/main" id="{C9ABC373-CC5A-41F6-9A6E-E49B82A860A2}"/>
+                </a:ext>
+              </a:extLst>
+            </p:cNvPr>
+            <p:cNvSpPr txBox="1"/>
+            <p:nvPr/>
+          </p:nvSpPr>
+          <p:spPr>
+            <a:xfrm>
+              <a:off x="3247199" y="1883676"/>
+              <a:ext cx="4858576" cy="338554"/>
+            </a:xfrm>
+            <a:prstGeom prst="rect">
+              <a:avLst/>
+            </a:prstGeom>
+            <a:noFill/>
+          </p:spPr>
+          <p:txBody>
+            <a:bodyPr wrap="square" rtlCol="0">
+              <a:spAutoFit/>
+            </a:bodyPr>
+            <a:lstStyle/>
+            <a:p>
+              <a:r>
+                <a:rPr lang="ko-KR" altLang="en-US" sz="1600" dirty="0">
+                  <a:latin typeface="배달의민족 도현" panose="020B0600000101010101" pitchFamily="50" charset="-127"/>
+                  <a:ea typeface="배달의민족 도현" panose="020B0600000101010101" pitchFamily="50" charset="-127"/>
+                </a:rPr>
+                <a:t>수강중인 과목</a:t>
+              </a:r>
+              <a:r>
+                <a:rPr lang="en-US" altLang="ko-KR" sz="1600" dirty="0">
+                  <a:latin typeface="배달의민족 도현" panose="020B0600000101010101" pitchFamily="50" charset="-127"/>
+                  <a:ea typeface="배달의민족 도현" panose="020B0600000101010101" pitchFamily="50" charset="-127"/>
+                </a:rPr>
+                <a:t>1/ </a:t>
+              </a:r>
+              <a:r>
+                <a:rPr lang="ko-KR" altLang="en-US" sz="1600" dirty="0">
+                  <a:latin typeface="배달의민족 도현" panose="020B0600000101010101" pitchFamily="50" charset="-127"/>
+                  <a:ea typeface="배달의민족 도현" panose="020B0600000101010101" pitchFamily="50" charset="-127"/>
+                </a:rPr>
+                <a:t>수강중인 과목</a:t>
+              </a:r>
+              <a:r>
+                <a:rPr lang="en-US" altLang="ko-KR" sz="1600" dirty="0">
+                  <a:latin typeface="배달의민족 도현" panose="020B0600000101010101" pitchFamily="50" charset="-127"/>
+                  <a:ea typeface="배달의민족 도현" panose="020B0600000101010101" pitchFamily="50" charset="-127"/>
+                </a:rPr>
+                <a:t>2/ </a:t>
+              </a:r>
+              <a:r>
+                <a:rPr lang="ko-KR" altLang="en-US" sz="1600" dirty="0">
+                  <a:latin typeface="배달의민족 도현" panose="020B0600000101010101" pitchFamily="50" charset="-127"/>
+                  <a:ea typeface="배달의민족 도현" panose="020B0600000101010101" pitchFamily="50" charset="-127"/>
+                </a:rPr>
+                <a:t>수강중인 과목</a:t>
+              </a:r>
+              <a:r>
+                <a:rPr lang="en-US" altLang="ko-KR" sz="1600" dirty="0">
+                  <a:latin typeface="배달의민족 도현" panose="020B0600000101010101" pitchFamily="50" charset="-127"/>
+                  <a:ea typeface="배달의민족 도현" panose="020B0600000101010101" pitchFamily="50" charset="-127"/>
+                </a:rPr>
+                <a:t>3</a:t>
+              </a:r>
+            </a:p>
+          </p:txBody>
+        </p:sp>
+        <p:sp>
+          <p:nvSpPr>
+            <p:cNvPr id="35" name="TextBox 34">
+              <a:extLst>
+                <a:ext uri="{FF2B5EF4-FFF2-40B4-BE49-F238E27FC236}">
+                  <a16:creationId xmlns:a16="http://schemas.microsoft.com/office/drawing/2014/main" id="{A99AFEB1-6FC5-4585-B5E6-F283BB29F905}"/>
+                </a:ext>
+              </a:extLst>
+            </p:cNvPr>
+            <p:cNvSpPr txBox="1"/>
+            <p:nvPr/>
+          </p:nvSpPr>
+          <p:spPr>
+            <a:xfrm>
+              <a:off x="3247199" y="3180734"/>
+              <a:ext cx="4858576" cy="338554"/>
+            </a:xfrm>
+            <a:prstGeom prst="rect">
+              <a:avLst/>
+            </a:prstGeom>
+            <a:noFill/>
+          </p:spPr>
+          <p:txBody>
+            <a:bodyPr wrap="square" rtlCol="0">
+              <a:spAutoFit/>
+            </a:bodyPr>
+            <a:lstStyle/>
+            <a:p>
+              <a:r>
+                <a:rPr lang="ko-KR" altLang="en-US" sz="1600" dirty="0">
+                  <a:latin typeface="배달의민족 도현" panose="020B0600000101010101" pitchFamily="50" charset="-127"/>
+                  <a:ea typeface="배달의민족 도현" panose="020B0600000101010101" pitchFamily="50" charset="-127"/>
+                </a:rPr>
+                <a:t>수강중인 과목</a:t>
+              </a:r>
+              <a:r>
+                <a:rPr lang="en-US" altLang="ko-KR" sz="1600" dirty="0">
+                  <a:latin typeface="배달의민족 도현" panose="020B0600000101010101" pitchFamily="50" charset="-127"/>
+                  <a:ea typeface="배달의민족 도현" panose="020B0600000101010101" pitchFamily="50" charset="-127"/>
+                </a:rPr>
+                <a:t>1/ </a:t>
+              </a:r>
+              <a:r>
+                <a:rPr lang="ko-KR" altLang="en-US" sz="1600" dirty="0">
+                  <a:latin typeface="배달의민족 도현" panose="020B0600000101010101" pitchFamily="50" charset="-127"/>
+                  <a:ea typeface="배달의민족 도현" panose="020B0600000101010101" pitchFamily="50" charset="-127"/>
+                </a:rPr>
+                <a:t>수강중인 과목</a:t>
+              </a:r>
+              <a:r>
+                <a:rPr lang="en-US" altLang="ko-KR" sz="1600" dirty="0">
+                  <a:latin typeface="배달의민족 도현" panose="020B0600000101010101" pitchFamily="50" charset="-127"/>
+                  <a:ea typeface="배달의민족 도현" panose="020B0600000101010101" pitchFamily="50" charset="-127"/>
+                </a:rPr>
+                <a:t>2/ </a:t>
+              </a:r>
+              <a:r>
+                <a:rPr lang="ko-KR" altLang="en-US" sz="1600" dirty="0">
+                  <a:latin typeface="배달의민족 도현" panose="020B0600000101010101" pitchFamily="50" charset="-127"/>
+                  <a:ea typeface="배달의민족 도현" panose="020B0600000101010101" pitchFamily="50" charset="-127"/>
+                </a:rPr>
+                <a:t>수강중인 과목</a:t>
+              </a:r>
+              <a:r>
+                <a:rPr lang="en-US" altLang="ko-KR" sz="1600" dirty="0">
+                  <a:latin typeface="배달의민족 도현" panose="020B0600000101010101" pitchFamily="50" charset="-127"/>
+                  <a:ea typeface="배달의민족 도현" panose="020B0600000101010101" pitchFamily="50" charset="-127"/>
+                </a:rPr>
+                <a:t>3</a:t>
+              </a:r>
+            </a:p>
+          </p:txBody>
+        </p:sp>
+        <p:sp>
+          <p:nvSpPr>
+            <p:cNvPr id="37" name="TextBox 36">
+              <a:extLst>
+                <a:ext uri="{FF2B5EF4-FFF2-40B4-BE49-F238E27FC236}">
+                  <a16:creationId xmlns:a16="http://schemas.microsoft.com/office/drawing/2014/main" id="{0592082B-8593-4CFC-96D9-AA22FAE66B7C}"/>
+                </a:ext>
+              </a:extLst>
+            </p:cNvPr>
+            <p:cNvSpPr txBox="1"/>
+            <p:nvPr/>
+          </p:nvSpPr>
+          <p:spPr>
+            <a:xfrm>
+              <a:off x="3247199" y="4477792"/>
+              <a:ext cx="4858576" cy="338554"/>
+            </a:xfrm>
+            <a:prstGeom prst="rect">
+              <a:avLst/>
+            </a:prstGeom>
+            <a:noFill/>
+          </p:spPr>
+          <p:txBody>
+            <a:bodyPr wrap="square" rtlCol="0">
+              <a:spAutoFit/>
+            </a:bodyPr>
+            <a:lstStyle/>
+            <a:p>
+              <a:r>
+                <a:rPr lang="ko-KR" altLang="en-US" sz="1600" dirty="0">
+                  <a:latin typeface="배달의민족 도현" panose="020B0600000101010101" pitchFamily="50" charset="-127"/>
+                  <a:ea typeface="배달의민족 도현" panose="020B0600000101010101" pitchFamily="50" charset="-127"/>
+                </a:rPr>
+                <a:t>수강중인 과목</a:t>
+              </a:r>
+              <a:r>
+                <a:rPr lang="en-US" altLang="ko-KR" sz="1600" dirty="0">
+                  <a:latin typeface="배달의민족 도현" panose="020B0600000101010101" pitchFamily="50" charset="-127"/>
+                  <a:ea typeface="배달의민족 도현" panose="020B0600000101010101" pitchFamily="50" charset="-127"/>
+                </a:rPr>
+                <a:t>1/ </a:t>
+              </a:r>
+              <a:r>
+                <a:rPr lang="ko-KR" altLang="en-US" sz="1600" dirty="0">
+                  <a:latin typeface="배달의민족 도현" panose="020B0600000101010101" pitchFamily="50" charset="-127"/>
+                  <a:ea typeface="배달의민족 도현" panose="020B0600000101010101" pitchFamily="50" charset="-127"/>
+                </a:rPr>
+                <a:t>수강중인 과목</a:t>
+              </a:r>
+              <a:r>
+                <a:rPr lang="en-US" altLang="ko-KR" sz="1600" dirty="0">
+                  <a:latin typeface="배달의민족 도현" panose="020B0600000101010101" pitchFamily="50" charset="-127"/>
+                  <a:ea typeface="배달의민족 도현" panose="020B0600000101010101" pitchFamily="50" charset="-127"/>
+                </a:rPr>
+                <a:t>2/ </a:t>
+              </a:r>
+              <a:r>
+                <a:rPr lang="ko-KR" altLang="en-US" sz="1600" dirty="0">
+                  <a:latin typeface="배달의민족 도현" panose="020B0600000101010101" pitchFamily="50" charset="-127"/>
+                  <a:ea typeface="배달의민족 도현" panose="020B0600000101010101" pitchFamily="50" charset="-127"/>
+                </a:rPr>
+                <a:t>수강중인 과목</a:t>
+              </a:r>
+              <a:r>
+                <a:rPr lang="en-US" altLang="ko-KR" sz="1600" dirty="0">
+                  <a:latin typeface="배달의민족 도현" panose="020B0600000101010101" pitchFamily="50" charset="-127"/>
+                  <a:ea typeface="배달의민족 도현" panose="020B0600000101010101" pitchFamily="50" charset="-127"/>
+                </a:rPr>
+                <a:t>3</a:t>
+              </a:r>
+            </a:p>
+          </p:txBody>
+        </p:sp>
+        <p:sp>
+          <p:nvSpPr>
+            <p:cNvPr id="39" name="TextBox 38">
+              <a:extLst>
+                <a:ext uri="{FF2B5EF4-FFF2-40B4-BE49-F238E27FC236}">
+                  <a16:creationId xmlns:a16="http://schemas.microsoft.com/office/drawing/2014/main" id="{1704C8AB-249A-4A0B-B3E5-1724DB693916}"/>
+                </a:ext>
+              </a:extLst>
+            </p:cNvPr>
+            <p:cNvSpPr txBox="1"/>
+            <p:nvPr/>
+          </p:nvSpPr>
+          <p:spPr>
+            <a:xfrm>
+              <a:off x="3247199" y="2222230"/>
+              <a:ext cx="2338650" cy="523220"/>
+            </a:xfrm>
+            <a:prstGeom prst="rect">
+              <a:avLst/>
+            </a:prstGeom>
+            <a:noFill/>
+          </p:spPr>
+          <p:txBody>
+            <a:bodyPr wrap="square" rtlCol="0">
+              <a:spAutoFit/>
+            </a:bodyPr>
+            <a:lstStyle/>
+            <a:p>
+              <a:r>
+                <a:rPr lang="ko-KR" altLang="en-US" sz="2800" dirty="0">
+                  <a:latin typeface="배달의민족 도현" panose="020B0600000101010101" pitchFamily="50" charset="-127"/>
+                  <a:ea typeface="배달의민족 도현" panose="020B0600000101010101" pitchFamily="50" charset="-127"/>
+                </a:rPr>
+                <a:t>진행중인 것</a:t>
+              </a:r>
+              <a:endParaRPr lang="ko-KR" altLang="en-US" sz="1600" dirty="0">
+                <a:latin typeface="배달의민족 도현" panose="020B0600000101010101" pitchFamily="50" charset="-127"/>
+                <a:ea typeface="배달의민족 도현" panose="020B0600000101010101" pitchFamily="50" charset="-127"/>
+              </a:endParaRPr>
+            </a:p>
+          </p:txBody>
+        </p:sp>
+        <p:sp>
+          <p:nvSpPr>
+            <p:cNvPr id="41" name="TextBox 40">
+              <a:extLst>
+                <a:ext uri="{FF2B5EF4-FFF2-40B4-BE49-F238E27FC236}">
+                  <a16:creationId xmlns:a16="http://schemas.microsoft.com/office/drawing/2014/main" id="{1904FFA5-99A6-40A3-9CFC-A52E72690631}"/>
+                </a:ext>
+              </a:extLst>
+            </p:cNvPr>
+            <p:cNvSpPr txBox="1"/>
+            <p:nvPr/>
+          </p:nvSpPr>
+          <p:spPr>
+            <a:xfrm>
+              <a:off x="3247199" y="3519288"/>
+              <a:ext cx="2338650" cy="523220"/>
+            </a:xfrm>
+            <a:prstGeom prst="rect">
+              <a:avLst/>
+            </a:prstGeom>
+            <a:noFill/>
+          </p:spPr>
+          <p:txBody>
+            <a:bodyPr wrap="square" rtlCol="0">
+              <a:spAutoFit/>
+            </a:bodyPr>
+            <a:lstStyle/>
+            <a:p>
+              <a:r>
+                <a:rPr lang="ko-KR" altLang="en-US" sz="2800" dirty="0">
+                  <a:latin typeface="배달의민족 도현" panose="020B0600000101010101" pitchFamily="50" charset="-127"/>
+                  <a:ea typeface="배달의민족 도현" panose="020B0600000101010101" pitchFamily="50" charset="-127"/>
+                </a:rPr>
+                <a:t>진행중인 것</a:t>
+              </a:r>
+              <a:endParaRPr lang="ko-KR" altLang="en-US" sz="1600" dirty="0">
+                <a:latin typeface="배달의민족 도현" panose="020B0600000101010101" pitchFamily="50" charset="-127"/>
+                <a:ea typeface="배달의민족 도현" panose="020B0600000101010101" pitchFamily="50" charset="-127"/>
+              </a:endParaRPr>
+            </a:p>
+          </p:txBody>
+        </p:sp>
+        <p:sp>
+          <p:nvSpPr>
+            <p:cNvPr id="43" name="TextBox 42">
+              <a:extLst>
+                <a:ext uri="{FF2B5EF4-FFF2-40B4-BE49-F238E27FC236}">
+                  <a16:creationId xmlns:a16="http://schemas.microsoft.com/office/drawing/2014/main" id="{8AA96877-6BDC-4D2D-90F8-7AE3EAA82B53}"/>
+                </a:ext>
+              </a:extLst>
+            </p:cNvPr>
+            <p:cNvSpPr txBox="1"/>
+            <p:nvPr/>
+          </p:nvSpPr>
+          <p:spPr>
+            <a:xfrm>
+              <a:off x="3247200" y="2222230"/>
+              <a:ext cx="2338650" cy="523220"/>
+            </a:xfrm>
+            <a:prstGeom prst="rect">
+              <a:avLst/>
+            </a:prstGeom>
+            <a:noFill/>
+          </p:spPr>
+          <p:txBody>
+            <a:bodyPr wrap="square" rtlCol="0">
+              <a:spAutoFit/>
+            </a:bodyPr>
+            <a:lstStyle/>
+            <a:p>
+              <a:r>
+                <a:rPr lang="ko-KR" altLang="en-US" sz="2800" dirty="0">
+                  <a:latin typeface="배달의민족 도현" panose="020B0600000101010101" pitchFamily="50" charset="-127"/>
+                  <a:ea typeface="배달의민족 도현" panose="020B0600000101010101" pitchFamily="50" charset="-127"/>
+                </a:rPr>
+                <a:t>진행중인 것</a:t>
+              </a:r>
+              <a:endParaRPr lang="ko-KR" altLang="en-US" sz="1600" dirty="0">
+                <a:latin typeface="배달의민족 도현" panose="020B0600000101010101" pitchFamily="50" charset="-127"/>
+                <a:ea typeface="배달의민족 도현" panose="020B0600000101010101" pitchFamily="50" charset="-127"/>
+              </a:endParaRPr>
+            </a:p>
+          </p:txBody>
+        </p:sp>
+        <p:sp>
+          <p:nvSpPr>
+            <p:cNvPr id="45" name="TextBox 44">
+              <a:extLst>
+                <a:ext uri="{FF2B5EF4-FFF2-40B4-BE49-F238E27FC236}">
+                  <a16:creationId xmlns:a16="http://schemas.microsoft.com/office/drawing/2014/main" id="{79EF5AA6-1B5F-4CC8-B49F-2FB38F185F03}"/>
+                </a:ext>
+              </a:extLst>
+            </p:cNvPr>
+            <p:cNvSpPr txBox="1"/>
+            <p:nvPr/>
+          </p:nvSpPr>
+          <p:spPr>
+            <a:xfrm>
+              <a:off x="3247199" y="4816346"/>
+              <a:ext cx="2338650" cy="523220"/>
+            </a:xfrm>
+            <a:prstGeom prst="rect">
+              <a:avLst/>
+            </a:prstGeom>
+            <a:noFill/>
+          </p:spPr>
+          <p:txBody>
+            <a:bodyPr wrap="square" rtlCol="0">
+              <a:spAutoFit/>
+            </a:bodyPr>
+            <a:lstStyle/>
+            <a:p>
+              <a:r>
+                <a:rPr lang="ko-KR" altLang="en-US" sz="2800" dirty="0">
+                  <a:latin typeface="배달의민족 도현" panose="020B0600000101010101" pitchFamily="50" charset="-127"/>
+                  <a:ea typeface="배달의민족 도현" panose="020B0600000101010101" pitchFamily="50" charset="-127"/>
+                </a:rPr>
+                <a:t>진행중인 것</a:t>
+              </a:r>
+              <a:endParaRPr lang="ko-KR" altLang="en-US" sz="1600" dirty="0">
+                <a:latin typeface="배달의민족 도현" panose="020B0600000101010101" pitchFamily="50" charset="-127"/>
+                <a:ea typeface="배달의민족 도현" panose="020B0600000101010101" pitchFamily="50" charset="-127"/>
+              </a:endParaRPr>
+            </a:p>
+          </p:txBody>
+        </p:sp>
+      </p:grpSp>
     </p:spTree>
     <p:extLst>
       <p:ext uri="{BB962C8B-B14F-4D97-AF65-F5344CB8AC3E}">
@@ -6760,55 +11101,12 @@
           <a:chExt cx="0" cy="0"/>
         </a:xfrm>
       </p:grpSpPr>
-      <p:cxnSp>
-        <p:nvCxnSpPr>
-          <p:cNvPr id="8" name="직선 연결선 7">
+      <p:sp>
+        <p:nvSpPr>
+          <p:cNvPr id="2" name="슬라이드 번호 개체 틀 1">
             <a:extLst>
               <a:ext uri="{FF2B5EF4-FFF2-40B4-BE49-F238E27FC236}">
-                <a16:creationId xmlns:a16="http://schemas.microsoft.com/office/drawing/2014/main" id="{7481FBC6-6255-4EAF-A53D-21B8D8F4DB7B}"/>
-              </a:ext>
-            </a:extLst>
-          </p:cNvPr>
-          <p:cNvCxnSpPr>
-            <a:cxnSpLocks/>
-          </p:cNvCxnSpPr>
-          <p:nvPr/>
-        </p:nvCxnSpPr>
-        <p:spPr>
-          <a:xfrm>
-            <a:off x="-1" y="674192"/>
-            <a:ext cx="3024000" cy="0"/>
-          </a:xfrm>
-          <a:prstGeom prst="line">
-            <a:avLst/>
-          </a:prstGeom>
-          <a:ln w="31750">
-            <a:solidFill>
-              <a:schemeClr val="tx1"/>
-            </a:solidFill>
-          </a:ln>
-        </p:spPr>
-        <p:style>
-          <a:lnRef idx="1">
-            <a:schemeClr val="accent1"/>
-          </a:lnRef>
-          <a:fillRef idx="0">
-            <a:schemeClr val="accent1"/>
-          </a:fillRef>
-          <a:effectRef idx="0">
-            <a:schemeClr val="accent1"/>
-          </a:effectRef>
-          <a:fontRef idx="minor">
-            <a:schemeClr val="tx1"/>
-          </a:fontRef>
-        </p:style>
-      </p:cxnSp>
-      <p:sp>
-        <p:nvSpPr>
-          <p:cNvPr id="5" name="슬라이드 번호 개체 틀 4">
-            <a:extLst>
-              <a:ext uri="{FF2B5EF4-FFF2-40B4-BE49-F238E27FC236}">
-                <a16:creationId xmlns:a16="http://schemas.microsoft.com/office/drawing/2014/main" id="{5F389F9C-43D3-449B-A0A2-68A5FD396AE1}"/>
+                <a16:creationId xmlns:a16="http://schemas.microsoft.com/office/drawing/2014/main" id="{71D17E82-BADC-4264-9DB8-EC82EBBECF1D}"/>
               </a:ext>
             </a:extLst>
           </p:cNvPr>
@@ -6834,10 +11132,10 @@
       </p:sp>
       <p:grpSp>
         <p:nvGrpSpPr>
-          <p:cNvPr id="26" name="그룹 25">
+          <p:cNvPr id="3" name="그룹 2">
             <a:extLst>
               <a:ext uri="{FF2B5EF4-FFF2-40B4-BE49-F238E27FC236}">
-                <a16:creationId xmlns:a16="http://schemas.microsoft.com/office/drawing/2014/main" id="{122B230C-23B2-4337-8CC3-E71EA84F6673}"/>
+                <a16:creationId xmlns:a16="http://schemas.microsoft.com/office/drawing/2014/main" id="{FFA20775-1374-4D5C-B366-FC2351F1AC94}"/>
               </a:ext>
             </a:extLst>
           </p:cNvPr>
@@ -6846,826 +11144,349 @@
         </p:nvGrpSpPr>
         <p:grpSpPr>
           <a:xfrm>
-            <a:off x="180682" y="381804"/>
-            <a:ext cx="720000" cy="936000"/>
-            <a:chOff x="1410529" y="2148709"/>
-            <a:chExt cx="720000" cy="936000"/>
+            <a:off x="-1" y="89416"/>
+            <a:ext cx="3109426" cy="1228388"/>
+            <a:chOff x="-1" y="89416"/>
+            <a:chExt cx="3109426" cy="1228388"/>
           </a:xfrm>
         </p:grpSpPr>
-        <p:sp>
-          <p:nvSpPr>
-            <p:cNvPr id="7" name="자유형: 도형 6">
+        <p:cxnSp>
+          <p:nvCxnSpPr>
+            <p:cNvPr id="4" name="직선 연결선 3">
               <a:extLst>
                 <a:ext uri="{FF2B5EF4-FFF2-40B4-BE49-F238E27FC236}">
-                  <a16:creationId xmlns:a16="http://schemas.microsoft.com/office/drawing/2014/main" id="{1C99C4F1-788A-4127-97B4-7A85D3304E3E}"/>
+                  <a16:creationId xmlns:a16="http://schemas.microsoft.com/office/drawing/2014/main" id="{5089A430-AEC1-4D48-95EC-04F420CBE519}"/>
                 </a:ext>
               </a:extLst>
             </p:cNvPr>
-            <p:cNvSpPr/>
+            <p:cNvCxnSpPr>
+              <a:cxnSpLocks/>
+            </p:cNvCxnSpPr>
             <p:nvPr/>
-          </p:nvSpPr>
+          </p:nvCxnSpPr>
           <p:spPr>
-            <a:xfrm flipV="1">
-              <a:off x="1410529" y="2148709"/>
-              <a:ext cx="720000" cy="936000"/>
+            <a:xfrm>
+              <a:off x="-1" y="674192"/>
+              <a:ext cx="3024000" cy="0"/>
             </a:xfrm>
-            <a:custGeom>
+            <a:prstGeom prst="line">
               <a:avLst/>
-              <a:gdLst>
-                <a:gd name="connsiteX0" fmla="*/ 0 w 1800000"/>
-                <a:gd name="connsiteY0" fmla="*/ 3902305 h 3902305"/>
-                <a:gd name="connsiteX1" fmla="*/ 1800000 w 1800000"/>
-                <a:gd name="connsiteY1" fmla="*/ 3902305 h 3902305"/>
-                <a:gd name="connsiteX2" fmla="*/ 1800000 w 1800000"/>
-                <a:gd name="connsiteY2" fmla="*/ 370908 h 3902305"/>
-                <a:gd name="connsiteX3" fmla="*/ 1800000 w 1800000"/>
-                <a:gd name="connsiteY3" fmla="*/ 369329 h 3902305"/>
-                <a:gd name="connsiteX4" fmla="*/ 1800000 w 1800000"/>
-                <a:gd name="connsiteY4" fmla="*/ 1577 h 3902305"/>
-                <a:gd name="connsiteX5" fmla="*/ 903848 w 1800000"/>
-                <a:gd name="connsiteY5" fmla="*/ 369329 h 3902305"/>
-                <a:gd name="connsiteX6" fmla="*/ 899995 w 1800000"/>
-                <a:gd name="connsiteY6" fmla="*/ 369329 h 3902305"/>
-                <a:gd name="connsiteX7" fmla="*/ 0 w 1800000"/>
-                <a:gd name="connsiteY7" fmla="*/ 0 h 3902305"/>
-                <a:gd name="connsiteX8" fmla="*/ 0 w 1800000"/>
-                <a:gd name="connsiteY8" fmla="*/ 369329 h 3902305"/>
-                <a:gd name="connsiteX9" fmla="*/ 0 w 1800000"/>
-                <a:gd name="connsiteY9" fmla="*/ 369331 h 3902305"/>
-              </a:gdLst>
-              <a:ahLst/>
-              <a:cxnLst>
-                <a:cxn ang="0">
-                  <a:pos x="connsiteX0" y="connsiteY0"/>
-                </a:cxn>
-                <a:cxn ang="0">
-                  <a:pos x="connsiteX1" y="connsiteY1"/>
-                </a:cxn>
-                <a:cxn ang="0">
-                  <a:pos x="connsiteX2" y="connsiteY2"/>
-                </a:cxn>
-                <a:cxn ang="0">
-                  <a:pos x="connsiteX3" y="connsiteY3"/>
-                </a:cxn>
-                <a:cxn ang="0">
-                  <a:pos x="connsiteX4" y="connsiteY4"/>
-                </a:cxn>
-                <a:cxn ang="0">
-                  <a:pos x="connsiteX5" y="connsiteY5"/>
-                </a:cxn>
-                <a:cxn ang="0">
-                  <a:pos x="connsiteX6" y="connsiteY6"/>
-                </a:cxn>
-                <a:cxn ang="0">
-                  <a:pos x="connsiteX7" y="connsiteY7"/>
-                </a:cxn>
-                <a:cxn ang="0">
-                  <a:pos x="connsiteX8" y="connsiteY8"/>
-                </a:cxn>
-                <a:cxn ang="0">
-                  <a:pos x="connsiteX9" y="connsiteY9"/>
-                </a:cxn>
-              </a:cxnLst>
-              <a:rect l="l" t="t" r="r" b="b"/>
-              <a:pathLst>
-                <a:path w="1800000" h="3902305">
-                  <a:moveTo>
-                    <a:pt x="0" y="3902305"/>
-                  </a:moveTo>
-                  <a:lnTo>
-                    <a:pt x="1800000" y="3902305"/>
-                  </a:lnTo>
-                  <a:lnTo>
-                    <a:pt x="1800000" y="370908"/>
-                  </a:lnTo>
-                  <a:lnTo>
-                    <a:pt x="1800000" y="369329"/>
-                  </a:lnTo>
-                  <a:lnTo>
-                    <a:pt x="1800000" y="1577"/>
-                  </a:lnTo>
-                  <a:lnTo>
-                    <a:pt x="903848" y="369329"/>
-                  </a:lnTo>
-                  <a:lnTo>
-                    <a:pt x="899995" y="369329"/>
-                  </a:lnTo>
-                  <a:lnTo>
-                    <a:pt x="0" y="0"/>
-                  </a:lnTo>
-                  <a:lnTo>
-                    <a:pt x="0" y="369329"/>
-                  </a:lnTo>
-                  <a:lnTo>
-                    <a:pt x="0" y="369331"/>
-                  </a:lnTo>
-                  <a:close/>
-                </a:path>
-              </a:pathLst>
-            </a:custGeom>
-            <a:solidFill>
-              <a:srgbClr val="D50100"/>
-            </a:solidFill>
-            <a:ln w="38100">
+            </a:prstGeom>
+            <a:ln w="31750">
               <a:solidFill>
                 <a:schemeClr val="tx1"/>
               </a:solidFill>
             </a:ln>
           </p:spPr>
           <p:style>
-            <a:lnRef idx="2">
-              <a:schemeClr val="accent1">
-                <a:shade val="50000"/>
-              </a:schemeClr>
+            <a:lnRef idx="1">
+              <a:schemeClr val="accent1"/>
             </a:lnRef>
-            <a:fillRef idx="1">
+            <a:fillRef idx="0">
               <a:schemeClr val="accent1"/>
             </a:fillRef>
             <a:effectRef idx="0">
               <a:schemeClr val="accent1"/>
             </a:effectRef>
             <a:fontRef idx="minor">
-              <a:schemeClr val="lt1"/>
+              <a:schemeClr val="tx1"/>
             </a:fontRef>
           </p:style>
-          <p:txBody>
-            <a:bodyPr wrap="square" rtlCol="0" anchor="ctr">
-              <a:noAutofit/>
-            </a:bodyPr>
-            <a:lstStyle/>
-            <a:p>
-              <a:pPr algn="ctr"/>
-              <a:endParaRPr lang="ko-KR" altLang="en-US" dirty="0"/>
-            </a:p>
-          </p:txBody>
-        </p:sp>
-        <p:pic>
-          <p:nvPicPr>
-            <p:cNvPr id="11" name="그래픽 10">
+        </p:cxnSp>
+        <p:grpSp>
+          <p:nvGrpSpPr>
+            <p:cNvPr id="5" name="그룹 4">
               <a:extLst>
                 <a:ext uri="{FF2B5EF4-FFF2-40B4-BE49-F238E27FC236}">
-                  <a16:creationId xmlns:a16="http://schemas.microsoft.com/office/drawing/2014/main" id="{D6039D4A-0516-4241-80BF-230D51F967B5}"/>
+                  <a16:creationId xmlns:a16="http://schemas.microsoft.com/office/drawing/2014/main" id="{E46E6213-670B-4C51-BF6A-A5BE49799DC9}"/>
                 </a:ext>
               </a:extLst>
             </p:cNvPr>
-            <p:cNvPicPr>
-              <a:picLocks noChangeAspect="1"/>
-            </p:cNvPicPr>
+            <p:cNvGrpSpPr/>
             <p:nvPr/>
-          </p:nvPicPr>
-          <p:blipFill>
-            <a:blip r:embed="rId2" cstate="print">
+          </p:nvGrpSpPr>
+          <p:grpSpPr>
+            <a:xfrm>
+              <a:off x="180682" y="381804"/>
+              <a:ext cx="720000" cy="936000"/>
+              <a:chOff x="1410529" y="2148709"/>
+              <a:chExt cx="720000" cy="936000"/>
+            </a:xfrm>
+          </p:grpSpPr>
+          <p:sp>
+            <p:nvSpPr>
+              <p:cNvPr id="8" name="자유형: 도형 7">
+                <a:extLst>
+                  <a:ext uri="{FF2B5EF4-FFF2-40B4-BE49-F238E27FC236}">
+                    <a16:creationId xmlns:a16="http://schemas.microsoft.com/office/drawing/2014/main" id="{45FFE316-E633-4F1C-A6BA-BF4828F6B3F5}"/>
+                  </a:ext>
+                </a:extLst>
+              </p:cNvPr>
+              <p:cNvSpPr/>
+              <p:nvPr/>
+            </p:nvSpPr>
+            <p:spPr>
+              <a:xfrm flipV="1">
+                <a:off x="1410529" y="2148709"/>
+                <a:ext cx="720000" cy="936000"/>
+              </a:xfrm>
+              <a:custGeom>
+                <a:avLst/>
+                <a:gdLst>
+                  <a:gd name="connsiteX0" fmla="*/ 0 w 1800000"/>
+                  <a:gd name="connsiteY0" fmla="*/ 3902305 h 3902305"/>
+                  <a:gd name="connsiteX1" fmla="*/ 1800000 w 1800000"/>
+                  <a:gd name="connsiteY1" fmla="*/ 3902305 h 3902305"/>
+                  <a:gd name="connsiteX2" fmla="*/ 1800000 w 1800000"/>
+                  <a:gd name="connsiteY2" fmla="*/ 370908 h 3902305"/>
+                  <a:gd name="connsiteX3" fmla="*/ 1800000 w 1800000"/>
+                  <a:gd name="connsiteY3" fmla="*/ 369329 h 3902305"/>
+                  <a:gd name="connsiteX4" fmla="*/ 1800000 w 1800000"/>
+                  <a:gd name="connsiteY4" fmla="*/ 1577 h 3902305"/>
+                  <a:gd name="connsiteX5" fmla="*/ 903848 w 1800000"/>
+                  <a:gd name="connsiteY5" fmla="*/ 369329 h 3902305"/>
+                  <a:gd name="connsiteX6" fmla="*/ 899995 w 1800000"/>
+                  <a:gd name="connsiteY6" fmla="*/ 369329 h 3902305"/>
+                  <a:gd name="connsiteX7" fmla="*/ 0 w 1800000"/>
+                  <a:gd name="connsiteY7" fmla="*/ 0 h 3902305"/>
+                  <a:gd name="connsiteX8" fmla="*/ 0 w 1800000"/>
+                  <a:gd name="connsiteY8" fmla="*/ 369329 h 3902305"/>
+                  <a:gd name="connsiteX9" fmla="*/ 0 w 1800000"/>
+                  <a:gd name="connsiteY9" fmla="*/ 369331 h 3902305"/>
+                </a:gdLst>
+                <a:ahLst/>
+                <a:cxnLst>
+                  <a:cxn ang="0">
+                    <a:pos x="connsiteX0" y="connsiteY0"/>
+                  </a:cxn>
+                  <a:cxn ang="0">
+                    <a:pos x="connsiteX1" y="connsiteY1"/>
+                  </a:cxn>
+                  <a:cxn ang="0">
+                    <a:pos x="connsiteX2" y="connsiteY2"/>
+                  </a:cxn>
+                  <a:cxn ang="0">
+                    <a:pos x="connsiteX3" y="connsiteY3"/>
+                  </a:cxn>
+                  <a:cxn ang="0">
+                    <a:pos x="connsiteX4" y="connsiteY4"/>
+                  </a:cxn>
+                  <a:cxn ang="0">
+                    <a:pos x="connsiteX5" y="connsiteY5"/>
+                  </a:cxn>
+                  <a:cxn ang="0">
+                    <a:pos x="connsiteX6" y="connsiteY6"/>
+                  </a:cxn>
+                  <a:cxn ang="0">
+                    <a:pos x="connsiteX7" y="connsiteY7"/>
+                  </a:cxn>
+                  <a:cxn ang="0">
+                    <a:pos x="connsiteX8" y="connsiteY8"/>
+                  </a:cxn>
+                  <a:cxn ang="0">
+                    <a:pos x="connsiteX9" y="connsiteY9"/>
+                  </a:cxn>
+                </a:cxnLst>
+                <a:rect l="l" t="t" r="r" b="b"/>
+                <a:pathLst>
+                  <a:path w="1800000" h="3902305">
+                    <a:moveTo>
+                      <a:pt x="0" y="3902305"/>
+                    </a:moveTo>
+                    <a:lnTo>
+                      <a:pt x="1800000" y="3902305"/>
+                    </a:lnTo>
+                    <a:lnTo>
+                      <a:pt x="1800000" y="370908"/>
+                    </a:lnTo>
+                    <a:lnTo>
+                      <a:pt x="1800000" y="369329"/>
+                    </a:lnTo>
+                    <a:lnTo>
+                      <a:pt x="1800000" y="1577"/>
+                    </a:lnTo>
+                    <a:lnTo>
+                      <a:pt x="903848" y="369329"/>
+                    </a:lnTo>
+                    <a:lnTo>
+                      <a:pt x="899995" y="369329"/>
+                    </a:lnTo>
+                    <a:lnTo>
+                      <a:pt x="0" y="0"/>
+                    </a:lnTo>
+                    <a:lnTo>
+                      <a:pt x="0" y="369329"/>
+                    </a:lnTo>
+                    <a:lnTo>
+                      <a:pt x="0" y="369331"/>
+                    </a:lnTo>
+                    <a:close/>
+                  </a:path>
+                </a:pathLst>
+              </a:custGeom>
+              <a:solidFill>
+                <a:srgbClr val="D50100"/>
+              </a:solidFill>
+              <a:ln w="38100">
+                <a:solidFill>
+                  <a:schemeClr val="tx1"/>
+                </a:solidFill>
+              </a:ln>
+            </p:spPr>
+            <p:style>
+              <a:lnRef idx="2">
+                <a:schemeClr val="accent1">
+                  <a:shade val="50000"/>
+                </a:schemeClr>
+              </a:lnRef>
+              <a:fillRef idx="1">
+                <a:schemeClr val="accent1"/>
+              </a:fillRef>
+              <a:effectRef idx="0">
+                <a:schemeClr val="accent1"/>
+              </a:effectRef>
+              <a:fontRef idx="minor">
+                <a:schemeClr val="lt1"/>
+              </a:fontRef>
+            </p:style>
+            <p:txBody>
+              <a:bodyPr wrap="square" rtlCol="0" anchor="ctr">
+                <a:noAutofit/>
+              </a:bodyPr>
+              <a:lstStyle/>
+              <a:p>
+                <a:pPr algn="ctr"/>
+                <a:endParaRPr lang="ko-KR" altLang="en-US" dirty="0"/>
+              </a:p>
+            </p:txBody>
+          </p:sp>
+          <p:pic>
+            <p:nvPicPr>
+              <p:cNvPr id="9" name="그래픽 8">
+                <a:extLst>
+                  <a:ext uri="{FF2B5EF4-FFF2-40B4-BE49-F238E27FC236}">
+                    <a16:creationId xmlns:a16="http://schemas.microsoft.com/office/drawing/2014/main" id="{E6B45D03-E2A2-41C0-B978-89DD1770A339}"/>
+                  </a:ext>
+                </a:extLst>
+              </p:cNvPr>
+              <p:cNvPicPr>
+                <a:picLocks noChangeAspect="1"/>
+              </p:cNvPicPr>
+              <p:nvPr/>
+            </p:nvPicPr>
+            <p:blipFill>
+              <a:blip r:embed="rId2" cstate="print">
+                <a:extLst>
+                  <a:ext uri="{28A0092B-C50C-407E-A947-70E740481C1C}">
+                    <a14:useLocalDpi xmlns:a14="http://schemas.microsoft.com/office/drawing/2010/main" val="0"/>
+                  </a:ext>
+                  <a:ext uri="{96DAC541-7B7A-43D3-8B79-37D633B846F1}">
+                    <asvg:svgBlip xmlns:asvg="http://schemas.microsoft.com/office/drawing/2016/SVG/main" r:embed="rId3"/>
+                  </a:ext>
+                </a:extLst>
+              </a:blip>
+              <a:stretch>
+                <a:fillRect/>
+              </a:stretch>
+            </p:blipFill>
+            <p:spPr>
+              <a:xfrm>
+                <a:off x="1500529" y="2318134"/>
+                <a:ext cx="540000" cy="540000"/>
+              </a:xfrm>
+              <a:prstGeom prst="rect">
+                <a:avLst/>
+              </a:prstGeom>
+            </p:spPr>
+          </p:pic>
+        </p:grpSp>
+        <p:sp>
+          <p:nvSpPr>
+            <p:cNvPr id="6" name="TextBox 5">
               <a:extLst>
-                <a:ext uri="{28A0092B-C50C-407E-A947-70E740481C1C}">
-                  <a14:useLocalDpi xmlns:a14="http://schemas.microsoft.com/office/drawing/2010/main" val="0"/>
-                </a:ext>
-                <a:ext uri="{96DAC541-7B7A-43D3-8B79-37D633B846F1}">
-                  <asvg:svgBlip xmlns:asvg="http://schemas.microsoft.com/office/drawing/2016/SVG/main" r:embed="rId3"/>
+                <a:ext uri="{FF2B5EF4-FFF2-40B4-BE49-F238E27FC236}">
+                  <a16:creationId xmlns:a16="http://schemas.microsoft.com/office/drawing/2014/main" id="{436489C3-C9C5-4BAE-A2D3-BDBD3ACFD2E8}"/>
                 </a:ext>
               </a:extLst>
-            </a:blip>
-            <a:stretch>
-              <a:fillRect/>
-            </a:stretch>
-          </p:blipFill>
+            </p:cNvPr>
+            <p:cNvSpPr txBox="1"/>
+            <p:nvPr/>
+          </p:nvSpPr>
           <p:spPr>
             <a:xfrm>
-              <a:off x="1500529" y="2318134"/>
-              <a:ext cx="540000" cy="540000"/>
+              <a:off x="995354" y="89416"/>
+              <a:ext cx="2114071" cy="584775"/>
             </a:xfrm>
             <a:prstGeom prst="rect">
               <a:avLst/>
             </a:prstGeom>
+            <a:noFill/>
           </p:spPr>
-        </p:pic>
-      </p:grpSp>
-      <p:grpSp>
-        <p:nvGrpSpPr>
-          <p:cNvPr id="28" name="그룹 27">
-            <a:extLst>
-              <a:ext uri="{FF2B5EF4-FFF2-40B4-BE49-F238E27FC236}">
-                <a16:creationId xmlns:a16="http://schemas.microsoft.com/office/drawing/2014/main" id="{8346E9EF-43C2-4D20-87E1-4E0D5F0F0591}"/>
-              </a:ext>
-            </a:extLst>
-          </p:cNvPr>
-          <p:cNvGrpSpPr/>
-          <p:nvPr/>
-        </p:nvGrpSpPr>
-        <p:grpSpPr>
-          <a:xfrm>
-            <a:off x="5376000" y="2148709"/>
-            <a:ext cx="720000" cy="936000"/>
-            <a:chOff x="5376000" y="2148709"/>
-            <a:chExt cx="720000" cy="936000"/>
-          </a:xfrm>
-        </p:grpSpPr>
+          <p:txBody>
+            <a:bodyPr wrap="square" rtlCol="0">
+              <a:spAutoFit/>
+            </a:bodyPr>
+            <a:lstStyle/>
+            <a:p>
+              <a:r>
+                <a:rPr lang="ko-KR" altLang="en-US" sz="3200" b="1" dirty="0">
+                  <a:latin typeface="배달의민족 도현" panose="020B0600000101010101" pitchFamily="50" charset="-127"/>
+                  <a:ea typeface="배달의민족 도현" panose="020B0600000101010101" pitchFamily="50" charset="-127"/>
+                </a:rPr>
+                <a:t>팀 소개</a:t>
+              </a:r>
+              <a:endParaRPr lang="ko-KR" altLang="en-US" sz="2400" b="1" dirty="0">
+                <a:latin typeface="배달의민족 도현" panose="020B0600000101010101" pitchFamily="50" charset="-127"/>
+                <a:ea typeface="배달의민족 도현" panose="020B0600000101010101" pitchFamily="50" charset="-127"/>
+              </a:endParaRPr>
+            </a:p>
+          </p:txBody>
+        </p:sp>
         <p:sp>
           <p:nvSpPr>
-            <p:cNvPr id="19" name="자유형: 도형 18">
+            <p:cNvPr id="7" name="TextBox 6">
               <a:extLst>
                 <a:ext uri="{FF2B5EF4-FFF2-40B4-BE49-F238E27FC236}">
-                  <a16:creationId xmlns:a16="http://schemas.microsoft.com/office/drawing/2014/main" id="{832CE29E-DFCF-4B5A-B3D5-ED4CB681878D}"/>
+                  <a16:creationId xmlns:a16="http://schemas.microsoft.com/office/drawing/2014/main" id="{88C9AF4D-3BB3-42EA-83BB-029B8772F0D4}"/>
                 </a:ext>
               </a:extLst>
             </p:cNvPr>
-            <p:cNvSpPr/>
+            <p:cNvSpPr txBox="1"/>
             <p:nvPr/>
           </p:nvSpPr>
           <p:spPr>
-            <a:xfrm flipV="1">
-              <a:off x="5376000" y="2148709"/>
-              <a:ext cx="720000" cy="936000"/>
-            </a:xfrm>
-            <a:custGeom>
-              <a:avLst/>
-              <a:gdLst>
-                <a:gd name="connsiteX0" fmla="*/ 0 w 1800000"/>
-                <a:gd name="connsiteY0" fmla="*/ 3902305 h 3902305"/>
-                <a:gd name="connsiteX1" fmla="*/ 1800000 w 1800000"/>
-                <a:gd name="connsiteY1" fmla="*/ 3902305 h 3902305"/>
-                <a:gd name="connsiteX2" fmla="*/ 1800000 w 1800000"/>
-                <a:gd name="connsiteY2" fmla="*/ 370908 h 3902305"/>
-                <a:gd name="connsiteX3" fmla="*/ 1800000 w 1800000"/>
-                <a:gd name="connsiteY3" fmla="*/ 369329 h 3902305"/>
-                <a:gd name="connsiteX4" fmla="*/ 1800000 w 1800000"/>
-                <a:gd name="connsiteY4" fmla="*/ 1577 h 3902305"/>
-                <a:gd name="connsiteX5" fmla="*/ 903848 w 1800000"/>
-                <a:gd name="connsiteY5" fmla="*/ 369329 h 3902305"/>
-                <a:gd name="connsiteX6" fmla="*/ 899995 w 1800000"/>
-                <a:gd name="connsiteY6" fmla="*/ 369329 h 3902305"/>
-                <a:gd name="connsiteX7" fmla="*/ 0 w 1800000"/>
-                <a:gd name="connsiteY7" fmla="*/ 0 h 3902305"/>
-                <a:gd name="connsiteX8" fmla="*/ 0 w 1800000"/>
-                <a:gd name="connsiteY8" fmla="*/ 369329 h 3902305"/>
-                <a:gd name="connsiteX9" fmla="*/ 0 w 1800000"/>
-                <a:gd name="connsiteY9" fmla="*/ 369331 h 3902305"/>
-              </a:gdLst>
-              <a:ahLst/>
-              <a:cxnLst>
-                <a:cxn ang="0">
-                  <a:pos x="connsiteX0" y="connsiteY0"/>
-                </a:cxn>
-                <a:cxn ang="0">
-                  <a:pos x="connsiteX1" y="connsiteY1"/>
-                </a:cxn>
-                <a:cxn ang="0">
-                  <a:pos x="connsiteX2" y="connsiteY2"/>
-                </a:cxn>
-                <a:cxn ang="0">
-                  <a:pos x="connsiteX3" y="connsiteY3"/>
-                </a:cxn>
-                <a:cxn ang="0">
-                  <a:pos x="connsiteX4" y="connsiteY4"/>
-                </a:cxn>
-                <a:cxn ang="0">
-                  <a:pos x="connsiteX5" y="connsiteY5"/>
-                </a:cxn>
-                <a:cxn ang="0">
-                  <a:pos x="connsiteX6" y="connsiteY6"/>
-                </a:cxn>
-                <a:cxn ang="0">
-                  <a:pos x="connsiteX7" y="connsiteY7"/>
-                </a:cxn>
-                <a:cxn ang="0">
-                  <a:pos x="connsiteX8" y="connsiteY8"/>
-                </a:cxn>
-                <a:cxn ang="0">
-                  <a:pos x="connsiteX9" y="connsiteY9"/>
-                </a:cxn>
-              </a:cxnLst>
-              <a:rect l="l" t="t" r="r" b="b"/>
-              <a:pathLst>
-                <a:path w="1800000" h="3902305">
-                  <a:moveTo>
-                    <a:pt x="0" y="3902305"/>
-                  </a:moveTo>
-                  <a:lnTo>
-                    <a:pt x="1800000" y="3902305"/>
-                  </a:lnTo>
-                  <a:lnTo>
-                    <a:pt x="1800000" y="370908"/>
-                  </a:lnTo>
-                  <a:lnTo>
-                    <a:pt x="1800000" y="369329"/>
-                  </a:lnTo>
-                  <a:lnTo>
-                    <a:pt x="1800000" y="1577"/>
-                  </a:lnTo>
-                  <a:lnTo>
-                    <a:pt x="903848" y="369329"/>
-                  </a:lnTo>
-                  <a:lnTo>
-                    <a:pt x="899995" y="369329"/>
-                  </a:lnTo>
-                  <a:lnTo>
-                    <a:pt x="0" y="0"/>
-                  </a:lnTo>
-                  <a:lnTo>
-                    <a:pt x="0" y="369329"/>
-                  </a:lnTo>
-                  <a:lnTo>
-                    <a:pt x="0" y="369331"/>
-                  </a:lnTo>
-                  <a:close/>
-                </a:path>
-              </a:pathLst>
-            </a:custGeom>
-            <a:solidFill>
-              <a:srgbClr val="3DC147"/>
-            </a:solidFill>
-            <a:ln w="38100">
-              <a:solidFill>
-                <a:schemeClr val="tx1"/>
-              </a:solidFill>
-            </a:ln>
-          </p:spPr>
-          <p:style>
-            <a:lnRef idx="2">
-              <a:schemeClr val="accent1">
-                <a:shade val="50000"/>
-              </a:schemeClr>
-            </a:lnRef>
-            <a:fillRef idx="1">
-              <a:schemeClr val="accent1"/>
-            </a:fillRef>
-            <a:effectRef idx="0">
-              <a:schemeClr val="accent1"/>
-            </a:effectRef>
-            <a:fontRef idx="minor">
-              <a:schemeClr val="lt1"/>
-            </a:fontRef>
-          </p:style>
-          <p:txBody>
-            <a:bodyPr wrap="square" rtlCol="0" anchor="ctr">
-              <a:noAutofit/>
-            </a:bodyPr>
-            <a:lstStyle/>
-            <a:p>
-              <a:pPr algn="ctr"/>
-              <a:endParaRPr lang="ko-KR" altLang="en-US" dirty="0"/>
-            </a:p>
-          </p:txBody>
-        </p:sp>
-        <p:pic>
-          <p:nvPicPr>
-            <p:cNvPr id="21" name="그래픽 20">
-              <a:extLst>
-                <a:ext uri="{FF2B5EF4-FFF2-40B4-BE49-F238E27FC236}">
-                  <a16:creationId xmlns:a16="http://schemas.microsoft.com/office/drawing/2014/main" id="{1F86CD2A-51B0-4349-BEF5-1148037B5F50}"/>
-                </a:ext>
-              </a:extLst>
-            </p:cNvPr>
-            <p:cNvPicPr>
-              <a:picLocks noChangeAspect="1"/>
-            </p:cNvPicPr>
-            <p:nvPr/>
-          </p:nvPicPr>
-          <p:blipFill>
-            <a:blip r:embed="rId4" cstate="print">
-              <a:extLst>
-                <a:ext uri="{28A0092B-C50C-407E-A947-70E740481C1C}">
-                  <a14:useLocalDpi xmlns:a14="http://schemas.microsoft.com/office/drawing/2010/main" val="0"/>
-                </a:ext>
-                <a:ext uri="{96DAC541-7B7A-43D3-8B79-37D633B846F1}">
-                  <asvg:svgBlip xmlns:asvg="http://schemas.microsoft.com/office/drawing/2016/SVG/main" r:embed="rId5"/>
-                </a:ext>
-              </a:extLst>
-            </a:blip>
-            <a:stretch>
-              <a:fillRect/>
-            </a:stretch>
-          </p:blipFill>
-          <p:spPr>
             <a:xfrm>
-              <a:off x="5466000" y="2318134"/>
-              <a:ext cx="540000" cy="540000"/>
+              <a:off x="1081364" y="674191"/>
+              <a:ext cx="1313238" cy="369332"/>
             </a:xfrm>
             <a:prstGeom prst="rect">
               <a:avLst/>
             </a:prstGeom>
+            <a:noFill/>
           </p:spPr>
-        </p:pic>
-      </p:grpSp>
-      <p:grpSp>
-        <p:nvGrpSpPr>
-          <p:cNvPr id="27" name="그룹 26">
-            <a:extLst>
-              <a:ext uri="{FF2B5EF4-FFF2-40B4-BE49-F238E27FC236}">
-                <a16:creationId xmlns:a16="http://schemas.microsoft.com/office/drawing/2014/main" id="{855765B7-BFB2-4A32-AF8B-3C39E8852A7D}"/>
-              </a:ext>
-            </a:extLst>
-          </p:cNvPr>
-          <p:cNvGrpSpPr/>
-          <p:nvPr/>
-        </p:nvGrpSpPr>
-        <p:grpSpPr>
-          <a:xfrm>
-            <a:off x="3315529" y="2148709"/>
-            <a:ext cx="720000" cy="936000"/>
-            <a:chOff x="3315529" y="2148709"/>
-            <a:chExt cx="720000" cy="936000"/>
-          </a:xfrm>
-        </p:grpSpPr>
-        <p:sp>
-          <p:nvSpPr>
-            <p:cNvPr id="17" name="자유형: 도형 16">
-              <a:extLst>
-                <a:ext uri="{FF2B5EF4-FFF2-40B4-BE49-F238E27FC236}">
-                  <a16:creationId xmlns:a16="http://schemas.microsoft.com/office/drawing/2014/main" id="{68B7CC09-73AC-4A1A-8C1D-061C9514540F}"/>
-                </a:ext>
-              </a:extLst>
-            </p:cNvPr>
-            <p:cNvSpPr/>
-            <p:nvPr/>
-          </p:nvSpPr>
-          <p:spPr>
-            <a:xfrm flipV="1">
-              <a:off x="3315529" y="2148709"/>
-              <a:ext cx="720000" cy="936000"/>
-            </a:xfrm>
-            <a:custGeom>
-              <a:avLst/>
-              <a:gdLst>
-                <a:gd name="connsiteX0" fmla="*/ 0 w 1800000"/>
-                <a:gd name="connsiteY0" fmla="*/ 3902305 h 3902305"/>
-                <a:gd name="connsiteX1" fmla="*/ 1800000 w 1800000"/>
-                <a:gd name="connsiteY1" fmla="*/ 3902305 h 3902305"/>
-                <a:gd name="connsiteX2" fmla="*/ 1800000 w 1800000"/>
-                <a:gd name="connsiteY2" fmla="*/ 370908 h 3902305"/>
-                <a:gd name="connsiteX3" fmla="*/ 1800000 w 1800000"/>
-                <a:gd name="connsiteY3" fmla="*/ 369329 h 3902305"/>
-                <a:gd name="connsiteX4" fmla="*/ 1800000 w 1800000"/>
-                <a:gd name="connsiteY4" fmla="*/ 1577 h 3902305"/>
-                <a:gd name="connsiteX5" fmla="*/ 903848 w 1800000"/>
-                <a:gd name="connsiteY5" fmla="*/ 369329 h 3902305"/>
-                <a:gd name="connsiteX6" fmla="*/ 899995 w 1800000"/>
-                <a:gd name="connsiteY6" fmla="*/ 369329 h 3902305"/>
-                <a:gd name="connsiteX7" fmla="*/ 0 w 1800000"/>
-                <a:gd name="connsiteY7" fmla="*/ 0 h 3902305"/>
-                <a:gd name="connsiteX8" fmla="*/ 0 w 1800000"/>
-                <a:gd name="connsiteY8" fmla="*/ 369329 h 3902305"/>
-                <a:gd name="connsiteX9" fmla="*/ 0 w 1800000"/>
-                <a:gd name="connsiteY9" fmla="*/ 369331 h 3902305"/>
-              </a:gdLst>
-              <a:ahLst/>
-              <a:cxnLst>
-                <a:cxn ang="0">
-                  <a:pos x="connsiteX0" y="connsiteY0"/>
-                </a:cxn>
-                <a:cxn ang="0">
-                  <a:pos x="connsiteX1" y="connsiteY1"/>
-                </a:cxn>
-                <a:cxn ang="0">
-                  <a:pos x="connsiteX2" y="connsiteY2"/>
-                </a:cxn>
-                <a:cxn ang="0">
-                  <a:pos x="connsiteX3" y="connsiteY3"/>
-                </a:cxn>
-                <a:cxn ang="0">
-                  <a:pos x="connsiteX4" y="connsiteY4"/>
-                </a:cxn>
-                <a:cxn ang="0">
-                  <a:pos x="connsiteX5" y="connsiteY5"/>
-                </a:cxn>
-                <a:cxn ang="0">
-                  <a:pos x="connsiteX6" y="connsiteY6"/>
-                </a:cxn>
-                <a:cxn ang="0">
-                  <a:pos x="connsiteX7" y="connsiteY7"/>
-                </a:cxn>
-                <a:cxn ang="0">
-                  <a:pos x="connsiteX8" y="connsiteY8"/>
-                </a:cxn>
-                <a:cxn ang="0">
-                  <a:pos x="connsiteX9" y="connsiteY9"/>
-                </a:cxn>
-              </a:cxnLst>
-              <a:rect l="l" t="t" r="r" b="b"/>
-              <a:pathLst>
-                <a:path w="1800000" h="3902305">
-                  <a:moveTo>
-                    <a:pt x="0" y="3902305"/>
-                  </a:moveTo>
-                  <a:lnTo>
-                    <a:pt x="1800000" y="3902305"/>
-                  </a:lnTo>
-                  <a:lnTo>
-                    <a:pt x="1800000" y="370908"/>
-                  </a:lnTo>
-                  <a:lnTo>
-                    <a:pt x="1800000" y="369329"/>
-                  </a:lnTo>
-                  <a:lnTo>
-                    <a:pt x="1800000" y="1577"/>
-                  </a:lnTo>
-                  <a:lnTo>
-                    <a:pt x="903848" y="369329"/>
-                  </a:lnTo>
-                  <a:lnTo>
-                    <a:pt x="899995" y="369329"/>
-                  </a:lnTo>
-                  <a:lnTo>
-                    <a:pt x="0" y="0"/>
-                  </a:lnTo>
-                  <a:lnTo>
-                    <a:pt x="0" y="369329"/>
-                  </a:lnTo>
-                  <a:lnTo>
-                    <a:pt x="0" y="369331"/>
-                  </a:lnTo>
-                  <a:close/>
-                </a:path>
-              </a:pathLst>
-            </a:custGeom>
-            <a:solidFill>
-              <a:srgbClr val="3D91E4"/>
-            </a:solidFill>
-            <a:ln w="38100">
-              <a:solidFill>
-                <a:schemeClr val="tx1"/>
-              </a:solidFill>
-            </a:ln>
-          </p:spPr>
-          <p:style>
-            <a:lnRef idx="2">
-              <a:schemeClr val="accent1">
-                <a:shade val="50000"/>
-              </a:schemeClr>
-            </a:lnRef>
-            <a:fillRef idx="1">
-              <a:schemeClr val="accent1"/>
-            </a:fillRef>
-            <a:effectRef idx="0">
-              <a:schemeClr val="accent1"/>
-            </a:effectRef>
-            <a:fontRef idx="minor">
-              <a:schemeClr val="lt1"/>
-            </a:fontRef>
-          </p:style>
           <p:txBody>
-            <a:bodyPr wrap="square" rtlCol="0" anchor="ctr">
-              <a:noAutofit/>
+            <a:bodyPr wrap="square" rtlCol="0">
+              <a:spAutoFit/>
             </a:bodyPr>
             <a:lstStyle/>
             <a:p>
-              <a:pPr algn="ctr"/>
-              <a:endParaRPr lang="ko-KR" altLang="en-US" dirty="0"/>
+              <a:r>
+                <a:rPr lang="ko-KR" altLang="en-US" dirty="0">
+                  <a:latin typeface="배달의민족 도현" panose="020B0600000101010101" pitchFamily="50" charset="-127"/>
+                  <a:ea typeface="배달의민족 도현" panose="020B0600000101010101" pitchFamily="50" charset="-127"/>
+                </a:rPr>
+                <a:t>개요</a:t>
+              </a:r>
             </a:p>
           </p:txBody>
         </p:sp>
-        <p:pic>
-          <p:nvPicPr>
-            <p:cNvPr id="23" name="그래픽 22">
-              <a:extLst>
-                <a:ext uri="{FF2B5EF4-FFF2-40B4-BE49-F238E27FC236}">
-                  <a16:creationId xmlns:a16="http://schemas.microsoft.com/office/drawing/2014/main" id="{D306B94A-DE40-4938-966E-289D39E6EE63}"/>
-                </a:ext>
-              </a:extLst>
-            </p:cNvPr>
-            <p:cNvPicPr>
-              <a:picLocks noChangeAspect="1"/>
-            </p:cNvPicPr>
-            <p:nvPr/>
-          </p:nvPicPr>
-          <p:blipFill>
-            <a:blip r:embed="rId6" cstate="print">
-              <a:extLst>
-                <a:ext uri="{28A0092B-C50C-407E-A947-70E740481C1C}">
-                  <a14:useLocalDpi xmlns:a14="http://schemas.microsoft.com/office/drawing/2010/main" val="0"/>
-                </a:ext>
-                <a:ext uri="{96DAC541-7B7A-43D3-8B79-37D633B846F1}">
-                  <asvg:svgBlip xmlns:asvg="http://schemas.microsoft.com/office/drawing/2016/SVG/main" r:embed="rId7"/>
-                </a:ext>
-              </a:extLst>
-            </a:blip>
-            <a:stretch>
-              <a:fillRect/>
-            </a:stretch>
-          </p:blipFill>
-          <p:spPr>
-            <a:xfrm>
-              <a:off x="3405529" y="2318134"/>
-              <a:ext cx="540000" cy="540000"/>
-            </a:xfrm>
-            <a:prstGeom prst="rect">
-              <a:avLst/>
-            </a:prstGeom>
-          </p:spPr>
-        </p:pic>
-      </p:grpSp>
-      <p:grpSp>
-        <p:nvGrpSpPr>
-          <p:cNvPr id="29" name="그룹 28">
-            <a:extLst>
-              <a:ext uri="{FF2B5EF4-FFF2-40B4-BE49-F238E27FC236}">
-                <a16:creationId xmlns:a16="http://schemas.microsoft.com/office/drawing/2014/main" id="{E753DA30-AC3F-4E10-81CB-26FEAEDA9917}"/>
-              </a:ext>
-            </a:extLst>
-          </p:cNvPr>
-          <p:cNvGrpSpPr/>
-          <p:nvPr/>
-        </p:nvGrpSpPr>
-        <p:grpSpPr>
-          <a:xfrm>
-            <a:off x="7516054" y="2148709"/>
-            <a:ext cx="720000" cy="936000"/>
-            <a:chOff x="7516054" y="2148709"/>
-            <a:chExt cx="720000" cy="936000"/>
-          </a:xfrm>
-        </p:grpSpPr>
-        <p:sp>
-          <p:nvSpPr>
-            <p:cNvPr id="15" name="자유형: 도형 14">
-              <a:extLst>
-                <a:ext uri="{FF2B5EF4-FFF2-40B4-BE49-F238E27FC236}">
-                  <a16:creationId xmlns:a16="http://schemas.microsoft.com/office/drawing/2014/main" id="{1282B9EA-A953-4912-AC43-6DACBF6F2B30}"/>
-                </a:ext>
-              </a:extLst>
-            </p:cNvPr>
-            <p:cNvSpPr/>
-            <p:nvPr/>
-          </p:nvSpPr>
-          <p:spPr>
-            <a:xfrm flipV="1">
-              <a:off x="7516054" y="2148709"/>
-              <a:ext cx="720000" cy="936000"/>
-            </a:xfrm>
-            <a:custGeom>
-              <a:avLst/>
-              <a:gdLst>
-                <a:gd name="connsiteX0" fmla="*/ 0 w 1800000"/>
-                <a:gd name="connsiteY0" fmla="*/ 3902305 h 3902305"/>
-                <a:gd name="connsiteX1" fmla="*/ 1800000 w 1800000"/>
-                <a:gd name="connsiteY1" fmla="*/ 3902305 h 3902305"/>
-                <a:gd name="connsiteX2" fmla="*/ 1800000 w 1800000"/>
-                <a:gd name="connsiteY2" fmla="*/ 370908 h 3902305"/>
-                <a:gd name="connsiteX3" fmla="*/ 1800000 w 1800000"/>
-                <a:gd name="connsiteY3" fmla="*/ 369329 h 3902305"/>
-                <a:gd name="connsiteX4" fmla="*/ 1800000 w 1800000"/>
-                <a:gd name="connsiteY4" fmla="*/ 1577 h 3902305"/>
-                <a:gd name="connsiteX5" fmla="*/ 903848 w 1800000"/>
-                <a:gd name="connsiteY5" fmla="*/ 369329 h 3902305"/>
-                <a:gd name="connsiteX6" fmla="*/ 899995 w 1800000"/>
-                <a:gd name="connsiteY6" fmla="*/ 369329 h 3902305"/>
-                <a:gd name="connsiteX7" fmla="*/ 0 w 1800000"/>
-                <a:gd name="connsiteY7" fmla="*/ 0 h 3902305"/>
-                <a:gd name="connsiteX8" fmla="*/ 0 w 1800000"/>
-                <a:gd name="connsiteY8" fmla="*/ 369329 h 3902305"/>
-                <a:gd name="connsiteX9" fmla="*/ 0 w 1800000"/>
-                <a:gd name="connsiteY9" fmla="*/ 369331 h 3902305"/>
-              </a:gdLst>
-              <a:ahLst/>
-              <a:cxnLst>
-                <a:cxn ang="0">
-                  <a:pos x="connsiteX0" y="connsiteY0"/>
-                </a:cxn>
-                <a:cxn ang="0">
-                  <a:pos x="connsiteX1" y="connsiteY1"/>
-                </a:cxn>
-                <a:cxn ang="0">
-                  <a:pos x="connsiteX2" y="connsiteY2"/>
-                </a:cxn>
-                <a:cxn ang="0">
-                  <a:pos x="connsiteX3" y="connsiteY3"/>
-                </a:cxn>
-                <a:cxn ang="0">
-                  <a:pos x="connsiteX4" y="connsiteY4"/>
-                </a:cxn>
-                <a:cxn ang="0">
-                  <a:pos x="connsiteX5" y="connsiteY5"/>
-                </a:cxn>
-                <a:cxn ang="0">
-                  <a:pos x="connsiteX6" y="connsiteY6"/>
-                </a:cxn>
-                <a:cxn ang="0">
-                  <a:pos x="connsiteX7" y="connsiteY7"/>
-                </a:cxn>
-                <a:cxn ang="0">
-                  <a:pos x="connsiteX8" y="connsiteY8"/>
-                </a:cxn>
-                <a:cxn ang="0">
-                  <a:pos x="connsiteX9" y="connsiteY9"/>
-                </a:cxn>
-              </a:cxnLst>
-              <a:rect l="l" t="t" r="r" b="b"/>
-              <a:pathLst>
-                <a:path w="1800000" h="3902305">
-                  <a:moveTo>
-                    <a:pt x="0" y="3902305"/>
-                  </a:moveTo>
-                  <a:lnTo>
-                    <a:pt x="1800000" y="3902305"/>
-                  </a:lnTo>
-                  <a:lnTo>
-                    <a:pt x="1800000" y="370908"/>
-                  </a:lnTo>
-                  <a:lnTo>
-                    <a:pt x="1800000" y="369329"/>
-                  </a:lnTo>
-                  <a:lnTo>
-                    <a:pt x="1800000" y="1577"/>
-                  </a:lnTo>
-                  <a:lnTo>
-                    <a:pt x="903848" y="369329"/>
-                  </a:lnTo>
-                  <a:lnTo>
-                    <a:pt x="899995" y="369329"/>
-                  </a:lnTo>
-                  <a:lnTo>
-                    <a:pt x="0" y="0"/>
-                  </a:lnTo>
-                  <a:lnTo>
-                    <a:pt x="0" y="369329"/>
-                  </a:lnTo>
-                  <a:lnTo>
-                    <a:pt x="0" y="369331"/>
-                  </a:lnTo>
-                  <a:close/>
-                </a:path>
-              </a:pathLst>
-            </a:custGeom>
-            <a:solidFill>
-              <a:srgbClr val="FDD910"/>
-            </a:solidFill>
-            <a:ln w="38100">
-              <a:solidFill>
-                <a:schemeClr val="tx1"/>
-              </a:solidFill>
-            </a:ln>
-          </p:spPr>
-          <p:style>
-            <a:lnRef idx="2">
-              <a:schemeClr val="accent1">
-                <a:shade val="50000"/>
-              </a:schemeClr>
-            </a:lnRef>
-            <a:fillRef idx="1">
-              <a:schemeClr val="accent1"/>
-            </a:fillRef>
-            <a:effectRef idx="0">
-              <a:schemeClr val="accent1"/>
-            </a:effectRef>
-            <a:fontRef idx="minor">
-              <a:schemeClr val="lt1"/>
-            </a:fontRef>
-          </p:style>
-          <p:txBody>
-            <a:bodyPr wrap="square" rtlCol="0" anchor="ctr">
-              <a:noAutofit/>
-            </a:bodyPr>
-            <a:lstStyle/>
-            <a:p>
-              <a:pPr algn="ctr"/>
-              <a:endParaRPr lang="ko-KR" altLang="en-US" dirty="0"/>
-            </a:p>
-          </p:txBody>
-        </p:sp>
-        <p:pic>
-          <p:nvPicPr>
-            <p:cNvPr id="25" name="그래픽 24">
-              <a:extLst>
-                <a:ext uri="{FF2B5EF4-FFF2-40B4-BE49-F238E27FC236}">
-                  <a16:creationId xmlns:a16="http://schemas.microsoft.com/office/drawing/2014/main" id="{82F7F4F9-412D-4297-A308-5D250B60B7C6}"/>
-                </a:ext>
-              </a:extLst>
-            </p:cNvPr>
-            <p:cNvPicPr>
-              <a:picLocks noChangeAspect="1"/>
-            </p:cNvPicPr>
-            <p:nvPr/>
-          </p:nvPicPr>
-          <p:blipFill>
-            <a:blip r:embed="rId8" cstate="print">
-              <a:extLst>
-                <a:ext uri="{28A0092B-C50C-407E-A947-70E740481C1C}">
-                  <a14:useLocalDpi xmlns:a14="http://schemas.microsoft.com/office/drawing/2010/main" val="0"/>
-                </a:ext>
-                <a:ext uri="{96DAC541-7B7A-43D3-8B79-37D633B846F1}">
-                  <asvg:svgBlip xmlns:asvg="http://schemas.microsoft.com/office/drawing/2016/SVG/main" r:embed="rId9"/>
-                </a:ext>
-              </a:extLst>
-            </a:blip>
-            <a:stretch>
-              <a:fillRect/>
-            </a:stretch>
-          </p:blipFill>
-          <p:spPr>
-            <a:xfrm>
-              <a:off x="7606054" y="2318134"/>
-              <a:ext cx="540000" cy="540000"/>
-            </a:xfrm>
-            <a:prstGeom prst="rect">
-              <a:avLst/>
-            </a:prstGeom>
-          </p:spPr>
-        </p:pic>
       </p:grpSp>
       <p:sp>
         <p:nvSpPr>
-          <p:cNvPr id="32" name="TextBox 31">
+          <p:cNvPr id="11" name="TextBox 10">
             <a:extLst>
               <a:ext uri="{FF2B5EF4-FFF2-40B4-BE49-F238E27FC236}">
-                <a16:creationId xmlns:a16="http://schemas.microsoft.com/office/drawing/2014/main" id="{86967290-2DCA-4391-BEE6-CEF59F410AF6}"/>
+                <a16:creationId xmlns:a16="http://schemas.microsoft.com/office/drawing/2014/main" id="{9EA6FEAF-B918-4DC4-990D-6CB6BDF8AFE5}"/>
               </a:ext>
             </a:extLst>
           </p:cNvPr>
@@ -7674,8 +11495,8 @@
         </p:nvSpPr>
         <p:spPr>
           <a:xfrm>
-            <a:off x="995354" y="89416"/>
-            <a:ext cx="2114071" cy="584775"/>
+            <a:off x="2500406" y="1648265"/>
+            <a:ext cx="1441533" cy="584775"/>
           </a:xfrm>
           <a:prstGeom prst="rect">
             <a:avLst/>
@@ -7689,13 +11510,13 @@
           <a:lstStyle/>
           <a:p>
             <a:r>
-              <a:rPr lang="ko-KR" altLang="en-US" sz="3200" b="1" dirty="0">
+              <a:rPr lang="ko-KR" altLang="en-US" sz="3200" dirty="0">
                 <a:latin typeface="배달의민족 도현" panose="020B0600000101010101" pitchFamily="50" charset="-127"/>
                 <a:ea typeface="배달의민족 도현" panose="020B0600000101010101" pitchFamily="50" charset="-127"/>
               </a:rPr>
-              <a:t>팀 소개</a:t>
-            </a:r>
-            <a:endParaRPr lang="ko-KR" altLang="en-US" sz="2400" b="1" dirty="0">
+              <a:t>장르</a:t>
+            </a:r>
+            <a:endParaRPr lang="ko-KR" altLang="en-US" dirty="0">
               <a:latin typeface="배달의민족 도현" panose="020B0600000101010101" pitchFamily="50" charset="-127"/>
               <a:ea typeface="배달의민족 도현" panose="020B0600000101010101" pitchFamily="50" charset="-127"/>
             </a:endParaRPr>
@@ -7704,10 +11525,10 @@
       </p:sp>
       <p:sp>
         <p:nvSpPr>
-          <p:cNvPr id="34" name="TextBox 33">
+          <p:cNvPr id="13" name="TextBox 12">
             <a:extLst>
               <a:ext uri="{FF2B5EF4-FFF2-40B4-BE49-F238E27FC236}">
-                <a16:creationId xmlns:a16="http://schemas.microsoft.com/office/drawing/2014/main" id="{23E22D2C-1678-4296-A51C-2A97CD254479}"/>
+                <a16:creationId xmlns:a16="http://schemas.microsoft.com/office/drawing/2014/main" id="{F822A431-C5E7-43B0-8A68-E2CB6670CCB0}"/>
               </a:ext>
             </a:extLst>
           </p:cNvPr>
@@ -7716,8 +11537,8 @@
         </p:nvSpPr>
         <p:spPr>
           <a:xfrm>
-            <a:off x="1081364" y="674191"/>
-            <a:ext cx="1313238" cy="369332"/>
+            <a:off x="6753225" y="1648265"/>
+            <a:ext cx="1544584" cy="584775"/>
           </a:xfrm>
           <a:prstGeom prst="rect">
             <a:avLst/>
@@ -7731,19 +11552,2641 @@
           <a:lstStyle/>
           <a:p>
             <a:r>
+              <a:rPr lang="ko-KR" altLang="en-US" sz="3200" dirty="0">
+                <a:latin typeface="배달의민족 도현" panose="020B0600000101010101" pitchFamily="50" charset="-127"/>
+                <a:ea typeface="배달의민족 도현" panose="020B0600000101010101" pitchFamily="50" charset="-127"/>
+              </a:rPr>
+              <a:t>플랫폼</a:t>
+            </a:r>
+            <a:endParaRPr lang="ko-KR" altLang="en-US" dirty="0">
+              <a:latin typeface="배달의민족 도현" panose="020B0600000101010101" pitchFamily="50" charset="-127"/>
+              <a:ea typeface="배달의민족 도현" panose="020B0600000101010101" pitchFamily="50" charset="-127"/>
+            </a:endParaRPr>
+          </a:p>
+        </p:txBody>
+      </p:sp>
+      <p:sp>
+        <p:nvSpPr>
+          <p:cNvPr id="15" name="TextBox 14">
+            <a:extLst>
+              <a:ext uri="{FF2B5EF4-FFF2-40B4-BE49-F238E27FC236}">
+                <a16:creationId xmlns:a16="http://schemas.microsoft.com/office/drawing/2014/main" id="{A1934FC3-406C-4137-8F71-D0E245276540}"/>
+              </a:ext>
+            </a:extLst>
+          </p:cNvPr>
+          <p:cNvSpPr txBox="1"/>
+          <p:nvPr/>
+        </p:nvSpPr>
+        <p:spPr>
+          <a:xfrm>
+            <a:off x="6753225" y="3741356"/>
+            <a:ext cx="2220859" cy="584775"/>
+          </a:xfrm>
+          <a:prstGeom prst="rect">
+            <a:avLst/>
+          </a:prstGeom>
+          <a:noFill/>
+        </p:spPr>
+        <p:txBody>
+          <a:bodyPr wrap="square" rtlCol="0">
+            <a:spAutoFit/>
+          </a:bodyPr>
+          <a:lstStyle/>
+          <a:p>
+            <a:r>
+              <a:rPr lang="ko-KR" altLang="en-US" sz="3200" dirty="0">
+                <a:latin typeface="배달의민족 도현" panose="020B0600000101010101" pitchFamily="50" charset="-127"/>
+                <a:ea typeface="배달의민족 도현" panose="020B0600000101010101" pitchFamily="50" charset="-127"/>
+              </a:rPr>
+              <a:t>플레이타임</a:t>
+            </a:r>
+            <a:endParaRPr lang="ko-KR" altLang="en-US" dirty="0">
+              <a:latin typeface="배달의민족 도현" panose="020B0600000101010101" pitchFamily="50" charset="-127"/>
+              <a:ea typeface="배달의민족 도현" panose="020B0600000101010101" pitchFamily="50" charset="-127"/>
+            </a:endParaRPr>
+          </a:p>
+        </p:txBody>
+      </p:sp>
+      <p:sp>
+        <p:nvSpPr>
+          <p:cNvPr id="17" name="TextBox 16">
+            <a:extLst>
+              <a:ext uri="{FF2B5EF4-FFF2-40B4-BE49-F238E27FC236}">
+                <a16:creationId xmlns:a16="http://schemas.microsoft.com/office/drawing/2014/main" id="{48DFD51D-F186-4609-B43C-B66079781FC2}"/>
+              </a:ext>
+            </a:extLst>
+          </p:cNvPr>
+          <p:cNvSpPr txBox="1"/>
+          <p:nvPr/>
+        </p:nvSpPr>
+        <p:spPr>
+          <a:xfrm>
+            <a:off x="2500406" y="3741356"/>
+            <a:ext cx="1441533" cy="584775"/>
+          </a:xfrm>
+          <a:prstGeom prst="rect">
+            <a:avLst/>
+          </a:prstGeom>
+          <a:noFill/>
+        </p:spPr>
+        <p:txBody>
+          <a:bodyPr wrap="square" rtlCol="0">
+            <a:spAutoFit/>
+          </a:bodyPr>
+          <a:lstStyle/>
+          <a:p>
+            <a:r>
+              <a:rPr lang="ko-KR" altLang="en-US" sz="3200" dirty="0">
+                <a:latin typeface="배달의민족 도현" panose="020B0600000101010101" pitchFamily="50" charset="-127"/>
+                <a:ea typeface="배달의민족 도현" panose="020B0600000101010101" pitchFamily="50" charset="-127"/>
+              </a:rPr>
+              <a:t>인원</a:t>
+            </a:r>
+            <a:endParaRPr lang="ko-KR" altLang="en-US" dirty="0">
+              <a:latin typeface="배달의민족 도현" panose="020B0600000101010101" pitchFamily="50" charset="-127"/>
+              <a:ea typeface="배달의민족 도현" panose="020B0600000101010101" pitchFamily="50" charset="-127"/>
+            </a:endParaRPr>
+          </a:p>
+        </p:txBody>
+      </p:sp>
+      <p:sp>
+        <p:nvSpPr>
+          <p:cNvPr id="19" name="TextBox 18">
+            <a:extLst>
+              <a:ext uri="{FF2B5EF4-FFF2-40B4-BE49-F238E27FC236}">
+                <a16:creationId xmlns:a16="http://schemas.microsoft.com/office/drawing/2014/main" id="{F94A20B6-A6CC-4F63-8ED0-0F4C8A08E146}"/>
+              </a:ext>
+            </a:extLst>
+          </p:cNvPr>
+          <p:cNvSpPr txBox="1"/>
+          <p:nvPr/>
+        </p:nvSpPr>
+        <p:spPr>
+          <a:xfrm>
+            <a:off x="2963573" y="2321575"/>
+            <a:ext cx="1397977" cy="369332"/>
+          </a:xfrm>
+          <a:prstGeom prst="rect">
+            <a:avLst/>
+          </a:prstGeom>
+          <a:noFill/>
+        </p:spPr>
+        <p:txBody>
+          <a:bodyPr wrap="square" rtlCol="0">
+            <a:spAutoFit/>
+          </a:bodyPr>
+          <a:lstStyle/>
+          <a:p>
+            <a:r>
+              <a:rPr lang="en-US" altLang="ko-KR" dirty="0">
+                <a:latin typeface="배달의민족 도현" panose="020B0600000101010101" pitchFamily="50" charset="-127"/>
+                <a:ea typeface="배달의민족 도현" panose="020B0600000101010101" pitchFamily="50" charset="-127"/>
+              </a:rPr>
+              <a:t>ARPG</a:t>
+            </a:r>
+          </a:p>
+        </p:txBody>
+      </p:sp>
+      <p:sp>
+        <p:nvSpPr>
+          <p:cNvPr id="21" name="TextBox 20">
+            <a:extLst>
+              <a:ext uri="{FF2B5EF4-FFF2-40B4-BE49-F238E27FC236}">
+                <a16:creationId xmlns:a16="http://schemas.microsoft.com/office/drawing/2014/main" id="{1E238E71-ED89-4008-BEC1-5E89CA79AE9E}"/>
+              </a:ext>
+            </a:extLst>
+          </p:cNvPr>
+          <p:cNvSpPr txBox="1"/>
+          <p:nvPr/>
+        </p:nvSpPr>
+        <p:spPr>
+          <a:xfrm>
+            <a:off x="2963574" y="4413837"/>
+            <a:ext cx="1397977" cy="369332"/>
+          </a:xfrm>
+          <a:prstGeom prst="rect">
+            <a:avLst/>
+          </a:prstGeom>
+          <a:noFill/>
+        </p:spPr>
+        <p:txBody>
+          <a:bodyPr wrap="square" rtlCol="0">
+            <a:spAutoFit/>
+          </a:bodyPr>
+          <a:lstStyle/>
+          <a:p>
+            <a:r>
+              <a:rPr lang="en-US" altLang="ko-KR" dirty="0">
+                <a:latin typeface="배달의민족 도현" panose="020B0600000101010101" pitchFamily="50" charset="-127"/>
+                <a:ea typeface="배달의민족 도현" panose="020B0600000101010101" pitchFamily="50" charset="-127"/>
+              </a:rPr>
+              <a:t> X</a:t>
+            </a:r>
+            <a:r>
               <a:rPr lang="ko-KR" altLang="en-US" dirty="0">
                 <a:latin typeface="배달의민족 도현" panose="020B0600000101010101" pitchFamily="50" charset="-127"/>
                 <a:ea typeface="배달의민족 도현" panose="020B0600000101010101" pitchFamily="50" charset="-127"/>
               </a:rPr>
-              <a:t>팀 소개</a:t>
-            </a:r>
+              <a:t>인</a:t>
+            </a:r>
+            <a:endParaRPr lang="en-US" altLang="ko-KR" dirty="0">
+              <a:latin typeface="배달의민족 도현" panose="020B0600000101010101" pitchFamily="50" charset="-127"/>
+              <a:ea typeface="배달의민족 도현" panose="020B0600000101010101" pitchFamily="50" charset="-127"/>
+            </a:endParaRPr>
+          </a:p>
+        </p:txBody>
+      </p:sp>
+      <p:sp>
+        <p:nvSpPr>
+          <p:cNvPr id="23" name="TextBox 22">
+            <a:extLst>
+              <a:ext uri="{FF2B5EF4-FFF2-40B4-BE49-F238E27FC236}">
+                <a16:creationId xmlns:a16="http://schemas.microsoft.com/office/drawing/2014/main" id="{8984AFD1-8BE3-4D13-A788-9D55D8B2C73B}"/>
+              </a:ext>
+            </a:extLst>
+          </p:cNvPr>
+          <p:cNvSpPr txBox="1"/>
+          <p:nvPr/>
+        </p:nvSpPr>
+        <p:spPr>
+          <a:xfrm>
+            <a:off x="7164665" y="2321576"/>
+            <a:ext cx="1397977" cy="369332"/>
+          </a:xfrm>
+          <a:prstGeom prst="rect">
+            <a:avLst/>
+          </a:prstGeom>
+          <a:noFill/>
+        </p:spPr>
+        <p:txBody>
+          <a:bodyPr wrap="square" rtlCol="0">
+            <a:spAutoFit/>
+          </a:bodyPr>
+          <a:lstStyle/>
+          <a:p>
+            <a:r>
+              <a:rPr lang="en-US" altLang="ko-KR" dirty="0">
+                <a:latin typeface="배달의민족 도현" panose="020B0600000101010101" pitchFamily="50" charset="-127"/>
+                <a:ea typeface="배달의민족 도현" panose="020B0600000101010101" pitchFamily="50" charset="-127"/>
+              </a:rPr>
+              <a:t>PC</a:t>
+            </a:r>
+          </a:p>
+        </p:txBody>
+      </p:sp>
+      <p:sp>
+        <p:nvSpPr>
+          <p:cNvPr id="25" name="TextBox 24">
+            <a:extLst>
+              <a:ext uri="{FF2B5EF4-FFF2-40B4-BE49-F238E27FC236}">
+                <a16:creationId xmlns:a16="http://schemas.microsoft.com/office/drawing/2014/main" id="{AAE7BFA9-2ECE-4F7C-8564-F9EC94A3C22B}"/>
+              </a:ext>
+            </a:extLst>
+          </p:cNvPr>
+          <p:cNvSpPr txBox="1"/>
+          <p:nvPr/>
+        </p:nvSpPr>
+        <p:spPr>
+          <a:xfrm>
+            <a:off x="7164664" y="4413838"/>
+            <a:ext cx="1397977" cy="369332"/>
+          </a:xfrm>
+          <a:prstGeom prst="rect">
+            <a:avLst/>
+          </a:prstGeom>
+          <a:noFill/>
+        </p:spPr>
+        <p:txBody>
+          <a:bodyPr wrap="square" rtlCol="0">
+            <a:spAutoFit/>
+          </a:bodyPr>
+          <a:lstStyle/>
+          <a:p>
+            <a:r>
+              <a:rPr lang="en-US" altLang="ko-KR" dirty="0">
+                <a:latin typeface="배달의민족 도현" panose="020B0600000101010101" pitchFamily="50" charset="-127"/>
+                <a:ea typeface="배달의민족 도현" panose="020B0600000101010101" pitchFamily="50" charset="-127"/>
+              </a:rPr>
+              <a:t>~</a:t>
+            </a:r>
+            <a:r>
+              <a:rPr lang="ko-KR" altLang="en-US" dirty="0">
+                <a:latin typeface="배달의민족 도현" panose="020B0600000101010101" pitchFamily="50" charset="-127"/>
+                <a:ea typeface="배달의민족 도현" panose="020B0600000101010101" pitchFamily="50" charset="-127"/>
+              </a:rPr>
+              <a:t>분</a:t>
+            </a:r>
+            <a:endParaRPr lang="en-US" altLang="ko-KR" dirty="0">
+              <a:latin typeface="배달의민족 도현" panose="020B0600000101010101" pitchFamily="50" charset="-127"/>
+              <a:ea typeface="배달의민족 도현" panose="020B0600000101010101" pitchFamily="50" charset="-127"/>
+            </a:endParaRPr>
           </a:p>
         </p:txBody>
       </p:sp>
     </p:spTree>
     <p:extLst>
       <p:ext uri="{BB962C8B-B14F-4D97-AF65-F5344CB8AC3E}">
-        <p14:creationId xmlns:p14="http://schemas.microsoft.com/office/powerpoint/2010/main" val="2574205419"/>
+        <p14:creationId xmlns:p14="http://schemas.microsoft.com/office/powerpoint/2010/main" val="800183773"/>
+      </p:ext>
+    </p:extLst>
+  </p:cSld>
+  <p:clrMapOvr>
+    <a:masterClrMapping/>
+  </p:clrMapOvr>
+</p:sld>
+</file>
+
+<file path=ppt/slides/slide6.xml><?xml version="1.0" encoding="utf-8"?>
+<p:sld xmlns:a="http://schemas.openxmlformats.org/drawingml/2006/main" xmlns:r="http://schemas.openxmlformats.org/officeDocument/2006/relationships" xmlns:p="http://schemas.openxmlformats.org/presentationml/2006/main">
+  <p:cSld>
+    <p:spTree>
+      <p:nvGrpSpPr>
+        <p:cNvPr id="1" name=""/>
+        <p:cNvGrpSpPr/>
+        <p:nvPr/>
+      </p:nvGrpSpPr>
+      <p:grpSpPr>
+        <a:xfrm>
+          <a:off x="0" y="0"/>
+          <a:ext cx="0" cy="0"/>
+          <a:chOff x="0" y="0"/>
+          <a:chExt cx="0" cy="0"/>
+        </a:xfrm>
+      </p:grpSpPr>
+      <p:sp>
+        <p:nvSpPr>
+          <p:cNvPr id="2" name="슬라이드 번호 개체 틀 1">
+            <a:extLst>
+              <a:ext uri="{FF2B5EF4-FFF2-40B4-BE49-F238E27FC236}">
+                <a16:creationId xmlns:a16="http://schemas.microsoft.com/office/drawing/2014/main" id="{8E1AA83A-3108-4D18-A4A2-514625A071AF}"/>
+              </a:ext>
+            </a:extLst>
+          </p:cNvPr>
+          <p:cNvSpPr>
+            <a:spLocks noGrp="1"/>
+          </p:cNvSpPr>
+          <p:nvPr>
+            <p:ph type="sldNum" sz="quarter" idx="12"/>
+          </p:nvPr>
+        </p:nvSpPr>
+        <p:spPr/>
+        <p:txBody>
+          <a:bodyPr/>
+          <a:lstStyle/>
+          <a:p>
+            <a:fld id="{EAFD5DB9-D65E-4BD5-BFD1-9816D26FC0AE}" type="slidenum">
+              <a:rPr lang="ko-KR" altLang="en-US" smtClean="0"/>
+              <a:t>6</a:t>
+            </a:fld>
+            <a:endParaRPr lang="ko-KR" altLang="en-US"/>
+          </a:p>
+        </p:txBody>
+      </p:sp>
+      <p:grpSp>
+        <p:nvGrpSpPr>
+          <p:cNvPr id="3" name="그룹 2">
+            <a:extLst>
+              <a:ext uri="{FF2B5EF4-FFF2-40B4-BE49-F238E27FC236}">
+                <a16:creationId xmlns:a16="http://schemas.microsoft.com/office/drawing/2014/main" id="{18D9A9A9-A7F8-4A51-9DA0-D7B8ED94970A}"/>
+              </a:ext>
+            </a:extLst>
+          </p:cNvPr>
+          <p:cNvGrpSpPr/>
+          <p:nvPr/>
+        </p:nvGrpSpPr>
+        <p:grpSpPr>
+          <a:xfrm>
+            <a:off x="-1" y="89416"/>
+            <a:ext cx="3109426" cy="1228388"/>
+            <a:chOff x="-1" y="89416"/>
+            <a:chExt cx="3109426" cy="1228388"/>
+          </a:xfrm>
+        </p:grpSpPr>
+        <p:cxnSp>
+          <p:nvCxnSpPr>
+            <p:cNvPr id="4" name="직선 연결선 3">
+              <a:extLst>
+                <a:ext uri="{FF2B5EF4-FFF2-40B4-BE49-F238E27FC236}">
+                  <a16:creationId xmlns:a16="http://schemas.microsoft.com/office/drawing/2014/main" id="{3E29320D-67EC-4823-A35C-D300DC06047F}"/>
+                </a:ext>
+              </a:extLst>
+            </p:cNvPr>
+            <p:cNvCxnSpPr>
+              <a:cxnSpLocks/>
+            </p:cNvCxnSpPr>
+            <p:nvPr/>
+          </p:nvCxnSpPr>
+          <p:spPr>
+            <a:xfrm>
+              <a:off x="-1" y="674192"/>
+              <a:ext cx="3024000" cy="0"/>
+            </a:xfrm>
+            <a:prstGeom prst="line">
+              <a:avLst/>
+            </a:prstGeom>
+            <a:ln w="31750">
+              <a:solidFill>
+                <a:schemeClr val="tx1"/>
+              </a:solidFill>
+            </a:ln>
+          </p:spPr>
+          <p:style>
+            <a:lnRef idx="1">
+              <a:schemeClr val="accent1"/>
+            </a:lnRef>
+            <a:fillRef idx="0">
+              <a:schemeClr val="accent1"/>
+            </a:fillRef>
+            <a:effectRef idx="0">
+              <a:schemeClr val="accent1"/>
+            </a:effectRef>
+            <a:fontRef idx="minor">
+              <a:schemeClr val="tx1"/>
+            </a:fontRef>
+          </p:style>
+        </p:cxnSp>
+        <p:grpSp>
+          <p:nvGrpSpPr>
+            <p:cNvPr id="5" name="그룹 4">
+              <a:extLst>
+                <a:ext uri="{FF2B5EF4-FFF2-40B4-BE49-F238E27FC236}">
+                  <a16:creationId xmlns:a16="http://schemas.microsoft.com/office/drawing/2014/main" id="{9C1BF662-FC58-4742-BE7B-B1EE88C3B43C}"/>
+                </a:ext>
+              </a:extLst>
+            </p:cNvPr>
+            <p:cNvGrpSpPr/>
+            <p:nvPr/>
+          </p:nvGrpSpPr>
+          <p:grpSpPr>
+            <a:xfrm>
+              <a:off x="180682" y="381804"/>
+              <a:ext cx="720000" cy="936000"/>
+              <a:chOff x="1410529" y="2148709"/>
+              <a:chExt cx="720000" cy="936000"/>
+            </a:xfrm>
+          </p:grpSpPr>
+          <p:sp>
+            <p:nvSpPr>
+              <p:cNvPr id="8" name="자유형: 도형 7">
+                <a:extLst>
+                  <a:ext uri="{FF2B5EF4-FFF2-40B4-BE49-F238E27FC236}">
+                    <a16:creationId xmlns:a16="http://schemas.microsoft.com/office/drawing/2014/main" id="{B8FCB689-DBD9-4B06-87D5-2696E00B123F}"/>
+                  </a:ext>
+                </a:extLst>
+              </p:cNvPr>
+              <p:cNvSpPr/>
+              <p:nvPr/>
+            </p:nvSpPr>
+            <p:spPr>
+              <a:xfrm flipV="1">
+                <a:off x="1410529" y="2148709"/>
+                <a:ext cx="720000" cy="936000"/>
+              </a:xfrm>
+              <a:custGeom>
+                <a:avLst/>
+                <a:gdLst>
+                  <a:gd name="connsiteX0" fmla="*/ 0 w 1800000"/>
+                  <a:gd name="connsiteY0" fmla="*/ 3902305 h 3902305"/>
+                  <a:gd name="connsiteX1" fmla="*/ 1800000 w 1800000"/>
+                  <a:gd name="connsiteY1" fmla="*/ 3902305 h 3902305"/>
+                  <a:gd name="connsiteX2" fmla="*/ 1800000 w 1800000"/>
+                  <a:gd name="connsiteY2" fmla="*/ 370908 h 3902305"/>
+                  <a:gd name="connsiteX3" fmla="*/ 1800000 w 1800000"/>
+                  <a:gd name="connsiteY3" fmla="*/ 369329 h 3902305"/>
+                  <a:gd name="connsiteX4" fmla="*/ 1800000 w 1800000"/>
+                  <a:gd name="connsiteY4" fmla="*/ 1577 h 3902305"/>
+                  <a:gd name="connsiteX5" fmla="*/ 903848 w 1800000"/>
+                  <a:gd name="connsiteY5" fmla="*/ 369329 h 3902305"/>
+                  <a:gd name="connsiteX6" fmla="*/ 899995 w 1800000"/>
+                  <a:gd name="connsiteY6" fmla="*/ 369329 h 3902305"/>
+                  <a:gd name="connsiteX7" fmla="*/ 0 w 1800000"/>
+                  <a:gd name="connsiteY7" fmla="*/ 0 h 3902305"/>
+                  <a:gd name="connsiteX8" fmla="*/ 0 w 1800000"/>
+                  <a:gd name="connsiteY8" fmla="*/ 369329 h 3902305"/>
+                  <a:gd name="connsiteX9" fmla="*/ 0 w 1800000"/>
+                  <a:gd name="connsiteY9" fmla="*/ 369331 h 3902305"/>
+                </a:gdLst>
+                <a:ahLst/>
+                <a:cxnLst>
+                  <a:cxn ang="0">
+                    <a:pos x="connsiteX0" y="connsiteY0"/>
+                  </a:cxn>
+                  <a:cxn ang="0">
+                    <a:pos x="connsiteX1" y="connsiteY1"/>
+                  </a:cxn>
+                  <a:cxn ang="0">
+                    <a:pos x="connsiteX2" y="connsiteY2"/>
+                  </a:cxn>
+                  <a:cxn ang="0">
+                    <a:pos x="connsiteX3" y="connsiteY3"/>
+                  </a:cxn>
+                  <a:cxn ang="0">
+                    <a:pos x="connsiteX4" y="connsiteY4"/>
+                  </a:cxn>
+                  <a:cxn ang="0">
+                    <a:pos x="connsiteX5" y="connsiteY5"/>
+                  </a:cxn>
+                  <a:cxn ang="0">
+                    <a:pos x="connsiteX6" y="connsiteY6"/>
+                  </a:cxn>
+                  <a:cxn ang="0">
+                    <a:pos x="connsiteX7" y="connsiteY7"/>
+                  </a:cxn>
+                  <a:cxn ang="0">
+                    <a:pos x="connsiteX8" y="connsiteY8"/>
+                  </a:cxn>
+                  <a:cxn ang="0">
+                    <a:pos x="connsiteX9" y="connsiteY9"/>
+                  </a:cxn>
+                </a:cxnLst>
+                <a:rect l="l" t="t" r="r" b="b"/>
+                <a:pathLst>
+                  <a:path w="1800000" h="3902305">
+                    <a:moveTo>
+                      <a:pt x="0" y="3902305"/>
+                    </a:moveTo>
+                    <a:lnTo>
+                      <a:pt x="1800000" y="3902305"/>
+                    </a:lnTo>
+                    <a:lnTo>
+                      <a:pt x="1800000" y="370908"/>
+                    </a:lnTo>
+                    <a:lnTo>
+                      <a:pt x="1800000" y="369329"/>
+                    </a:lnTo>
+                    <a:lnTo>
+                      <a:pt x="1800000" y="1577"/>
+                    </a:lnTo>
+                    <a:lnTo>
+                      <a:pt x="903848" y="369329"/>
+                    </a:lnTo>
+                    <a:lnTo>
+                      <a:pt x="899995" y="369329"/>
+                    </a:lnTo>
+                    <a:lnTo>
+                      <a:pt x="0" y="0"/>
+                    </a:lnTo>
+                    <a:lnTo>
+                      <a:pt x="0" y="369329"/>
+                    </a:lnTo>
+                    <a:lnTo>
+                      <a:pt x="0" y="369331"/>
+                    </a:lnTo>
+                    <a:close/>
+                  </a:path>
+                </a:pathLst>
+              </a:custGeom>
+              <a:solidFill>
+                <a:srgbClr val="D50100"/>
+              </a:solidFill>
+              <a:ln w="38100">
+                <a:solidFill>
+                  <a:schemeClr val="tx1"/>
+                </a:solidFill>
+              </a:ln>
+            </p:spPr>
+            <p:style>
+              <a:lnRef idx="2">
+                <a:schemeClr val="accent1">
+                  <a:shade val="50000"/>
+                </a:schemeClr>
+              </a:lnRef>
+              <a:fillRef idx="1">
+                <a:schemeClr val="accent1"/>
+              </a:fillRef>
+              <a:effectRef idx="0">
+                <a:schemeClr val="accent1"/>
+              </a:effectRef>
+              <a:fontRef idx="minor">
+                <a:schemeClr val="lt1"/>
+              </a:fontRef>
+            </p:style>
+            <p:txBody>
+              <a:bodyPr wrap="square" rtlCol="0" anchor="ctr">
+                <a:noAutofit/>
+              </a:bodyPr>
+              <a:lstStyle/>
+              <a:p>
+                <a:pPr algn="ctr"/>
+                <a:endParaRPr lang="ko-KR" altLang="en-US" dirty="0"/>
+              </a:p>
+            </p:txBody>
+          </p:sp>
+          <p:pic>
+            <p:nvPicPr>
+              <p:cNvPr id="9" name="그래픽 8">
+                <a:extLst>
+                  <a:ext uri="{FF2B5EF4-FFF2-40B4-BE49-F238E27FC236}">
+                    <a16:creationId xmlns:a16="http://schemas.microsoft.com/office/drawing/2014/main" id="{0A8951EC-3373-4891-A370-ABAE6E33ED7C}"/>
+                  </a:ext>
+                </a:extLst>
+              </p:cNvPr>
+              <p:cNvPicPr>
+                <a:picLocks noChangeAspect="1"/>
+              </p:cNvPicPr>
+              <p:nvPr/>
+            </p:nvPicPr>
+            <p:blipFill>
+              <a:blip r:embed="rId2" cstate="print">
+                <a:extLst>
+                  <a:ext uri="{28A0092B-C50C-407E-A947-70E740481C1C}">
+                    <a14:useLocalDpi xmlns:a14="http://schemas.microsoft.com/office/drawing/2010/main" val="0"/>
+                  </a:ext>
+                  <a:ext uri="{96DAC541-7B7A-43D3-8B79-37D633B846F1}">
+                    <asvg:svgBlip xmlns:asvg="http://schemas.microsoft.com/office/drawing/2016/SVG/main" r:embed="rId3"/>
+                  </a:ext>
+                </a:extLst>
+              </a:blip>
+              <a:stretch>
+                <a:fillRect/>
+              </a:stretch>
+            </p:blipFill>
+            <p:spPr>
+              <a:xfrm>
+                <a:off x="1500529" y="2318134"/>
+                <a:ext cx="540000" cy="540000"/>
+              </a:xfrm>
+              <a:prstGeom prst="rect">
+                <a:avLst/>
+              </a:prstGeom>
+            </p:spPr>
+          </p:pic>
+        </p:grpSp>
+        <p:sp>
+          <p:nvSpPr>
+            <p:cNvPr id="6" name="TextBox 5">
+              <a:extLst>
+                <a:ext uri="{FF2B5EF4-FFF2-40B4-BE49-F238E27FC236}">
+                  <a16:creationId xmlns:a16="http://schemas.microsoft.com/office/drawing/2014/main" id="{0FB92B62-49C7-4298-94DA-74FDB44F8366}"/>
+                </a:ext>
+              </a:extLst>
+            </p:cNvPr>
+            <p:cNvSpPr txBox="1"/>
+            <p:nvPr/>
+          </p:nvSpPr>
+          <p:spPr>
+            <a:xfrm>
+              <a:off x="995354" y="89416"/>
+              <a:ext cx="2114071" cy="584775"/>
+            </a:xfrm>
+            <a:prstGeom prst="rect">
+              <a:avLst/>
+            </a:prstGeom>
+            <a:noFill/>
+          </p:spPr>
+          <p:txBody>
+            <a:bodyPr wrap="square" rtlCol="0">
+              <a:spAutoFit/>
+            </a:bodyPr>
+            <a:lstStyle/>
+            <a:p>
+              <a:r>
+                <a:rPr lang="ko-KR" altLang="en-US" sz="3200" b="1" dirty="0">
+                  <a:latin typeface="배달의민족 도현" panose="020B0600000101010101" pitchFamily="50" charset="-127"/>
+                  <a:ea typeface="배달의민족 도현" panose="020B0600000101010101" pitchFamily="50" charset="-127"/>
+                </a:rPr>
+                <a:t>팀 소개</a:t>
+              </a:r>
+              <a:endParaRPr lang="ko-KR" altLang="en-US" sz="2400" b="1" dirty="0">
+                <a:latin typeface="배달의민족 도현" panose="020B0600000101010101" pitchFamily="50" charset="-127"/>
+                <a:ea typeface="배달의민족 도현" panose="020B0600000101010101" pitchFamily="50" charset="-127"/>
+              </a:endParaRPr>
+            </a:p>
+          </p:txBody>
+        </p:sp>
+        <p:sp>
+          <p:nvSpPr>
+            <p:cNvPr id="7" name="TextBox 6">
+              <a:extLst>
+                <a:ext uri="{FF2B5EF4-FFF2-40B4-BE49-F238E27FC236}">
+                  <a16:creationId xmlns:a16="http://schemas.microsoft.com/office/drawing/2014/main" id="{7C73B8C6-79C4-4163-8CEC-336A5276103E}"/>
+                </a:ext>
+              </a:extLst>
+            </p:cNvPr>
+            <p:cNvSpPr txBox="1"/>
+            <p:nvPr/>
+          </p:nvSpPr>
+          <p:spPr>
+            <a:xfrm>
+              <a:off x="1081364" y="674191"/>
+              <a:ext cx="1313238" cy="369332"/>
+            </a:xfrm>
+            <a:prstGeom prst="rect">
+              <a:avLst/>
+            </a:prstGeom>
+            <a:noFill/>
+          </p:spPr>
+          <p:txBody>
+            <a:bodyPr wrap="square" rtlCol="0">
+              <a:spAutoFit/>
+            </a:bodyPr>
+            <a:lstStyle/>
+            <a:p>
+              <a:r>
+                <a:rPr lang="ko-KR" altLang="en-US" dirty="0">
+                  <a:latin typeface="배달의민족 도현" panose="020B0600000101010101" pitchFamily="50" charset="-127"/>
+                  <a:ea typeface="배달의민족 도현" panose="020B0600000101010101" pitchFamily="50" charset="-127"/>
+                </a:rPr>
+                <a:t>연구 목표</a:t>
+              </a:r>
+            </a:p>
+          </p:txBody>
+        </p:sp>
+      </p:grpSp>
+      <p:sp>
+        <p:nvSpPr>
+          <p:cNvPr id="11" name="TextBox 10">
+            <a:extLst>
+              <a:ext uri="{FF2B5EF4-FFF2-40B4-BE49-F238E27FC236}">
+                <a16:creationId xmlns:a16="http://schemas.microsoft.com/office/drawing/2014/main" id="{DD1DA344-6625-459D-9FB1-AE923C2FA7F9}"/>
+              </a:ext>
+            </a:extLst>
+          </p:cNvPr>
+          <p:cNvSpPr txBox="1"/>
+          <p:nvPr/>
+        </p:nvSpPr>
+        <p:spPr>
+          <a:xfrm>
+            <a:off x="3538289" y="2467415"/>
+            <a:ext cx="6838950" cy="584775"/>
+          </a:xfrm>
+          <a:prstGeom prst="rect">
+            <a:avLst/>
+          </a:prstGeom>
+          <a:noFill/>
+        </p:spPr>
+        <p:txBody>
+          <a:bodyPr wrap="square" rtlCol="0">
+            <a:spAutoFit/>
+          </a:bodyPr>
+          <a:lstStyle/>
+          <a:p>
+            <a:r>
+              <a:rPr lang="ko-KR" altLang="en-US" sz="3200" dirty="0">
+                <a:solidFill>
+                  <a:srgbClr val="F24444"/>
+                </a:solidFill>
+                <a:latin typeface="배달의민족 도현" panose="020B0600000101010101" pitchFamily="50" charset="-127"/>
+                <a:ea typeface="배달의민족 도현" panose="020B0600000101010101" pitchFamily="50" charset="-127"/>
+              </a:rPr>
+              <a:t>무슨 기술</a:t>
+            </a:r>
+            <a:r>
+              <a:rPr lang="ko-KR" altLang="en-US" sz="3200" dirty="0">
+                <a:latin typeface="배달의민족 도현" panose="020B0600000101010101" pitchFamily="50" charset="-127"/>
+                <a:ea typeface="배달의민족 도현" panose="020B0600000101010101" pitchFamily="50" charset="-127"/>
+              </a:rPr>
+              <a:t>을 이용해 </a:t>
+            </a:r>
+            <a:r>
+              <a:rPr lang="ko-KR" altLang="en-US" sz="3200" dirty="0">
+                <a:solidFill>
+                  <a:srgbClr val="F24444"/>
+                </a:solidFill>
+                <a:latin typeface="배달의민족 도현" panose="020B0600000101010101" pitchFamily="50" charset="-127"/>
+                <a:ea typeface="배달의민족 도현" panose="020B0600000101010101" pitchFamily="50" charset="-127"/>
+              </a:rPr>
+              <a:t>무언가</a:t>
+            </a:r>
+            <a:r>
+              <a:rPr lang="ko-KR" altLang="en-US" sz="3200" dirty="0">
+                <a:latin typeface="배달의민족 도현" panose="020B0600000101010101" pitchFamily="50" charset="-127"/>
+                <a:ea typeface="배달의민족 도현" panose="020B0600000101010101" pitchFamily="50" charset="-127"/>
+              </a:rPr>
+              <a:t>를</a:t>
+            </a:r>
+            <a:endParaRPr lang="ko-KR" altLang="en-US" dirty="0">
+              <a:latin typeface="배달의민족 도현" panose="020B0600000101010101" pitchFamily="50" charset="-127"/>
+              <a:ea typeface="배달의민족 도현" panose="020B0600000101010101" pitchFamily="50" charset="-127"/>
+            </a:endParaRPr>
+          </a:p>
+        </p:txBody>
+      </p:sp>
+      <p:sp>
+        <p:nvSpPr>
+          <p:cNvPr id="13" name="TextBox 12">
+            <a:extLst>
+              <a:ext uri="{FF2B5EF4-FFF2-40B4-BE49-F238E27FC236}">
+                <a16:creationId xmlns:a16="http://schemas.microsoft.com/office/drawing/2014/main" id="{5ADCE17A-B78E-4855-AEAF-8D1A9572FF0D}"/>
+              </a:ext>
+            </a:extLst>
+          </p:cNvPr>
+          <p:cNvSpPr txBox="1"/>
+          <p:nvPr/>
+        </p:nvSpPr>
+        <p:spPr>
+          <a:xfrm>
+            <a:off x="3538289" y="3357083"/>
+            <a:ext cx="6838950" cy="584775"/>
+          </a:xfrm>
+          <a:prstGeom prst="rect">
+            <a:avLst/>
+          </a:prstGeom>
+          <a:noFill/>
+        </p:spPr>
+        <p:txBody>
+          <a:bodyPr wrap="square" rtlCol="0">
+            <a:spAutoFit/>
+          </a:bodyPr>
+          <a:lstStyle/>
+          <a:p>
+            <a:r>
+              <a:rPr lang="ko-KR" altLang="en-US" sz="3200" dirty="0">
+                <a:latin typeface="배달의민족 도현" panose="020B0600000101010101" pitchFamily="50" charset="-127"/>
+                <a:ea typeface="배달의민족 도현" panose="020B0600000101010101" pitchFamily="50" charset="-127"/>
+              </a:rPr>
+              <a:t>시키는 것이 목표입니다</a:t>
+            </a:r>
+            <a:r>
+              <a:rPr lang="en-US" altLang="ko-KR" sz="3200" dirty="0">
+                <a:latin typeface="배달의민족 도현" panose="020B0600000101010101" pitchFamily="50" charset="-127"/>
+                <a:ea typeface="배달의민족 도현" panose="020B0600000101010101" pitchFamily="50" charset="-127"/>
+              </a:rPr>
+              <a:t>~</a:t>
+            </a:r>
+            <a:endParaRPr lang="ko-KR" altLang="en-US" dirty="0">
+              <a:latin typeface="배달의민족 도현" panose="020B0600000101010101" pitchFamily="50" charset="-127"/>
+              <a:ea typeface="배달의민족 도현" panose="020B0600000101010101" pitchFamily="50" charset="-127"/>
+            </a:endParaRPr>
+          </a:p>
+        </p:txBody>
+      </p:sp>
+    </p:spTree>
+    <p:extLst>
+      <p:ext uri="{BB962C8B-B14F-4D97-AF65-F5344CB8AC3E}">
+        <p14:creationId xmlns:p14="http://schemas.microsoft.com/office/powerpoint/2010/main" val="4079568791"/>
+      </p:ext>
+    </p:extLst>
+  </p:cSld>
+  <p:clrMapOvr>
+    <a:masterClrMapping/>
+  </p:clrMapOvr>
+</p:sld>
+</file>
+
+<file path=ppt/slides/slide7.xml><?xml version="1.0" encoding="utf-8"?>
+<p:sld xmlns:a="http://schemas.openxmlformats.org/drawingml/2006/main" xmlns:r="http://schemas.openxmlformats.org/officeDocument/2006/relationships" xmlns:p="http://schemas.openxmlformats.org/presentationml/2006/main">
+  <p:cSld>
+    <p:spTree>
+      <p:nvGrpSpPr>
+        <p:cNvPr id="1" name=""/>
+        <p:cNvGrpSpPr/>
+        <p:nvPr/>
+      </p:nvGrpSpPr>
+      <p:grpSpPr>
+        <a:xfrm>
+          <a:off x="0" y="0"/>
+          <a:ext cx="0" cy="0"/>
+          <a:chOff x="0" y="0"/>
+          <a:chExt cx="0" cy="0"/>
+        </a:xfrm>
+      </p:grpSpPr>
+      <p:sp>
+        <p:nvSpPr>
+          <p:cNvPr id="2" name="슬라이드 번호 개체 틀 1">
+            <a:extLst>
+              <a:ext uri="{FF2B5EF4-FFF2-40B4-BE49-F238E27FC236}">
+                <a16:creationId xmlns:a16="http://schemas.microsoft.com/office/drawing/2014/main" id="{DE27BE1C-FDFC-4E9B-A52F-E8DFE1113ED8}"/>
+              </a:ext>
+            </a:extLst>
+          </p:cNvPr>
+          <p:cNvSpPr>
+            <a:spLocks noGrp="1"/>
+          </p:cNvSpPr>
+          <p:nvPr>
+            <p:ph type="sldNum" sz="quarter" idx="12"/>
+          </p:nvPr>
+        </p:nvSpPr>
+        <p:spPr/>
+        <p:txBody>
+          <a:bodyPr/>
+          <a:lstStyle/>
+          <a:p>
+            <a:fld id="{EAFD5DB9-D65E-4BD5-BFD1-9816D26FC0AE}" type="slidenum">
+              <a:rPr lang="ko-KR" altLang="en-US" smtClean="0"/>
+              <a:t>7</a:t>
+            </a:fld>
+            <a:endParaRPr lang="ko-KR" altLang="en-US"/>
+          </a:p>
+        </p:txBody>
+      </p:sp>
+      <p:grpSp>
+        <p:nvGrpSpPr>
+          <p:cNvPr id="10" name="그룹 9">
+            <a:extLst>
+              <a:ext uri="{FF2B5EF4-FFF2-40B4-BE49-F238E27FC236}">
+                <a16:creationId xmlns:a16="http://schemas.microsoft.com/office/drawing/2014/main" id="{3F04C0F6-5182-4A0C-9F34-B8A76C3261DF}"/>
+              </a:ext>
+            </a:extLst>
+          </p:cNvPr>
+          <p:cNvGrpSpPr/>
+          <p:nvPr/>
+        </p:nvGrpSpPr>
+        <p:grpSpPr>
+          <a:xfrm>
+            <a:off x="-1" y="89416"/>
+            <a:ext cx="3109426" cy="1228387"/>
+            <a:chOff x="-1" y="89416"/>
+            <a:chExt cx="3109426" cy="1228387"/>
+          </a:xfrm>
+        </p:grpSpPr>
+        <p:cxnSp>
+          <p:nvCxnSpPr>
+            <p:cNvPr id="11" name="직선 연결선 10">
+              <a:extLst>
+                <a:ext uri="{FF2B5EF4-FFF2-40B4-BE49-F238E27FC236}">
+                  <a16:creationId xmlns:a16="http://schemas.microsoft.com/office/drawing/2014/main" id="{1CF58698-6A62-4F05-9BE0-58CE2528057F}"/>
+                </a:ext>
+              </a:extLst>
+            </p:cNvPr>
+            <p:cNvCxnSpPr>
+              <a:cxnSpLocks/>
+            </p:cNvCxnSpPr>
+            <p:nvPr/>
+          </p:nvCxnSpPr>
+          <p:spPr>
+            <a:xfrm>
+              <a:off x="-1" y="674192"/>
+              <a:ext cx="3024000" cy="0"/>
+            </a:xfrm>
+            <a:prstGeom prst="line">
+              <a:avLst/>
+            </a:prstGeom>
+            <a:ln w="31750">
+              <a:solidFill>
+                <a:schemeClr val="tx1"/>
+              </a:solidFill>
+            </a:ln>
+          </p:spPr>
+          <p:style>
+            <a:lnRef idx="1">
+              <a:schemeClr val="accent1"/>
+            </a:lnRef>
+            <a:fillRef idx="0">
+              <a:schemeClr val="accent1"/>
+            </a:fillRef>
+            <a:effectRef idx="0">
+              <a:schemeClr val="accent1"/>
+            </a:effectRef>
+            <a:fontRef idx="minor">
+              <a:schemeClr val="tx1"/>
+            </a:fontRef>
+          </p:style>
+        </p:cxnSp>
+        <p:grpSp>
+          <p:nvGrpSpPr>
+            <p:cNvPr id="12" name="그룹 11">
+              <a:extLst>
+                <a:ext uri="{FF2B5EF4-FFF2-40B4-BE49-F238E27FC236}">
+                  <a16:creationId xmlns:a16="http://schemas.microsoft.com/office/drawing/2014/main" id="{FDC0607F-519D-439E-BD1D-54EF8D0343E5}"/>
+                </a:ext>
+              </a:extLst>
+            </p:cNvPr>
+            <p:cNvGrpSpPr/>
+            <p:nvPr/>
+          </p:nvGrpSpPr>
+          <p:grpSpPr>
+            <a:xfrm>
+              <a:off x="180682" y="381803"/>
+              <a:ext cx="720000" cy="936000"/>
+              <a:chOff x="3315529" y="2148709"/>
+              <a:chExt cx="720000" cy="936000"/>
+            </a:xfrm>
+          </p:grpSpPr>
+          <p:sp>
+            <p:nvSpPr>
+              <p:cNvPr id="15" name="자유형: 도형 14">
+                <a:extLst>
+                  <a:ext uri="{FF2B5EF4-FFF2-40B4-BE49-F238E27FC236}">
+                    <a16:creationId xmlns:a16="http://schemas.microsoft.com/office/drawing/2014/main" id="{ABFE0CCE-740F-46EA-9B34-7CDEF87E5491}"/>
+                  </a:ext>
+                </a:extLst>
+              </p:cNvPr>
+              <p:cNvSpPr/>
+              <p:nvPr/>
+            </p:nvSpPr>
+            <p:spPr>
+              <a:xfrm flipV="1">
+                <a:off x="3315529" y="2148709"/>
+                <a:ext cx="720000" cy="936000"/>
+              </a:xfrm>
+              <a:custGeom>
+                <a:avLst/>
+                <a:gdLst>
+                  <a:gd name="connsiteX0" fmla="*/ 0 w 1800000"/>
+                  <a:gd name="connsiteY0" fmla="*/ 3902305 h 3902305"/>
+                  <a:gd name="connsiteX1" fmla="*/ 1800000 w 1800000"/>
+                  <a:gd name="connsiteY1" fmla="*/ 3902305 h 3902305"/>
+                  <a:gd name="connsiteX2" fmla="*/ 1800000 w 1800000"/>
+                  <a:gd name="connsiteY2" fmla="*/ 370908 h 3902305"/>
+                  <a:gd name="connsiteX3" fmla="*/ 1800000 w 1800000"/>
+                  <a:gd name="connsiteY3" fmla="*/ 369329 h 3902305"/>
+                  <a:gd name="connsiteX4" fmla="*/ 1800000 w 1800000"/>
+                  <a:gd name="connsiteY4" fmla="*/ 1577 h 3902305"/>
+                  <a:gd name="connsiteX5" fmla="*/ 903848 w 1800000"/>
+                  <a:gd name="connsiteY5" fmla="*/ 369329 h 3902305"/>
+                  <a:gd name="connsiteX6" fmla="*/ 899995 w 1800000"/>
+                  <a:gd name="connsiteY6" fmla="*/ 369329 h 3902305"/>
+                  <a:gd name="connsiteX7" fmla="*/ 0 w 1800000"/>
+                  <a:gd name="connsiteY7" fmla="*/ 0 h 3902305"/>
+                  <a:gd name="connsiteX8" fmla="*/ 0 w 1800000"/>
+                  <a:gd name="connsiteY8" fmla="*/ 369329 h 3902305"/>
+                  <a:gd name="connsiteX9" fmla="*/ 0 w 1800000"/>
+                  <a:gd name="connsiteY9" fmla="*/ 369331 h 3902305"/>
+                </a:gdLst>
+                <a:ahLst/>
+                <a:cxnLst>
+                  <a:cxn ang="0">
+                    <a:pos x="connsiteX0" y="connsiteY0"/>
+                  </a:cxn>
+                  <a:cxn ang="0">
+                    <a:pos x="connsiteX1" y="connsiteY1"/>
+                  </a:cxn>
+                  <a:cxn ang="0">
+                    <a:pos x="connsiteX2" y="connsiteY2"/>
+                  </a:cxn>
+                  <a:cxn ang="0">
+                    <a:pos x="connsiteX3" y="connsiteY3"/>
+                  </a:cxn>
+                  <a:cxn ang="0">
+                    <a:pos x="connsiteX4" y="connsiteY4"/>
+                  </a:cxn>
+                  <a:cxn ang="0">
+                    <a:pos x="connsiteX5" y="connsiteY5"/>
+                  </a:cxn>
+                  <a:cxn ang="0">
+                    <a:pos x="connsiteX6" y="connsiteY6"/>
+                  </a:cxn>
+                  <a:cxn ang="0">
+                    <a:pos x="connsiteX7" y="connsiteY7"/>
+                  </a:cxn>
+                  <a:cxn ang="0">
+                    <a:pos x="connsiteX8" y="connsiteY8"/>
+                  </a:cxn>
+                  <a:cxn ang="0">
+                    <a:pos x="connsiteX9" y="connsiteY9"/>
+                  </a:cxn>
+                </a:cxnLst>
+                <a:rect l="l" t="t" r="r" b="b"/>
+                <a:pathLst>
+                  <a:path w="1800000" h="3902305">
+                    <a:moveTo>
+                      <a:pt x="0" y="3902305"/>
+                    </a:moveTo>
+                    <a:lnTo>
+                      <a:pt x="1800000" y="3902305"/>
+                    </a:lnTo>
+                    <a:lnTo>
+                      <a:pt x="1800000" y="370908"/>
+                    </a:lnTo>
+                    <a:lnTo>
+                      <a:pt x="1800000" y="369329"/>
+                    </a:lnTo>
+                    <a:lnTo>
+                      <a:pt x="1800000" y="1577"/>
+                    </a:lnTo>
+                    <a:lnTo>
+                      <a:pt x="903848" y="369329"/>
+                    </a:lnTo>
+                    <a:lnTo>
+                      <a:pt x="899995" y="369329"/>
+                    </a:lnTo>
+                    <a:lnTo>
+                      <a:pt x="0" y="0"/>
+                    </a:lnTo>
+                    <a:lnTo>
+                      <a:pt x="0" y="369329"/>
+                    </a:lnTo>
+                    <a:lnTo>
+                      <a:pt x="0" y="369331"/>
+                    </a:lnTo>
+                    <a:close/>
+                  </a:path>
+                </a:pathLst>
+              </a:custGeom>
+              <a:solidFill>
+                <a:srgbClr val="3D91E4"/>
+              </a:solidFill>
+              <a:ln w="38100">
+                <a:solidFill>
+                  <a:schemeClr val="tx1"/>
+                </a:solidFill>
+              </a:ln>
+            </p:spPr>
+            <p:style>
+              <a:lnRef idx="2">
+                <a:schemeClr val="accent1">
+                  <a:shade val="50000"/>
+                </a:schemeClr>
+              </a:lnRef>
+              <a:fillRef idx="1">
+                <a:schemeClr val="accent1"/>
+              </a:fillRef>
+              <a:effectRef idx="0">
+                <a:schemeClr val="accent1"/>
+              </a:effectRef>
+              <a:fontRef idx="minor">
+                <a:schemeClr val="lt1"/>
+              </a:fontRef>
+            </p:style>
+            <p:txBody>
+              <a:bodyPr wrap="square" rtlCol="0" anchor="ctr">
+                <a:noAutofit/>
+              </a:bodyPr>
+              <a:lstStyle/>
+              <a:p>
+                <a:pPr algn="ctr"/>
+                <a:endParaRPr lang="ko-KR" altLang="en-US" dirty="0"/>
+              </a:p>
+            </p:txBody>
+          </p:sp>
+          <p:pic>
+            <p:nvPicPr>
+              <p:cNvPr id="16" name="그래픽 15">
+                <a:extLst>
+                  <a:ext uri="{FF2B5EF4-FFF2-40B4-BE49-F238E27FC236}">
+                    <a16:creationId xmlns:a16="http://schemas.microsoft.com/office/drawing/2014/main" id="{81ADACD6-8255-46A1-AB38-6A1E1F62A5A1}"/>
+                  </a:ext>
+                </a:extLst>
+              </p:cNvPr>
+              <p:cNvPicPr>
+                <a:picLocks noChangeAspect="1"/>
+              </p:cNvPicPr>
+              <p:nvPr/>
+            </p:nvPicPr>
+            <p:blipFill>
+              <a:blip r:embed="rId2" cstate="print">
+                <a:extLst>
+                  <a:ext uri="{28A0092B-C50C-407E-A947-70E740481C1C}">
+                    <a14:useLocalDpi xmlns:a14="http://schemas.microsoft.com/office/drawing/2010/main" val="0"/>
+                  </a:ext>
+                  <a:ext uri="{96DAC541-7B7A-43D3-8B79-37D633B846F1}">
+                    <asvg:svgBlip xmlns:asvg="http://schemas.microsoft.com/office/drawing/2016/SVG/main" r:embed="rId3"/>
+                  </a:ext>
+                </a:extLst>
+              </a:blip>
+              <a:stretch>
+                <a:fillRect/>
+              </a:stretch>
+            </p:blipFill>
+            <p:spPr>
+              <a:xfrm>
+                <a:off x="3405529" y="2318134"/>
+                <a:ext cx="540000" cy="540000"/>
+              </a:xfrm>
+              <a:prstGeom prst="rect">
+                <a:avLst/>
+              </a:prstGeom>
+            </p:spPr>
+          </p:pic>
+        </p:grpSp>
+        <p:sp>
+          <p:nvSpPr>
+            <p:cNvPr id="13" name="TextBox 12">
+              <a:extLst>
+                <a:ext uri="{FF2B5EF4-FFF2-40B4-BE49-F238E27FC236}">
+                  <a16:creationId xmlns:a16="http://schemas.microsoft.com/office/drawing/2014/main" id="{DAA535BE-FBEF-43F4-8BD5-50F729779E84}"/>
+                </a:ext>
+              </a:extLst>
+            </p:cNvPr>
+            <p:cNvSpPr txBox="1"/>
+            <p:nvPr/>
+          </p:nvSpPr>
+          <p:spPr>
+            <a:xfrm>
+              <a:off x="995354" y="89416"/>
+              <a:ext cx="2114071" cy="584775"/>
+            </a:xfrm>
+            <a:prstGeom prst="rect">
+              <a:avLst/>
+            </a:prstGeom>
+            <a:noFill/>
+          </p:spPr>
+          <p:txBody>
+            <a:bodyPr wrap="square" rtlCol="0">
+              <a:spAutoFit/>
+            </a:bodyPr>
+            <a:lstStyle/>
+            <a:p>
+              <a:r>
+                <a:rPr lang="ko-KR" altLang="en-US" sz="3200" b="1" dirty="0">
+                  <a:latin typeface="배달의민족 도현" panose="020B0600000101010101" pitchFamily="50" charset="-127"/>
+                  <a:ea typeface="배달의민족 도현" panose="020B0600000101010101" pitchFamily="50" charset="-127"/>
+                </a:rPr>
+                <a:t>게임 소개</a:t>
+              </a:r>
+              <a:endParaRPr lang="ko-KR" altLang="en-US" sz="2400" b="1" dirty="0">
+                <a:latin typeface="배달의민족 도현" panose="020B0600000101010101" pitchFamily="50" charset="-127"/>
+                <a:ea typeface="배달의민족 도현" panose="020B0600000101010101" pitchFamily="50" charset="-127"/>
+              </a:endParaRPr>
+            </a:p>
+          </p:txBody>
+        </p:sp>
+        <p:sp>
+          <p:nvSpPr>
+            <p:cNvPr id="14" name="TextBox 13">
+              <a:extLst>
+                <a:ext uri="{FF2B5EF4-FFF2-40B4-BE49-F238E27FC236}">
+                  <a16:creationId xmlns:a16="http://schemas.microsoft.com/office/drawing/2014/main" id="{26D58ACF-012A-4458-8928-86184AE328B2}"/>
+                </a:ext>
+              </a:extLst>
+            </p:cNvPr>
+            <p:cNvSpPr txBox="1"/>
+            <p:nvPr/>
+          </p:nvSpPr>
+          <p:spPr>
+            <a:xfrm>
+              <a:off x="1081364" y="674191"/>
+              <a:ext cx="1313238" cy="369332"/>
+            </a:xfrm>
+            <a:prstGeom prst="rect">
+              <a:avLst/>
+            </a:prstGeom>
+            <a:noFill/>
+          </p:spPr>
+          <p:txBody>
+            <a:bodyPr wrap="square" rtlCol="0">
+              <a:spAutoFit/>
+            </a:bodyPr>
+            <a:lstStyle/>
+            <a:p>
+              <a:r>
+                <a:rPr lang="ko-KR" altLang="en-US" dirty="0">
+                  <a:latin typeface="배달의민족 도현" panose="020B0600000101010101" pitchFamily="50" charset="-127"/>
+                  <a:ea typeface="배달의민족 도현" panose="020B0600000101010101" pitchFamily="50" charset="-127"/>
+                </a:rPr>
+                <a:t>스토리</a:t>
+              </a:r>
+            </a:p>
+          </p:txBody>
+        </p:sp>
+      </p:grpSp>
+      <p:sp>
+        <p:nvSpPr>
+          <p:cNvPr id="18" name="TextBox 17">
+            <a:extLst>
+              <a:ext uri="{FF2B5EF4-FFF2-40B4-BE49-F238E27FC236}">
+                <a16:creationId xmlns:a16="http://schemas.microsoft.com/office/drawing/2014/main" id="{FBCFEF0C-0AFF-4C20-81B6-A2903E4E48CC}"/>
+              </a:ext>
+            </a:extLst>
+          </p:cNvPr>
+          <p:cNvSpPr txBox="1"/>
+          <p:nvPr/>
+        </p:nvSpPr>
+        <p:spPr>
+          <a:xfrm>
+            <a:off x="2676525" y="2052158"/>
+            <a:ext cx="6838950" cy="3046988"/>
+          </a:xfrm>
+          <a:prstGeom prst="rect">
+            <a:avLst/>
+          </a:prstGeom>
+          <a:noFill/>
+        </p:spPr>
+        <p:txBody>
+          <a:bodyPr wrap="square" rtlCol="0">
+            <a:spAutoFit/>
+          </a:bodyPr>
+          <a:lstStyle/>
+          <a:p>
+            <a:r>
+              <a:rPr lang="ko-KR" altLang="en-US" sz="3200" dirty="0">
+                <a:latin typeface="배달의민족 도현" panose="020B0600000101010101" pitchFamily="50" charset="-127"/>
+                <a:ea typeface="배달의민족 도현" panose="020B0600000101010101" pitchFamily="50" charset="-127"/>
+              </a:rPr>
+              <a:t>당신은 한 무리를 이끄는 수장이 되어</a:t>
+            </a:r>
+            <a:endParaRPr lang="en-US" altLang="ko-KR" sz="3200" dirty="0">
+              <a:latin typeface="배달의민족 도현" panose="020B0600000101010101" pitchFamily="50" charset="-127"/>
+              <a:ea typeface="배달의민족 도현" panose="020B0600000101010101" pitchFamily="50" charset="-127"/>
+            </a:endParaRPr>
+          </a:p>
+          <a:p>
+            <a:r>
+              <a:rPr lang="ko-KR" altLang="en-US" sz="3200" dirty="0">
+                <a:latin typeface="배달의민족 도현" panose="020B0600000101010101" pitchFamily="50" charset="-127"/>
+                <a:ea typeface="배달의민족 도현" panose="020B0600000101010101" pitchFamily="50" charset="-127"/>
+              </a:rPr>
+              <a:t>대륙을 돌아다니며 여러 의뢰와 </a:t>
+            </a:r>
+            <a:endParaRPr lang="en-US" altLang="ko-KR" sz="3200" dirty="0">
+              <a:latin typeface="배달의민족 도현" panose="020B0600000101010101" pitchFamily="50" charset="-127"/>
+              <a:ea typeface="배달의민족 도현" panose="020B0600000101010101" pitchFamily="50" charset="-127"/>
+            </a:endParaRPr>
+          </a:p>
+          <a:p>
+            <a:r>
+              <a:rPr lang="ko-KR" altLang="en-US" sz="3200" dirty="0">
+                <a:latin typeface="배달의민족 도현" panose="020B0600000101010101" pitchFamily="50" charset="-127"/>
+                <a:ea typeface="배달의민족 도현" panose="020B0600000101010101" pitchFamily="50" charset="-127"/>
+              </a:rPr>
+              <a:t>전쟁을 벌일 수 있습니다</a:t>
+            </a:r>
+            <a:r>
+              <a:rPr lang="en-US" altLang="ko-KR" sz="3200" dirty="0">
+                <a:latin typeface="배달의민족 도현" panose="020B0600000101010101" pitchFamily="50" charset="-127"/>
+                <a:ea typeface="배달의민족 도현" panose="020B0600000101010101" pitchFamily="50" charset="-127"/>
+              </a:rPr>
+              <a:t>. </a:t>
+            </a:r>
+          </a:p>
+          <a:p>
+            <a:endParaRPr lang="en-US" altLang="ko-KR" sz="3200" dirty="0">
+              <a:latin typeface="배달의민족 도현" panose="020B0600000101010101" pitchFamily="50" charset="-127"/>
+              <a:ea typeface="배달의민족 도현" panose="020B0600000101010101" pitchFamily="50" charset="-127"/>
+            </a:endParaRPr>
+          </a:p>
+          <a:p>
+            <a:r>
+              <a:rPr lang="ko-KR" altLang="en-US" sz="3200" dirty="0">
+                <a:latin typeface="배달의민족 도현" panose="020B0600000101010101" pitchFamily="50" charset="-127"/>
+                <a:ea typeface="배달의민족 도현" panose="020B0600000101010101" pitchFamily="50" charset="-127"/>
+              </a:rPr>
+              <a:t>다른 플레이어와 경쟁하여 누가 대륙의 주인인지 결정하십시오</a:t>
+            </a:r>
+            <a:r>
+              <a:rPr lang="en-US" altLang="ko-KR" sz="3200" dirty="0">
+                <a:latin typeface="배달의민족 도현" panose="020B0600000101010101" pitchFamily="50" charset="-127"/>
+                <a:ea typeface="배달의민족 도현" panose="020B0600000101010101" pitchFamily="50" charset="-127"/>
+              </a:rPr>
+              <a:t>.</a:t>
+            </a:r>
+            <a:endParaRPr lang="ko-KR" altLang="en-US" dirty="0">
+              <a:latin typeface="배달의민족 도현" panose="020B0600000101010101" pitchFamily="50" charset="-127"/>
+              <a:ea typeface="배달의민족 도현" panose="020B0600000101010101" pitchFamily="50" charset="-127"/>
+            </a:endParaRPr>
+          </a:p>
+        </p:txBody>
+      </p:sp>
+    </p:spTree>
+    <p:extLst>
+      <p:ext uri="{BB962C8B-B14F-4D97-AF65-F5344CB8AC3E}">
+        <p14:creationId xmlns:p14="http://schemas.microsoft.com/office/powerpoint/2010/main" val="904448897"/>
+      </p:ext>
+    </p:extLst>
+  </p:cSld>
+  <p:clrMapOvr>
+    <a:masterClrMapping/>
+  </p:clrMapOvr>
+</p:sld>
+</file>
+
+<file path=ppt/slides/slide8.xml><?xml version="1.0" encoding="utf-8"?>
+<p:sld xmlns:a="http://schemas.openxmlformats.org/drawingml/2006/main" xmlns:r="http://schemas.openxmlformats.org/officeDocument/2006/relationships" xmlns:p="http://schemas.openxmlformats.org/presentationml/2006/main">
+  <p:cSld>
+    <p:spTree>
+      <p:nvGrpSpPr>
+        <p:cNvPr id="1" name=""/>
+        <p:cNvGrpSpPr/>
+        <p:nvPr/>
+      </p:nvGrpSpPr>
+      <p:grpSpPr>
+        <a:xfrm>
+          <a:off x="0" y="0"/>
+          <a:ext cx="0" cy="0"/>
+          <a:chOff x="0" y="0"/>
+          <a:chExt cx="0" cy="0"/>
+        </a:xfrm>
+      </p:grpSpPr>
+      <p:sp>
+        <p:nvSpPr>
+          <p:cNvPr id="2" name="슬라이드 번호 개체 틀 1">
+            <a:extLst>
+              <a:ext uri="{FF2B5EF4-FFF2-40B4-BE49-F238E27FC236}">
+                <a16:creationId xmlns:a16="http://schemas.microsoft.com/office/drawing/2014/main" id="{DE27BE1C-FDFC-4E9B-A52F-E8DFE1113ED8}"/>
+              </a:ext>
+            </a:extLst>
+          </p:cNvPr>
+          <p:cNvSpPr>
+            <a:spLocks noGrp="1"/>
+          </p:cNvSpPr>
+          <p:nvPr>
+            <p:ph type="sldNum" sz="quarter" idx="12"/>
+          </p:nvPr>
+        </p:nvSpPr>
+        <p:spPr/>
+        <p:txBody>
+          <a:bodyPr/>
+          <a:lstStyle/>
+          <a:p>
+            <a:fld id="{EAFD5DB9-D65E-4BD5-BFD1-9816D26FC0AE}" type="slidenum">
+              <a:rPr lang="ko-KR" altLang="en-US" smtClean="0"/>
+              <a:t>8</a:t>
+            </a:fld>
+            <a:endParaRPr lang="ko-KR" altLang="en-US"/>
+          </a:p>
+        </p:txBody>
+      </p:sp>
+      <p:grpSp>
+        <p:nvGrpSpPr>
+          <p:cNvPr id="10" name="그룹 9">
+            <a:extLst>
+              <a:ext uri="{FF2B5EF4-FFF2-40B4-BE49-F238E27FC236}">
+                <a16:creationId xmlns:a16="http://schemas.microsoft.com/office/drawing/2014/main" id="{3F04C0F6-5182-4A0C-9F34-B8A76C3261DF}"/>
+              </a:ext>
+            </a:extLst>
+          </p:cNvPr>
+          <p:cNvGrpSpPr/>
+          <p:nvPr/>
+        </p:nvGrpSpPr>
+        <p:grpSpPr>
+          <a:xfrm>
+            <a:off x="-1" y="89416"/>
+            <a:ext cx="3109426" cy="1228387"/>
+            <a:chOff x="-1" y="89416"/>
+            <a:chExt cx="3109426" cy="1228387"/>
+          </a:xfrm>
+        </p:grpSpPr>
+        <p:cxnSp>
+          <p:nvCxnSpPr>
+            <p:cNvPr id="11" name="직선 연결선 10">
+              <a:extLst>
+                <a:ext uri="{FF2B5EF4-FFF2-40B4-BE49-F238E27FC236}">
+                  <a16:creationId xmlns:a16="http://schemas.microsoft.com/office/drawing/2014/main" id="{1CF58698-6A62-4F05-9BE0-58CE2528057F}"/>
+                </a:ext>
+              </a:extLst>
+            </p:cNvPr>
+            <p:cNvCxnSpPr>
+              <a:cxnSpLocks/>
+            </p:cNvCxnSpPr>
+            <p:nvPr/>
+          </p:nvCxnSpPr>
+          <p:spPr>
+            <a:xfrm>
+              <a:off x="-1" y="674192"/>
+              <a:ext cx="3024000" cy="0"/>
+            </a:xfrm>
+            <a:prstGeom prst="line">
+              <a:avLst/>
+            </a:prstGeom>
+            <a:ln w="31750">
+              <a:solidFill>
+                <a:schemeClr val="tx1"/>
+              </a:solidFill>
+            </a:ln>
+          </p:spPr>
+          <p:style>
+            <a:lnRef idx="1">
+              <a:schemeClr val="accent1"/>
+            </a:lnRef>
+            <a:fillRef idx="0">
+              <a:schemeClr val="accent1"/>
+            </a:fillRef>
+            <a:effectRef idx="0">
+              <a:schemeClr val="accent1"/>
+            </a:effectRef>
+            <a:fontRef idx="minor">
+              <a:schemeClr val="tx1"/>
+            </a:fontRef>
+          </p:style>
+        </p:cxnSp>
+        <p:grpSp>
+          <p:nvGrpSpPr>
+            <p:cNvPr id="12" name="그룹 11">
+              <a:extLst>
+                <a:ext uri="{FF2B5EF4-FFF2-40B4-BE49-F238E27FC236}">
+                  <a16:creationId xmlns:a16="http://schemas.microsoft.com/office/drawing/2014/main" id="{FDC0607F-519D-439E-BD1D-54EF8D0343E5}"/>
+                </a:ext>
+              </a:extLst>
+            </p:cNvPr>
+            <p:cNvGrpSpPr/>
+            <p:nvPr/>
+          </p:nvGrpSpPr>
+          <p:grpSpPr>
+            <a:xfrm>
+              <a:off x="180682" y="381803"/>
+              <a:ext cx="720000" cy="936000"/>
+              <a:chOff x="3315529" y="2148709"/>
+              <a:chExt cx="720000" cy="936000"/>
+            </a:xfrm>
+          </p:grpSpPr>
+          <p:sp>
+            <p:nvSpPr>
+              <p:cNvPr id="15" name="자유형: 도형 14">
+                <a:extLst>
+                  <a:ext uri="{FF2B5EF4-FFF2-40B4-BE49-F238E27FC236}">
+                    <a16:creationId xmlns:a16="http://schemas.microsoft.com/office/drawing/2014/main" id="{ABFE0CCE-740F-46EA-9B34-7CDEF87E5491}"/>
+                  </a:ext>
+                </a:extLst>
+              </p:cNvPr>
+              <p:cNvSpPr/>
+              <p:nvPr/>
+            </p:nvSpPr>
+            <p:spPr>
+              <a:xfrm flipV="1">
+                <a:off x="3315529" y="2148709"/>
+                <a:ext cx="720000" cy="936000"/>
+              </a:xfrm>
+              <a:custGeom>
+                <a:avLst/>
+                <a:gdLst>
+                  <a:gd name="connsiteX0" fmla="*/ 0 w 1800000"/>
+                  <a:gd name="connsiteY0" fmla="*/ 3902305 h 3902305"/>
+                  <a:gd name="connsiteX1" fmla="*/ 1800000 w 1800000"/>
+                  <a:gd name="connsiteY1" fmla="*/ 3902305 h 3902305"/>
+                  <a:gd name="connsiteX2" fmla="*/ 1800000 w 1800000"/>
+                  <a:gd name="connsiteY2" fmla="*/ 370908 h 3902305"/>
+                  <a:gd name="connsiteX3" fmla="*/ 1800000 w 1800000"/>
+                  <a:gd name="connsiteY3" fmla="*/ 369329 h 3902305"/>
+                  <a:gd name="connsiteX4" fmla="*/ 1800000 w 1800000"/>
+                  <a:gd name="connsiteY4" fmla="*/ 1577 h 3902305"/>
+                  <a:gd name="connsiteX5" fmla="*/ 903848 w 1800000"/>
+                  <a:gd name="connsiteY5" fmla="*/ 369329 h 3902305"/>
+                  <a:gd name="connsiteX6" fmla="*/ 899995 w 1800000"/>
+                  <a:gd name="connsiteY6" fmla="*/ 369329 h 3902305"/>
+                  <a:gd name="connsiteX7" fmla="*/ 0 w 1800000"/>
+                  <a:gd name="connsiteY7" fmla="*/ 0 h 3902305"/>
+                  <a:gd name="connsiteX8" fmla="*/ 0 w 1800000"/>
+                  <a:gd name="connsiteY8" fmla="*/ 369329 h 3902305"/>
+                  <a:gd name="connsiteX9" fmla="*/ 0 w 1800000"/>
+                  <a:gd name="connsiteY9" fmla="*/ 369331 h 3902305"/>
+                </a:gdLst>
+                <a:ahLst/>
+                <a:cxnLst>
+                  <a:cxn ang="0">
+                    <a:pos x="connsiteX0" y="connsiteY0"/>
+                  </a:cxn>
+                  <a:cxn ang="0">
+                    <a:pos x="connsiteX1" y="connsiteY1"/>
+                  </a:cxn>
+                  <a:cxn ang="0">
+                    <a:pos x="connsiteX2" y="connsiteY2"/>
+                  </a:cxn>
+                  <a:cxn ang="0">
+                    <a:pos x="connsiteX3" y="connsiteY3"/>
+                  </a:cxn>
+                  <a:cxn ang="0">
+                    <a:pos x="connsiteX4" y="connsiteY4"/>
+                  </a:cxn>
+                  <a:cxn ang="0">
+                    <a:pos x="connsiteX5" y="connsiteY5"/>
+                  </a:cxn>
+                  <a:cxn ang="0">
+                    <a:pos x="connsiteX6" y="connsiteY6"/>
+                  </a:cxn>
+                  <a:cxn ang="0">
+                    <a:pos x="connsiteX7" y="connsiteY7"/>
+                  </a:cxn>
+                  <a:cxn ang="0">
+                    <a:pos x="connsiteX8" y="connsiteY8"/>
+                  </a:cxn>
+                  <a:cxn ang="0">
+                    <a:pos x="connsiteX9" y="connsiteY9"/>
+                  </a:cxn>
+                </a:cxnLst>
+                <a:rect l="l" t="t" r="r" b="b"/>
+                <a:pathLst>
+                  <a:path w="1800000" h="3902305">
+                    <a:moveTo>
+                      <a:pt x="0" y="3902305"/>
+                    </a:moveTo>
+                    <a:lnTo>
+                      <a:pt x="1800000" y="3902305"/>
+                    </a:lnTo>
+                    <a:lnTo>
+                      <a:pt x="1800000" y="370908"/>
+                    </a:lnTo>
+                    <a:lnTo>
+                      <a:pt x="1800000" y="369329"/>
+                    </a:lnTo>
+                    <a:lnTo>
+                      <a:pt x="1800000" y="1577"/>
+                    </a:lnTo>
+                    <a:lnTo>
+                      <a:pt x="903848" y="369329"/>
+                    </a:lnTo>
+                    <a:lnTo>
+                      <a:pt x="899995" y="369329"/>
+                    </a:lnTo>
+                    <a:lnTo>
+                      <a:pt x="0" y="0"/>
+                    </a:lnTo>
+                    <a:lnTo>
+                      <a:pt x="0" y="369329"/>
+                    </a:lnTo>
+                    <a:lnTo>
+                      <a:pt x="0" y="369331"/>
+                    </a:lnTo>
+                    <a:close/>
+                  </a:path>
+                </a:pathLst>
+              </a:custGeom>
+              <a:solidFill>
+                <a:srgbClr val="3D91E4"/>
+              </a:solidFill>
+              <a:ln w="38100">
+                <a:solidFill>
+                  <a:schemeClr val="tx1"/>
+                </a:solidFill>
+              </a:ln>
+            </p:spPr>
+            <p:style>
+              <a:lnRef idx="2">
+                <a:schemeClr val="accent1">
+                  <a:shade val="50000"/>
+                </a:schemeClr>
+              </a:lnRef>
+              <a:fillRef idx="1">
+                <a:schemeClr val="accent1"/>
+              </a:fillRef>
+              <a:effectRef idx="0">
+                <a:schemeClr val="accent1"/>
+              </a:effectRef>
+              <a:fontRef idx="minor">
+                <a:schemeClr val="lt1"/>
+              </a:fontRef>
+            </p:style>
+            <p:txBody>
+              <a:bodyPr wrap="square" rtlCol="0" anchor="ctr">
+                <a:noAutofit/>
+              </a:bodyPr>
+              <a:lstStyle/>
+              <a:p>
+                <a:pPr algn="ctr"/>
+                <a:endParaRPr lang="ko-KR" altLang="en-US" dirty="0"/>
+              </a:p>
+            </p:txBody>
+          </p:sp>
+          <p:pic>
+            <p:nvPicPr>
+              <p:cNvPr id="16" name="그래픽 15">
+                <a:extLst>
+                  <a:ext uri="{FF2B5EF4-FFF2-40B4-BE49-F238E27FC236}">
+                    <a16:creationId xmlns:a16="http://schemas.microsoft.com/office/drawing/2014/main" id="{81ADACD6-8255-46A1-AB38-6A1E1F62A5A1}"/>
+                  </a:ext>
+                </a:extLst>
+              </p:cNvPr>
+              <p:cNvPicPr>
+                <a:picLocks noChangeAspect="1"/>
+              </p:cNvPicPr>
+              <p:nvPr/>
+            </p:nvPicPr>
+            <p:blipFill>
+              <a:blip r:embed="rId2" cstate="print">
+                <a:extLst>
+                  <a:ext uri="{28A0092B-C50C-407E-A947-70E740481C1C}">
+                    <a14:useLocalDpi xmlns:a14="http://schemas.microsoft.com/office/drawing/2010/main" val="0"/>
+                  </a:ext>
+                  <a:ext uri="{96DAC541-7B7A-43D3-8B79-37D633B846F1}">
+                    <asvg:svgBlip xmlns:asvg="http://schemas.microsoft.com/office/drawing/2016/SVG/main" r:embed="rId3"/>
+                  </a:ext>
+                </a:extLst>
+              </a:blip>
+              <a:stretch>
+                <a:fillRect/>
+              </a:stretch>
+            </p:blipFill>
+            <p:spPr>
+              <a:xfrm>
+                <a:off x="3405529" y="2318134"/>
+                <a:ext cx="540000" cy="540000"/>
+              </a:xfrm>
+              <a:prstGeom prst="rect">
+                <a:avLst/>
+              </a:prstGeom>
+            </p:spPr>
+          </p:pic>
+        </p:grpSp>
+        <p:sp>
+          <p:nvSpPr>
+            <p:cNvPr id="13" name="TextBox 12">
+              <a:extLst>
+                <a:ext uri="{FF2B5EF4-FFF2-40B4-BE49-F238E27FC236}">
+                  <a16:creationId xmlns:a16="http://schemas.microsoft.com/office/drawing/2014/main" id="{DAA535BE-FBEF-43F4-8BD5-50F729779E84}"/>
+                </a:ext>
+              </a:extLst>
+            </p:cNvPr>
+            <p:cNvSpPr txBox="1"/>
+            <p:nvPr/>
+          </p:nvSpPr>
+          <p:spPr>
+            <a:xfrm>
+              <a:off x="995354" y="89416"/>
+              <a:ext cx="2114071" cy="584775"/>
+            </a:xfrm>
+            <a:prstGeom prst="rect">
+              <a:avLst/>
+            </a:prstGeom>
+            <a:noFill/>
+          </p:spPr>
+          <p:txBody>
+            <a:bodyPr wrap="square" rtlCol="0">
+              <a:spAutoFit/>
+            </a:bodyPr>
+            <a:lstStyle/>
+            <a:p>
+              <a:r>
+                <a:rPr lang="ko-KR" altLang="en-US" sz="3200" b="1" dirty="0">
+                  <a:latin typeface="배달의민족 도현" panose="020B0600000101010101" pitchFamily="50" charset="-127"/>
+                  <a:ea typeface="배달의민족 도현" panose="020B0600000101010101" pitchFamily="50" charset="-127"/>
+                </a:rPr>
+                <a:t>게임 소개</a:t>
+              </a:r>
+              <a:endParaRPr lang="ko-KR" altLang="en-US" sz="2400" b="1" dirty="0">
+                <a:latin typeface="배달의민족 도현" panose="020B0600000101010101" pitchFamily="50" charset="-127"/>
+                <a:ea typeface="배달의민족 도현" panose="020B0600000101010101" pitchFamily="50" charset="-127"/>
+              </a:endParaRPr>
+            </a:p>
+          </p:txBody>
+        </p:sp>
+        <p:sp>
+          <p:nvSpPr>
+            <p:cNvPr id="14" name="TextBox 13">
+              <a:extLst>
+                <a:ext uri="{FF2B5EF4-FFF2-40B4-BE49-F238E27FC236}">
+                  <a16:creationId xmlns:a16="http://schemas.microsoft.com/office/drawing/2014/main" id="{26D58ACF-012A-4458-8928-86184AE328B2}"/>
+                </a:ext>
+              </a:extLst>
+            </p:cNvPr>
+            <p:cNvSpPr txBox="1"/>
+            <p:nvPr/>
+          </p:nvSpPr>
+          <p:spPr>
+            <a:xfrm>
+              <a:off x="1081364" y="674191"/>
+              <a:ext cx="1313238" cy="369332"/>
+            </a:xfrm>
+            <a:prstGeom prst="rect">
+              <a:avLst/>
+            </a:prstGeom>
+            <a:noFill/>
+          </p:spPr>
+          <p:txBody>
+            <a:bodyPr wrap="square" rtlCol="0">
+              <a:spAutoFit/>
+            </a:bodyPr>
+            <a:lstStyle/>
+            <a:p>
+              <a:r>
+                <a:rPr lang="ko-KR" altLang="en-US" dirty="0">
+                  <a:latin typeface="배달의민족 도현" panose="020B0600000101010101" pitchFamily="50" charset="-127"/>
+                  <a:ea typeface="배달의민족 도현" panose="020B0600000101010101" pitchFamily="50" charset="-127"/>
+                </a:rPr>
+                <a:t>조작키</a:t>
+              </a:r>
+            </a:p>
+          </p:txBody>
+        </p:sp>
+      </p:grpSp>
+      <p:sp>
+        <p:nvSpPr>
+          <p:cNvPr id="3" name="TextBox 2">
+            <a:extLst>
+              <a:ext uri="{FF2B5EF4-FFF2-40B4-BE49-F238E27FC236}">
+                <a16:creationId xmlns:a16="http://schemas.microsoft.com/office/drawing/2014/main" id="{8EB42C71-757C-41C9-A7FC-9E0A11765460}"/>
+              </a:ext>
+            </a:extLst>
+          </p:cNvPr>
+          <p:cNvSpPr txBox="1"/>
+          <p:nvPr/>
+        </p:nvSpPr>
+        <p:spPr>
+          <a:xfrm>
+            <a:off x="8986589" y="5771575"/>
+            <a:ext cx="2367211" cy="584775"/>
+          </a:xfrm>
+          <a:prstGeom prst="rect">
+            <a:avLst/>
+          </a:prstGeom>
+          <a:noFill/>
+        </p:spPr>
+        <p:txBody>
+          <a:bodyPr wrap="square" rtlCol="0">
+            <a:spAutoFit/>
+          </a:bodyPr>
+          <a:lstStyle/>
+          <a:p>
+            <a:r>
+              <a:rPr lang="ko-KR" altLang="en-US" sz="3200" dirty="0">
+                <a:latin typeface="배달의민족 도현" panose="020B0600000101010101" pitchFamily="50" charset="-127"/>
+                <a:ea typeface="배달의민족 도현" panose="020B0600000101010101" pitchFamily="50" charset="-127"/>
+              </a:rPr>
+              <a:t>조작키 미정</a:t>
+            </a:r>
+            <a:endParaRPr lang="ko-KR" altLang="en-US" dirty="0">
+              <a:latin typeface="배달의민족 도현" panose="020B0600000101010101" pitchFamily="50" charset="-127"/>
+              <a:ea typeface="배달의민족 도현" panose="020B0600000101010101" pitchFamily="50" charset="-127"/>
+            </a:endParaRPr>
+          </a:p>
+        </p:txBody>
+      </p:sp>
+      <p:pic>
+        <p:nvPicPr>
+          <p:cNvPr id="19" name="그림 18" descr="아두이노 키보드 만들기 - 01. 키보드 스위치 준비">
+            <a:extLst>
+              <a:ext uri="{FF2B5EF4-FFF2-40B4-BE49-F238E27FC236}">
+                <a16:creationId xmlns:a16="http://schemas.microsoft.com/office/drawing/2014/main" id="{E630D500-87C8-4F36-9330-4668E438FCE5}"/>
+              </a:ext>
+            </a:extLst>
+          </p:cNvPr>
+          <p:cNvPicPr>
+            <a:picLocks noChangeAspect="1"/>
+          </p:cNvPicPr>
+          <p:nvPr/>
+        </p:nvPicPr>
+        <p:blipFill>
+          <a:blip r:embed="rId4">
+            <a:extLst>
+              <a:ext uri="{28A0092B-C50C-407E-A947-70E740481C1C}">
+                <a14:useLocalDpi xmlns:a14="http://schemas.microsoft.com/office/drawing/2010/main" val="0"/>
+              </a:ext>
+            </a:extLst>
+          </a:blip>
+          <a:srcRect/>
+          <a:stretch>
+            <a:fillRect/>
+          </a:stretch>
+        </p:blipFill>
+        <p:spPr bwMode="auto">
+          <a:xfrm>
+            <a:off x="1635824" y="1639572"/>
+            <a:ext cx="6300000" cy="2493373"/>
+          </a:xfrm>
+          <a:prstGeom prst="rect">
+            <a:avLst/>
+          </a:prstGeom>
+          <a:noFill/>
+          <a:ln>
+            <a:noFill/>
+          </a:ln>
+        </p:spPr>
+      </p:pic>
+      <p:pic>
+        <p:nvPicPr>
+          <p:cNvPr id="26" name="그림 25">
+            <a:extLst>
+              <a:ext uri="{FF2B5EF4-FFF2-40B4-BE49-F238E27FC236}">
+                <a16:creationId xmlns:a16="http://schemas.microsoft.com/office/drawing/2014/main" id="{B6BC4561-777A-43E3-AEA2-F0B79AAFB3B6}"/>
+              </a:ext>
+            </a:extLst>
+          </p:cNvPr>
+          <p:cNvPicPr>
+            <a:picLocks noChangeAspect="1"/>
+          </p:cNvPicPr>
+          <p:nvPr/>
+        </p:nvPicPr>
+        <p:blipFill>
+          <a:blip r:embed="rId5" cstate="print">
+            <a:extLst>
+              <a:ext uri="{28A0092B-C50C-407E-A947-70E740481C1C}">
+                <a14:useLocalDpi xmlns:a14="http://schemas.microsoft.com/office/drawing/2010/main" val="0"/>
+              </a:ext>
+            </a:extLst>
+          </a:blip>
+          <a:srcRect/>
+          <a:stretch>
+            <a:fillRect/>
+          </a:stretch>
+        </p:blipFill>
+        <p:spPr bwMode="auto">
+          <a:xfrm>
+            <a:off x="8520370" y="1696905"/>
+            <a:ext cx="2378706" cy="2378706"/>
+          </a:xfrm>
+          <a:prstGeom prst="rect">
+            <a:avLst/>
+          </a:prstGeom>
+          <a:noFill/>
+          <a:ln>
+            <a:noFill/>
+          </a:ln>
+        </p:spPr>
+      </p:pic>
+    </p:spTree>
+    <p:extLst>
+      <p:ext uri="{BB962C8B-B14F-4D97-AF65-F5344CB8AC3E}">
+        <p14:creationId xmlns:p14="http://schemas.microsoft.com/office/powerpoint/2010/main" val="2121395323"/>
+      </p:ext>
+    </p:extLst>
+  </p:cSld>
+  <p:clrMapOvr>
+    <a:masterClrMapping/>
+  </p:clrMapOvr>
+</p:sld>
+</file>
+
+<file path=ppt/slides/slide9.xml><?xml version="1.0" encoding="utf-8"?>
+<p:sld xmlns:a="http://schemas.openxmlformats.org/drawingml/2006/main" xmlns:r="http://schemas.openxmlformats.org/officeDocument/2006/relationships" xmlns:p="http://schemas.openxmlformats.org/presentationml/2006/main">
+  <p:cSld>
+    <p:spTree>
+      <p:nvGrpSpPr>
+        <p:cNvPr id="1" name=""/>
+        <p:cNvGrpSpPr/>
+        <p:nvPr/>
+      </p:nvGrpSpPr>
+      <p:grpSpPr>
+        <a:xfrm>
+          <a:off x="0" y="0"/>
+          <a:ext cx="0" cy="0"/>
+          <a:chOff x="0" y="0"/>
+          <a:chExt cx="0" cy="0"/>
+        </a:xfrm>
+      </p:grpSpPr>
+      <p:sp>
+        <p:nvSpPr>
+          <p:cNvPr id="2" name="슬라이드 번호 개체 틀 1">
+            <a:extLst>
+              <a:ext uri="{FF2B5EF4-FFF2-40B4-BE49-F238E27FC236}">
+                <a16:creationId xmlns:a16="http://schemas.microsoft.com/office/drawing/2014/main" id="{DE27BE1C-FDFC-4E9B-A52F-E8DFE1113ED8}"/>
+              </a:ext>
+            </a:extLst>
+          </p:cNvPr>
+          <p:cNvSpPr>
+            <a:spLocks noGrp="1"/>
+          </p:cNvSpPr>
+          <p:nvPr>
+            <p:ph type="sldNum" sz="quarter" idx="12"/>
+          </p:nvPr>
+        </p:nvSpPr>
+        <p:spPr/>
+        <p:txBody>
+          <a:bodyPr/>
+          <a:lstStyle/>
+          <a:p>
+            <a:fld id="{EAFD5DB9-D65E-4BD5-BFD1-9816D26FC0AE}" type="slidenum">
+              <a:rPr lang="ko-KR" altLang="en-US" smtClean="0"/>
+              <a:t>9</a:t>
+            </a:fld>
+            <a:endParaRPr lang="ko-KR" altLang="en-US" dirty="0"/>
+          </a:p>
+        </p:txBody>
+      </p:sp>
+      <p:grpSp>
+        <p:nvGrpSpPr>
+          <p:cNvPr id="10" name="그룹 9">
+            <a:extLst>
+              <a:ext uri="{FF2B5EF4-FFF2-40B4-BE49-F238E27FC236}">
+                <a16:creationId xmlns:a16="http://schemas.microsoft.com/office/drawing/2014/main" id="{3F04C0F6-5182-4A0C-9F34-B8A76C3261DF}"/>
+              </a:ext>
+            </a:extLst>
+          </p:cNvPr>
+          <p:cNvGrpSpPr/>
+          <p:nvPr/>
+        </p:nvGrpSpPr>
+        <p:grpSpPr>
+          <a:xfrm>
+            <a:off x="-1" y="89416"/>
+            <a:ext cx="3109426" cy="1228387"/>
+            <a:chOff x="-1" y="89416"/>
+            <a:chExt cx="3109426" cy="1228387"/>
+          </a:xfrm>
+        </p:grpSpPr>
+        <p:cxnSp>
+          <p:nvCxnSpPr>
+            <p:cNvPr id="11" name="직선 연결선 10">
+              <a:extLst>
+                <a:ext uri="{FF2B5EF4-FFF2-40B4-BE49-F238E27FC236}">
+                  <a16:creationId xmlns:a16="http://schemas.microsoft.com/office/drawing/2014/main" id="{1CF58698-6A62-4F05-9BE0-58CE2528057F}"/>
+                </a:ext>
+              </a:extLst>
+            </p:cNvPr>
+            <p:cNvCxnSpPr>
+              <a:cxnSpLocks/>
+            </p:cNvCxnSpPr>
+            <p:nvPr/>
+          </p:nvCxnSpPr>
+          <p:spPr>
+            <a:xfrm>
+              <a:off x="-1" y="674192"/>
+              <a:ext cx="3024000" cy="0"/>
+            </a:xfrm>
+            <a:prstGeom prst="line">
+              <a:avLst/>
+            </a:prstGeom>
+            <a:ln w="31750">
+              <a:solidFill>
+                <a:schemeClr val="tx1"/>
+              </a:solidFill>
+            </a:ln>
+          </p:spPr>
+          <p:style>
+            <a:lnRef idx="1">
+              <a:schemeClr val="accent1"/>
+            </a:lnRef>
+            <a:fillRef idx="0">
+              <a:schemeClr val="accent1"/>
+            </a:fillRef>
+            <a:effectRef idx="0">
+              <a:schemeClr val="accent1"/>
+            </a:effectRef>
+            <a:fontRef idx="minor">
+              <a:schemeClr val="tx1"/>
+            </a:fontRef>
+          </p:style>
+        </p:cxnSp>
+        <p:grpSp>
+          <p:nvGrpSpPr>
+            <p:cNvPr id="12" name="그룹 11">
+              <a:extLst>
+                <a:ext uri="{FF2B5EF4-FFF2-40B4-BE49-F238E27FC236}">
+                  <a16:creationId xmlns:a16="http://schemas.microsoft.com/office/drawing/2014/main" id="{FDC0607F-519D-439E-BD1D-54EF8D0343E5}"/>
+                </a:ext>
+              </a:extLst>
+            </p:cNvPr>
+            <p:cNvGrpSpPr/>
+            <p:nvPr/>
+          </p:nvGrpSpPr>
+          <p:grpSpPr>
+            <a:xfrm>
+              <a:off x="180682" y="381803"/>
+              <a:ext cx="720000" cy="936000"/>
+              <a:chOff x="3315529" y="2148709"/>
+              <a:chExt cx="720000" cy="936000"/>
+            </a:xfrm>
+          </p:grpSpPr>
+          <p:sp>
+            <p:nvSpPr>
+              <p:cNvPr id="15" name="자유형: 도형 14">
+                <a:extLst>
+                  <a:ext uri="{FF2B5EF4-FFF2-40B4-BE49-F238E27FC236}">
+                    <a16:creationId xmlns:a16="http://schemas.microsoft.com/office/drawing/2014/main" id="{ABFE0CCE-740F-46EA-9B34-7CDEF87E5491}"/>
+                  </a:ext>
+                </a:extLst>
+              </p:cNvPr>
+              <p:cNvSpPr/>
+              <p:nvPr/>
+            </p:nvSpPr>
+            <p:spPr>
+              <a:xfrm flipV="1">
+                <a:off x="3315529" y="2148709"/>
+                <a:ext cx="720000" cy="936000"/>
+              </a:xfrm>
+              <a:custGeom>
+                <a:avLst/>
+                <a:gdLst>
+                  <a:gd name="connsiteX0" fmla="*/ 0 w 1800000"/>
+                  <a:gd name="connsiteY0" fmla="*/ 3902305 h 3902305"/>
+                  <a:gd name="connsiteX1" fmla="*/ 1800000 w 1800000"/>
+                  <a:gd name="connsiteY1" fmla="*/ 3902305 h 3902305"/>
+                  <a:gd name="connsiteX2" fmla="*/ 1800000 w 1800000"/>
+                  <a:gd name="connsiteY2" fmla="*/ 370908 h 3902305"/>
+                  <a:gd name="connsiteX3" fmla="*/ 1800000 w 1800000"/>
+                  <a:gd name="connsiteY3" fmla="*/ 369329 h 3902305"/>
+                  <a:gd name="connsiteX4" fmla="*/ 1800000 w 1800000"/>
+                  <a:gd name="connsiteY4" fmla="*/ 1577 h 3902305"/>
+                  <a:gd name="connsiteX5" fmla="*/ 903848 w 1800000"/>
+                  <a:gd name="connsiteY5" fmla="*/ 369329 h 3902305"/>
+                  <a:gd name="connsiteX6" fmla="*/ 899995 w 1800000"/>
+                  <a:gd name="connsiteY6" fmla="*/ 369329 h 3902305"/>
+                  <a:gd name="connsiteX7" fmla="*/ 0 w 1800000"/>
+                  <a:gd name="connsiteY7" fmla="*/ 0 h 3902305"/>
+                  <a:gd name="connsiteX8" fmla="*/ 0 w 1800000"/>
+                  <a:gd name="connsiteY8" fmla="*/ 369329 h 3902305"/>
+                  <a:gd name="connsiteX9" fmla="*/ 0 w 1800000"/>
+                  <a:gd name="connsiteY9" fmla="*/ 369331 h 3902305"/>
+                </a:gdLst>
+                <a:ahLst/>
+                <a:cxnLst>
+                  <a:cxn ang="0">
+                    <a:pos x="connsiteX0" y="connsiteY0"/>
+                  </a:cxn>
+                  <a:cxn ang="0">
+                    <a:pos x="connsiteX1" y="connsiteY1"/>
+                  </a:cxn>
+                  <a:cxn ang="0">
+                    <a:pos x="connsiteX2" y="connsiteY2"/>
+                  </a:cxn>
+                  <a:cxn ang="0">
+                    <a:pos x="connsiteX3" y="connsiteY3"/>
+                  </a:cxn>
+                  <a:cxn ang="0">
+                    <a:pos x="connsiteX4" y="connsiteY4"/>
+                  </a:cxn>
+                  <a:cxn ang="0">
+                    <a:pos x="connsiteX5" y="connsiteY5"/>
+                  </a:cxn>
+                  <a:cxn ang="0">
+                    <a:pos x="connsiteX6" y="connsiteY6"/>
+                  </a:cxn>
+                  <a:cxn ang="0">
+                    <a:pos x="connsiteX7" y="connsiteY7"/>
+                  </a:cxn>
+                  <a:cxn ang="0">
+                    <a:pos x="connsiteX8" y="connsiteY8"/>
+                  </a:cxn>
+                  <a:cxn ang="0">
+                    <a:pos x="connsiteX9" y="connsiteY9"/>
+                  </a:cxn>
+                </a:cxnLst>
+                <a:rect l="l" t="t" r="r" b="b"/>
+                <a:pathLst>
+                  <a:path w="1800000" h="3902305">
+                    <a:moveTo>
+                      <a:pt x="0" y="3902305"/>
+                    </a:moveTo>
+                    <a:lnTo>
+                      <a:pt x="1800000" y="3902305"/>
+                    </a:lnTo>
+                    <a:lnTo>
+                      <a:pt x="1800000" y="370908"/>
+                    </a:lnTo>
+                    <a:lnTo>
+                      <a:pt x="1800000" y="369329"/>
+                    </a:lnTo>
+                    <a:lnTo>
+                      <a:pt x="1800000" y="1577"/>
+                    </a:lnTo>
+                    <a:lnTo>
+                      <a:pt x="903848" y="369329"/>
+                    </a:lnTo>
+                    <a:lnTo>
+                      <a:pt x="899995" y="369329"/>
+                    </a:lnTo>
+                    <a:lnTo>
+                      <a:pt x="0" y="0"/>
+                    </a:lnTo>
+                    <a:lnTo>
+                      <a:pt x="0" y="369329"/>
+                    </a:lnTo>
+                    <a:lnTo>
+                      <a:pt x="0" y="369331"/>
+                    </a:lnTo>
+                    <a:close/>
+                  </a:path>
+                </a:pathLst>
+              </a:custGeom>
+              <a:solidFill>
+                <a:srgbClr val="3D91E4"/>
+              </a:solidFill>
+              <a:ln w="38100">
+                <a:solidFill>
+                  <a:schemeClr val="tx1"/>
+                </a:solidFill>
+              </a:ln>
+            </p:spPr>
+            <p:style>
+              <a:lnRef idx="2">
+                <a:schemeClr val="accent1">
+                  <a:shade val="50000"/>
+                </a:schemeClr>
+              </a:lnRef>
+              <a:fillRef idx="1">
+                <a:schemeClr val="accent1"/>
+              </a:fillRef>
+              <a:effectRef idx="0">
+                <a:schemeClr val="accent1"/>
+              </a:effectRef>
+              <a:fontRef idx="minor">
+                <a:schemeClr val="lt1"/>
+              </a:fontRef>
+            </p:style>
+            <p:txBody>
+              <a:bodyPr wrap="square" rtlCol="0" anchor="ctr">
+                <a:noAutofit/>
+              </a:bodyPr>
+              <a:lstStyle/>
+              <a:p>
+                <a:pPr algn="ctr"/>
+                <a:endParaRPr lang="ko-KR" altLang="en-US" dirty="0"/>
+              </a:p>
+            </p:txBody>
+          </p:sp>
+          <p:pic>
+            <p:nvPicPr>
+              <p:cNvPr id="16" name="그래픽 15">
+                <a:extLst>
+                  <a:ext uri="{FF2B5EF4-FFF2-40B4-BE49-F238E27FC236}">
+                    <a16:creationId xmlns:a16="http://schemas.microsoft.com/office/drawing/2014/main" id="{81ADACD6-8255-46A1-AB38-6A1E1F62A5A1}"/>
+                  </a:ext>
+                </a:extLst>
+              </p:cNvPr>
+              <p:cNvPicPr>
+                <a:picLocks noChangeAspect="1"/>
+              </p:cNvPicPr>
+              <p:nvPr/>
+            </p:nvPicPr>
+            <p:blipFill>
+              <a:blip r:embed="rId2" cstate="print">
+                <a:extLst>
+                  <a:ext uri="{28A0092B-C50C-407E-A947-70E740481C1C}">
+                    <a14:useLocalDpi xmlns:a14="http://schemas.microsoft.com/office/drawing/2010/main" val="0"/>
+                  </a:ext>
+                  <a:ext uri="{96DAC541-7B7A-43D3-8B79-37D633B846F1}">
+                    <asvg:svgBlip xmlns:asvg="http://schemas.microsoft.com/office/drawing/2016/SVG/main" r:embed="rId3"/>
+                  </a:ext>
+                </a:extLst>
+              </a:blip>
+              <a:stretch>
+                <a:fillRect/>
+              </a:stretch>
+            </p:blipFill>
+            <p:spPr>
+              <a:xfrm>
+                <a:off x="3405529" y="2318134"/>
+                <a:ext cx="540000" cy="540000"/>
+              </a:xfrm>
+              <a:prstGeom prst="rect">
+                <a:avLst/>
+              </a:prstGeom>
+            </p:spPr>
+          </p:pic>
+        </p:grpSp>
+        <p:sp>
+          <p:nvSpPr>
+            <p:cNvPr id="13" name="TextBox 12">
+              <a:extLst>
+                <a:ext uri="{FF2B5EF4-FFF2-40B4-BE49-F238E27FC236}">
+                  <a16:creationId xmlns:a16="http://schemas.microsoft.com/office/drawing/2014/main" id="{DAA535BE-FBEF-43F4-8BD5-50F729779E84}"/>
+                </a:ext>
+              </a:extLst>
+            </p:cNvPr>
+            <p:cNvSpPr txBox="1"/>
+            <p:nvPr/>
+          </p:nvSpPr>
+          <p:spPr>
+            <a:xfrm>
+              <a:off x="995354" y="89416"/>
+              <a:ext cx="2114071" cy="584775"/>
+            </a:xfrm>
+            <a:prstGeom prst="rect">
+              <a:avLst/>
+            </a:prstGeom>
+            <a:noFill/>
+          </p:spPr>
+          <p:txBody>
+            <a:bodyPr wrap="square" rtlCol="0">
+              <a:spAutoFit/>
+            </a:bodyPr>
+            <a:lstStyle/>
+            <a:p>
+              <a:r>
+                <a:rPr lang="ko-KR" altLang="en-US" sz="3200" b="1" dirty="0">
+                  <a:latin typeface="배달의민족 도현" panose="020B0600000101010101" pitchFamily="50" charset="-127"/>
+                  <a:ea typeface="배달의민족 도현" panose="020B0600000101010101" pitchFamily="50" charset="-127"/>
+                </a:rPr>
+                <a:t>게임 소개</a:t>
+              </a:r>
+              <a:endParaRPr lang="ko-KR" altLang="en-US" sz="2400" b="1" dirty="0">
+                <a:latin typeface="배달의민족 도현" panose="020B0600000101010101" pitchFamily="50" charset="-127"/>
+                <a:ea typeface="배달의민족 도현" panose="020B0600000101010101" pitchFamily="50" charset="-127"/>
+              </a:endParaRPr>
+            </a:p>
+          </p:txBody>
+        </p:sp>
+        <p:sp>
+          <p:nvSpPr>
+            <p:cNvPr id="14" name="TextBox 13">
+              <a:extLst>
+                <a:ext uri="{FF2B5EF4-FFF2-40B4-BE49-F238E27FC236}">
+                  <a16:creationId xmlns:a16="http://schemas.microsoft.com/office/drawing/2014/main" id="{26D58ACF-012A-4458-8928-86184AE328B2}"/>
+                </a:ext>
+              </a:extLst>
+            </p:cNvPr>
+            <p:cNvSpPr txBox="1"/>
+            <p:nvPr/>
+          </p:nvSpPr>
+          <p:spPr>
+            <a:xfrm>
+              <a:off x="1081364" y="674191"/>
+              <a:ext cx="1313238" cy="369332"/>
+            </a:xfrm>
+            <a:prstGeom prst="rect">
+              <a:avLst/>
+            </a:prstGeom>
+            <a:noFill/>
+          </p:spPr>
+          <p:txBody>
+            <a:bodyPr wrap="square" rtlCol="0">
+              <a:spAutoFit/>
+            </a:bodyPr>
+            <a:lstStyle/>
+            <a:p>
+              <a:r>
+                <a:rPr lang="ko-KR" altLang="en-US" dirty="0">
+                  <a:latin typeface="배달의민족 도현" panose="020B0600000101010101" pitchFamily="50" charset="-127"/>
+                  <a:ea typeface="배달의민족 도현" panose="020B0600000101010101" pitchFamily="50" charset="-127"/>
+                </a:rPr>
+                <a:t>스케일</a:t>
+              </a:r>
+            </a:p>
+          </p:txBody>
+        </p:sp>
+      </p:grpSp>
+      <p:sp>
+        <p:nvSpPr>
+          <p:cNvPr id="3" name="TextBox 2">
+            <a:extLst>
+              <a:ext uri="{FF2B5EF4-FFF2-40B4-BE49-F238E27FC236}">
+                <a16:creationId xmlns:a16="http://schemas.microsoft.com/office/drawing/2014/main" id="{A3E2C8BB-9BCE-47FE-AF8B-75F01262B189}"/>
+              </a:ext>
+            </a:extLst>
+          </p:cNvPr>
+          <p:cNvSpPr txBox="1"/>
+          <p:nvPr/>
+        </p:nvSpPr>
+        <p:spPr>
+          <a:xfrm>
+            <a:off x="8986589" y="5771575"/>
+            <a:ext cx="2367211" cy="584775"/>
+          </a:xfrm>
+          <a:prstGeom prst="rect">
+            <a:avLst/>
+          </a:prstGeom>
+          <a:noFill/>
+        </p:spPr>
+        <p:txBody>
+          <a:bodyPr wrap="square" rtlCol="0">
+            <a:spAutoFit/>
+          </a:bodyPr>
+          <a:lstStyle/>
+          <a:p>
+            <a:r>
+              <a:rPr lang="ko-KR" altLang="en-US" sz="3200">
+                <a:latin typeface="배달의민족 도현" panose="020B0600000101010101" pitchFamily="50" charset="-127"/>
+                <a:ea typeface="배달의민족 도현" panose="020B0600000101010101" pitchFamily="50" charset="-127"/>
+              </a:rPr>
+              <a:t>스케일 </a:t>
+            </a:r>
+            <a:r>
+              <a:rPr lang="ko-KR" altLang="en-US" sz="3200" dirty="0">
+                <a:latin typeface="배달의민족 도현" panose="020B0600000101010101" pitchFamily="50" charset="-127"/>
+                <a:ea typeface="배달의민족 도현" panose="020B0600000101010101" pitchFamily="50" charset="-127"/>
+              </a:rPr>
+              <a:t>미정</a:t>
+            </a:r>
+            <a:endParaRPr lang="ko-KR" altLang="en-US" dirty="0">
+              <a:latin typeface="배달의민족 도현" panose="020B0600000101010101" pitchFamily="50" charset="-127"/>
+              <a:ea typeface="배달의민족 도현" panose="020B0600000101010101" pitchFamily="50" charset="-127"/>
+            </a:endParaRPr>
+          </a:p>
+        </p:txBody>
+      </p:sp>
+      <p:sp>
+        <p:nvSpPr>
+          <p:cNvPr id="4" name="TextBox 3">
+            <a:extLst>
+              <a:ext uri="{FF2B5EF4-FFF2-40B4-BE49-F238E27FC236}">
+                <a16:creationId xmlns:a16="http://schemas.microsoft.com/office/drawing/2014/main" id="{39DD0BD9-EE92-42C8-85D3-0E33C672CC1E}"/>
+              </a:ext>
+            </a:extLst>
+          </p:cNvPr>
+          <p:cNvSpPr txBox="1"/>
+          <p:nvPr/>
+        </p:nvSpPr>
+        <p:spPr>
+          <a:xfrm>
+            <a:off x="1511999" y="1904423"/>
+            <a:ext cx="2367211" cy="584775"/>
+          </a:xfrm>
+          <a:prstGeom prst="rect">
+            <a:avLst/>
+          </a:prstGeom>
+          <a:noFill/>
+        </p:spPr>
+        <p:txBody>
+          <a:bodyPr wrap="square" rtlCol="0">
+            <a:spAutoFit/>
+          </a:bodyPr>
+          <a:lstStyle/>
+          <a:p>
+            <a:r>
+              <a:rPr lang="ko-KR" altLang="en-US" sz="3200" dirty="0">
+                <a:latin typeface="배달의민족 도현" panose="020B0600000101010101" pitchFamily="50" charset="-127"/>
+                <a:ea typeface="배달의민족 도현" panose="020B0600000101010101" pitchFamily="50" charset="-127"/>
+              </a:rPr>
+              <a:t>월드 몇 </a:t>
+            </a:r>
+            <a:r>
+              <a:rPr lang="en-US" altLang="ko-KR" sz="3200" dirty="0">
+                <a:latin typeface="배달의민족 도현" panose="020B0600000101010101" pitchFamily="50" charset="-127"/>
+                <a:ea typeface="배달의민족 도현" panose="020B0600000101010101" pitchFamily="50" charset="-127"/>
+              </a:rPr>
+              <a:t>km</a:t>
+            </a:r>
+            <a:endParaRPr lang="ko-KR" altLang="en-US" dirty="0">
+              <a:latin typeface="배달의민족 도현" panose="020B0600000101010101" pitchFamily="50" charset="-127"/>
+              <a:ea typeface="배달의민족 도현" panose="020B0600000101010101" pitchFamily="50" charset="-127"/>
+            </a:endParaRPr>
+          </a:p>
+        </p:txBody>
+      </p:sp>
+      <p:sp>
+        <p:nvSpPr>
+          <p:cNvPr id="5" name="TextBox 4">
+            <a:extLst>
+              <a:ext uri="{FF2B5EF4-FFF2-40B4-BE49-F238E27FC236}">
+                <a16:creationId xmlns:a16="http://schemas.microsoft.com/office/drawing/2014/main" id="{39F98B57-CE6F-42CF-BD5A-3C0ACEB75CD0}"/>
+              </a:ext>
+            </a:extLst>
+          </p:cNvPr>
+          <p:cNvSpPr txBox="1"/>
+          <p:nvPr/>
+        </p:nvSpPr>
+        <p:spPr>
+          <a:xfrm>
+            <a:off x="6538664" y="1904424"/>
+            <a:ext cx="2367211" cy="584775"/>
+          </a:xfrm>
+          <a:prstGeom prst="rect">
+            <a:avLst/>
+          </a:prstGeom>
+          <a:noFill/>
+        </p:spPr>
+        <p:txBody>
+          <a:bodyPr wrap="square" rtlCol="0">
+            <a:spAutoFit/>
+          </a:bodyPr>
+          <a:lstStyle/>
+          <a:p>
+            <a:r>
+              <a:rPr lang="ko-KR" altLang="en-US" sz="3200" dirty="0">
+                <a:latin typeface="배달의민족 도현" panose="020B0600000101010101" pitchFamily="50" charset="-127"/>
+                <a:ea typeface="배달의민족 도현" panose="020B0600000101010101" pitchFamily="50" charset="-127"/>
+              </a:rPr>
+              <a:t>필</a:t>
+            </a:r>
+            <a:r>
+              <a:rPr lang="ko-KR" altLang="en-US" sz="3200">
+                <a:latin typeface="배달의민족 도현" panose="020B0600000101010101" pitchFamily="50" charset="-127"/>
+                <a:ea typeface="배달의민족 도현" panose="020B0600000101010101" pitchFamily="50" charset="-127"/>
+              </a:rPr>
+              <a:t>드 </a:t>
+            </a:r>
+            <a:r>
+              <a:rPr lang="ko-KR" altLang="en-US" sz="3200" dirty="0">
+                <a:latin typeface="배달의민족 도현" panose="020B0600000101010101" pitchFamily="50" charset="-127"/>
+                <a:ea typeface="배달의민족 도현" panose="020B0600000101010101" pitchFamily="50" charset="-127"/>
+              </a:rPr>
+              <a:t>몇 </a:t>
+            </a:r>
+            <a:r>
+              <a:rPr lang="en-US" altLang="ko-KR" sz="3200" dirty="0">
+                <a:latin typeface="배달의민족 도현" panose="020B0600000101010101" pitchFamily="50" charset="-127"/>
+                <a:ea typeface="배달의민족 도현" panose="020B0600000101010101" pitchFamily="50" charset="-127"/>
+              </a:rPr>
+              <a:t>km</a:t>
+            </a:r>
+            <a:endParaRPr lang="ko-KR" altLang="en-US" dirty="0">
+              <a:latin typeface="배달의민족 도현" panose="020B0600000101010101" pitchFamily="50" charset="-127"/>
+              <a:ea typeface="배달의민족 도현" panose="020B0600000101010101" pitchFamily="50" charset="-127"/>
+            </a:endParaRPr>
+          </a:p>
+        </p:txBody>
+      </p:sp>
+      <p:sp>
+        <p:nvSpPr>
+          <p:cNvPr id="6" name="TextBox 5">
+            <a:extLst>
+              <a:ext uri="{FF2B5EF4-FFF2-40B4-BE49-F238E27FC236}">
+                <a16:creationId xmlns:a16="http://schemas.microsoft.com/office/drawing/2014/main" id="{45DA1D02-79F9-42F8-856E-0A7AE1976ACD}"/>
+              </a:ext>
+            </a:extLst>
+          </p:cNvPr>
+          <p:cNvSpPr txBox="1"/>
+          <p:nvPr/>
+        </p:nvSpPr>
+        <p:spPr>
+          <a:xfrm>
+            <a:off x="1511999" y="2890391"/>
+            <a:ext cx="2694254" cy="1077218"/>
+          </a:xfrm>
+          <a:prstGeom prst="rect">
+            <a:avLst/>
+          </a:prstGeom>
+          <a:noFill/>
+        </p:spPr>
+        <p:txBody>
+          <a:bodyPr wrap="square" rtlCol="0">
+            <a:spAutoFit/>
+          </a:bodyPr>
+          <a:lstStyle/>
+          <a:p>
+            <a:r>
+              <a:rPr lang="ko-KR" altLang="en-US" sz="3200" dirty="0">
+                <a:latin typeface="배달의민족 도현" panose="020B0600000101010101" pitchFamily="50" charset="-127"/>
+                <a:ea typeface="배달의민족 도현" panose="020B0600000101010101" pitchFamily="50" charset="-127"/>
+              </a:rPr>
+              <a:t>월드에서의 </a:t>
+            </a:r>
+            <a:endParaRPr lang="en-US" altLang="ko-KR" sz="3200" dirty="0">
+              <a:latin typeface="배달의민족 도현" panose="020B0600000101010101" pitchFamily="50" charset="-127"/>
+              <a:ea typeface="배달의민족 도현" panose="020B0600000101010101" pitchFamily="50" charset="-127"/>
+            </a:endParaRPr>
+          </a:p>
+          <a:p>
+            <a:r>
+              <a:rPr lang="ko-KR" altLang="en-US" sz="3200" dirty="0">
+                <a:latin typeface="배달의민족 도현" panose="020B0600000101010101" pitchFamily="50" charset="-127"/>
+                <a:ea typeface="배달의민족 도현" panose="020B0600000101010101" pitchFamily="50" charset="-127"/>
+              </a:rPr>
+              <a:t>플레이어</a:t>
+            </a:r>
+            <a:endParaRPr lang="ko-KR" altLang="en-US" dirty="0">
+              <a:latin typeface="배달의민족 도현" panose="020B0600000101010101" pitchFamily="50" charset="-127"/>
+              <a:ea typeface="배달의민족 도현" panose="020B0600000101010101" pitchFamily="50" charset="-127"/>
+            </a:endParaRPr>
+          </a:p>
+        </p:txBody>
+      </p:sp>
+      <p:sp>
+        <p:nvSpPr>
+          <p:cNvPr id="7" name="TextBox 6">
+            <a:extLst>
+              <a:ext uri="{FF2B5EF4-FFF2-40B4-BE49-F238E27FC236}">
+                <a16:creationId xmlns:a16="http://schemas.microsoft.com/office/drawing/2014/main" id="{BB348FA6-FADB-4EBC-B745-54DB145EA851}"/>
+              </a:ext>
+            </a:extLst>
+          </p:cNvPr>
+          <p:cNvSpPr txBox="1"/>
+          <p:nvPr/>
+        </p:nvSpPr>
+        <p:spPr>
+          <a:xfrm>
+            <a:off x="6538664" y="2890391"/>
+            <a:ext cx="2694254" cy="1077218"/>
+          </a:xfrm>
+          <a:prstGeom prst="rect">
+            <a:avLst/>
+          </a:prstGeom>
+          <a:noFill/>
+        </p:spPr>
+        <p:txBody>
+          <a:bodyPr wrap="square" rtlCol="0">
+            <a:spAutoFit/>
+          </a:bodyPr>
+          <a:lstStyle/>
+          <a:p>
+            <a:r>
+              <a:rPr lang="ko-KR" altLang="en-US" sz="3200" dirty="0">
+                <a:latin typeface="배달의민족 도현" panose="020B0600000101010101" pitchFamily="50" charset="-127"/>
+                <a:ea typeface="배달의민족 도현" panose="020B0600000101010101" pitchFamily="50" charset="-127"/>
+              </a:rPr>
+              <a:t>필드에서의 </a:t>
+            </a:r>
+            <a:endParaRPr lang="en-US" altLang="ko-KR" sz="3200" dirty="0">
+              <a:latin typeface="배달의민족 도현" panose="020B0600000101010101" pitchFamily="50" charset="-127"/>
+              <a:ea typeface="배달의민족 도현" panose="020B0600000101010101" pitchFamily="50" charset="-127"/>
+            </a:endParaRPr>
+          </a:p>
+          <a:p>
+            <a:r>
+              <a:rPr lang="ko-KR" altLang="en-US" sz="3200" dirty="0">
+                <a:latin typeface="배달의민족 도현" panose="020B0600000101010101" pitchFamily="50" charset="-127"/>
+                <a:ea typeface="배달의민족 도현" panose="020B0600000101010101" pitchFamily="50" charset="-127"/>
+              </a:rPr>
+              <a:t>캐릭터의 크기</a:t>
+            </a:r>
+            <a:endParaRPr lang="ko-KR" altLang="en-US" dirty="0">
+              <a:latin typeface="배달의민족 도현" panose="020B0600000101010101" pitchFamily="50" charset="-127"/>
+              <a:ea typeface="배달의민족 도현" panose="020B0600000101010101" pitchFamily="50" charset="-127"/>
+            </a:endParaRPr>
+          </a:p>
+        </p:txBody>
+      </p:sp>
+      <p:sp>
+        <p:nvSpPr>
+          <p:cNvPr id="8" name="TextBox 7">
+            <a:extLst>
+              <a:ext uri="{FF2B5EF4-FFF2-40B4-BE49-F238E27FC236}">
+                <a16:creationId xmlns:a16="http://schemas.microsoft.com/office/drawing/2014/main" id="{CB39DEB5-98B3-424C-9C7B-DE40A1C789F6}"/>
+              </a:ext>
+            </a:extLst>
+          </p:cNvPr>
+          <p:cNvSpPr txBox="1"/>
+          <p:nvPr/>
+        </p:nvSpPr>
+        <p:spPr>
+          <a:xfrm>
+            <a:off x="6538664" y="4293165"/>
+            <a:ext cx="2694254" cy="1077218"/>
+          </a:xfrm>
+          <a:prstGeom prst="rect">
+            <a:avLst/>
+          </a:prstGeom>
+          <a:noFill/>
+        </p:spPr>
+        <p:txBody>
+          <a:bodyPr wrap="square" rtlCol="0">
+            <a:spAutoFit/>
+          </a:bodyPr>
+          <a:lstStyle/>
+          <a:p>
+            <a:r>
+              <a:rPr lang="ko-KR" altLang="en-US" sz="3200" dirty="0">
+                <a:latin typeface="배달의민족 도현" panose="020B0600000101010101" pitchFamily="50" charset="-127"/>
+                <a:ea typeface="배달의민족 도현" panose="020B0600000101010101" pitchFamily="50" charset="-127"/>
+              </a:rPr>
+              <a:t>필드에서의 </a:t>
+            </a:r>
+            <a:endParaRPr lang="en-US" altLang="ko-KR" sz="3200" dirty="0">
+              <a:latin typeface="배달의민족 도현" panose="020B0600000101010101" pitchFamily="50" charset="-127"/>
+              <a:ea typeface="배달의민족 도현" panose="020B0600000101010101" pitchFamily="50" charset="-127"/>
+            </a:endParaRPr>
+          </a:p>
+          <a:p>
+            <a:r>
+              <a:rPr lang="ko-KR" altLang="en-US" sz="3200" dirty="0">
+                <a:latin typeface="배달의민족 도현" panose="020B0600000101010101" pitchFamily="50" charset="-127"/>
+                <a:ea typeface="배달의민족 도현" panose="020B0600000101010101" pitchFamily="50" charset="-127"/>
+              </a:rPr>
+              <a:t>캐릭터의 속도</a:t>
+            </a:r>
+            <a:endParaRPr lang="ko-KR" altLang="en-US" dirty="0">
+              <a:latin typeface="배달의민족 도현" panose="020B0600000101010101" pitchFamily="50" charset="-127"/>
+              <a:ea typeface="배달의민족 도현" panose="020B0600000101010101" pitchFamily="50" charset="-127"/>
+            </a:endParaRPr>
+          </a:p>
+        </p:txBody>
+      </p:sp>
+      <p:sp>
+        <p:nvSpPr>
+          <p:cNvPr id="9" name="TextBox 8">
+            <a:extLst>
+              <a:ext uri="{FF2B5EF4-FFF2-40B4-BE49-F238E27FC236}">
+                <a16:creationId xmlns:a16="http://schemas.microsoft.com/office/drawing/2014/main" id="{EC048BA3-A25D-48AC-983E-16C664CE7B05}"/>
+              </a:ext>
+            </a:extLst>
+          </p:cNvPr>
+          <p:cNvSpPr txBox="1"/>
+          <p:nvPr/>
+        </p:nvSpPr>
+        <p:spPr>
+          <a:xfrm>
+            <a:off x="1511999" y="4293165"/>
+            <a:ext cx="2694254" cy="1077218"/>
+          </a:xfrm>
+          <a:prstGeom prst="rect">
+            <a:avLst/>
+          </a:prstGeom>
+          <a:noFill/>
+        </p:spPr>
+        <p:txBody>
+          <a:bodyPr wrap="square" rtlCol="0">
+            <a:spAutoFit/>
+          </a:bodyPr>
+          <a:lstStyle/>
+          <a:p>
+            <a:r>
+              <a:rPr lang="ko-KR" altLang="en-US" sz="3200" dirty="0">
+                <a:latin typeface="배달의민족 도현" panose="020B0600000101010101" pitchFamily="50" charset="-127"/>
+                <a:ea typeface="배달의민족 도현" panose="020B0600000101010101" pitchFamily="50" charset="-127"/>
+              </a:rPr>
+              <a:t>월드에서의 </a:t>
+            </a:r>
+            <a:endParaRPr lang="en-US" altLang="ko-KR" sz="3200" dirty="0">
+              <a:latin typeface="배달의민족 도현" panose="020B0600000101010101" pitchFamily="50" charset="-127"/>
+              <a:ea typeface="배달의민족 도현" panose="020B0600000101010101" pitchFamily="50" charset="-127"/>
+            </a:endParaRPr>
+          </a:p>
+          <a:p>
+            <a:r>
+              <a:rPr lang="ko-KR" altLang="en-US" sz="3200" dirty="0">
+                <a:latin typeface="배달의민족 도현" panose="020B0600000101010101" pitchFamily="50" charset="-127"/>
+                <a:ea typeface="배달의민족 도현" panose="020B0600000101010101" pitchFamily="50" charset="-127"/>
+              </a:rPr>
+              <a:t>플레이어 속도</a:t>
+            </a:r>
+            <a:endParaRPr lang="ko-KR" altLang="en-US" dirty="0">
+              <a:latin typeface="배달의민족 도현" panose="020B0600000101010101" pitchFamily="50" charset="-127"/>
+              <a:ea typeface="배달의민족 도현" panose="020B0600000101010101" pitchFamily="50" charset="-127"/>
+            </a:endParaRPr>
+          </a:p>
+        </p:txBody>
+      </p:sp>
+    </p:spTree>
+    <p:extLst>
+      <p:ext uri="{BB962C8B-B14F-4D97-AF65-F5344CB8AC3E}">
+        <p14:creationId xmlns:p14="http://schemas.microsoft.com/office/powerpoint/2010/main" val="174219078"/>
       </p:ext>
     </p:extLst>
   </p:cSld>
